--- a/Presentations/Building Modern Mobile Apps - Xamarin.Forms.pptx
+++ b/Presentations/Building Modern Mobile Apps - Xamarin.Forms.pptx
@@ -6,10 +6,10 @@
     <p:sldMasterId id="2147483682" r:id="rId2"/>
   </p:sldMasterIdLst>
   <p:notesMasterIdLst>
-    <p:notesMasterId r:id="rId46"/>
+    <p:notesMasterId r:id="rId47"/>
   </p:notesMasterIdLst>
   <p:handoutMasterIdLst>
-    <p:handoutMasterId r:id="rId47"/>
+    <p:handoutMasterId r:id="rId48"/>
   </p:handoutMasterIdLst>
   <p:sldIdLst>
     <p:sldId id="258" r:id="rId3"/>
@@ -50,11 +50,12 @@
     <p:sldId id="268" r:id="rId38"/>
     <p:sldId id="267" r:id="rId39"/>
     <p:sldId id="269" r:id="rId40"/>
-    <p:sldId id="302" r:id="rId41"/>
-    <p:sldId id="303" r:id="rId42"/>
-    <p:sldId id="304" r:id="rId43"/>
-    <p:sldId id="305" r:id="rId44"/>
-    <p:sldId id="308" r:id="rId45"/>
+    <p:sldId id="309" r:id="rId41"/>
+    <p:sldId id="302" r:id="rId42"/>
+    <p:sldId id="303" r:id="rId43"/>
+    <p:sldId id="304" r:id="rId44"/>
+    <p:sldId id="305" r:id="rId45"/>
+    <p:sldId id="308" r:id="rId46"/>
   </p:sldIdLst>
   <p:sldSz cx="9144000" cy="5143500" type="screen16x9"/>
   <p:notesSz cx="6858000" cy="9144000"/>
@@ -5745,10 +5746,10 @@
         <a:p>
           <a:pPr rtl="0"/>
           <a:r>
-            <a:rPr lang="en-US" smtClean="0"/>
+            <a:rPr lang="en-US" dirty="0" smtClean="0"/>
             <a:t>Universal Windows</a:t>
           </a:r>
-          <a:endParaRPr lang="en-US"/>
+          <a:endParaRPr lang="en-US" dirty="0"/>
         </a:p>
       </dgm:t>
     </dgm:pt>
@@ -6518,6 +6519,1263 @@
       <dsp:cNvGrpSpPr/>
     </dsp:nvGrpSpPr>
     <dsp:grpSpPr/>
+    <dsp:sp modelId="{4FE9AE57-C038-48AD-A69E-8CBB9D8D8A6A}">
+      <dsp:nvSpPr>
+        <dsp:cNvPr id="0" name=""/>
+        <dsp:cNvSpPr/>
+      </dsp:nvSpPr>
+      <dsp:spPr>
+        <a:xfrm>
+          <a:off x="6633" y="1304998"/>
+          <a:ext cx="1935660" cy="967830"/>
+        </a:xfrm>
+        <a:prstGeom prst="roundRect">
+          <a:avLst>
+            <a:gd name="adj" fmla="val 10000"/>
+          </a:avLst>
+        </a:prstGeom>
+        <a:gradFill rotWithShape="0">
+          <a:gsLst>
+            <a:gs pos="0">
+              <a:schemeClr val="accent1">
+                <a:hueOff val="0"/>
+                <a:satOff val="0"/>
+                <a:lumOff val="0"/>
+                <a:alphaOff val="0"/>
+                <a:tint val="50000"/>
+                <a:satMod val="300000"/>
+              </a:schemeClr>
+            </a:gs>
+            <a:gs pos="35000">
+              <a:schemeClr val="accent1">
+                <a:hueOff val="0"/>
+                <a:satOff val="0"/>
+                <a:lumOff val="0"/>
+                <a:alphaOff val="0"/>
+                <a:tint val="37000"/>
+                <a:satMod val="300000"/>
+              </a:schemeClr>
+            </a:gs>
+            <a:gs pos="100000">
+              <a:schemeClr val="accent1">
+                <a:hueOff val="0"/>
+                <a:satOff val="0"/>
+                <a:lumOff val="0"/>
+                <a:alphaOff val="0"/>
+                <a:tint val="15000"/>
+                <a:satMod val="350000"/>
+              </a:schemeClr>
+            </a:gs>
+          </a:gsLst>
+          <a:lin ang="16200000" scaled="1"/>
+        </a:gradFill>
+        <a:ln>
+          <a:noFill/>
+        </a:ln>
+        <a:effectLst>
+          <a:outerShdw blurRad="40000" dist="20000" dir="5400000" rotWithShape="0">
+            <a:srgbClr val="000000">
+              <a:alpha val="38000"/>
+            </a:srgbClr>
+          </a:outerShdw>
+        </a:effectLst>
+        <a:scene3d>
+          <a:camera prst="orthographicFront"/>
+          <a:lightRig rig="flat" dir="t"/>
+        </a:scene3d>
+        <a:sp3d prstMaterial="dkEdge">
+          <a:bevelT w="8200" h="38100"/>
+        </a:sp3d>
+      </dsp:spPr>
+      <dsp:style>
+        <a:lnRef idx="0">
+          <a:scrgbClr r="0" g="0" b="0"/>
+        </a:lnRef>
+        <a:fillRef idx="2">
+          <a:scrgbClr r="0" g="0" b="0"/>
+        </a:fillRef>
+        <a:effectRef idx="1">
+          <a:scrgbClr r="0" g="0" b="0"/>
+        </a:effectRef>
+        <a:fontRef idx="minor">
+          <a:schemeClr val="dk1"/>
+        </a:fontRef>
+      </dsp:style>
+      <dsp:txBody>
+        <a:bodyPr spcFirstLastPara="0" vert="horz" wrap="square" lIns="13335" tIns="13335" rIns="13335" bIns="13335" numCol="1" spcCol="1270" anchor="ctr" anchorCtr="0">
+          <a:noAutofit/>
+        </a:bodyPr>
+        <a:lstStyle/>
+        <a:p>
+          <a:pPr lvl="0" algn="ctr" defTabSz="933450" rtl="0">
+            <a:lnSpc>
+              <a:spcPct val="90000"/>
+            </a:lnSpc>
+            <a:spcBef>
+              <a:spcPct val="0"/>
+            </a:spcBef>
+            <a:spcAft>
+              <a:spcPct val="35000"/>
+            </a:spcAft>
+          </a:pPr>
+          <a:r>
+            <a:rPr lang="en-US" sz="2100" kern="1200" dirty="0" err="1" smtClean="0"/>
+            <a:t>Xamarin.Forms</a:t>
+          </a:r>
+          <a:r>
+            <a:rPr lang="en-US" sz="2100" kern="1200" dirty="0" smtClean="0"/>
+            <a:t> Solution</a:t>
+          </a:r>
+          <a:endParaRPr lang="en-US" sz="2100" kern="1200" dirty="0"/>
+        </a:p>
+      </dsp:txBody>
+      <dsp:txXfrm>
+        <a:off x="34980" y="1333345"/>
+        <a:ext cx="1878966" cy="911136"/>
+      </dsp:txXfrm>
+    </dsp:sp>
+    <dsp:sp modelId="{AAAA23B8-5C0D-4758-809B-75AE1823D4F5}">
+      <dsp:nvSpPr>
+        <dsp:cNvPr id="0" name=""/>
+        <dsp:cNvSpPr/>
+      </dsp:nvSpPr>
+      <dsp:spPr>
+        <a:xfrm rot="18289469">
+          <a:off x="1651513" y="1208065"/>
+          <a:ext cx="1355826" cy="48691"/>
+        </a:xfrm>
+        <a:custGeom>
+          <a:avLst/>
+          <a:gdLst/>
+          <a:ahLst/>
+          <a:cxnLst/>
+          <a:rect l="0" t="0" r="0" b="0"/>
+          <a:pathLst>
+            <a:path>
+              <a:moveTo>
+                <a:pt x="0" y="24345"/>
+              </a:moveTo>
+              <a:lnTo>
+                <a:pt x="1355826" y="24345"/>
+              </a:lnTo>
+            </a:path>
+          </a:pathLst>
+        </a:custGeom>
+        <a:noFill/>
+        <a:ln w="25400" cap="flat" cmpd="sng" algn="ctr">
+          <a:solidFill>
+            <a:schemeClr val="accent2">
+              <a:hueOff val="0"/>
+              <a:satOff val="0"/>
+              <a:lumOff val="0"/>
+              <a:alphaOff val="0"/>
+            </a:schemeClr>
+          </a:solidFill>
+          <a:prstDash val="solid"/>
+        </a:ln>
+        <a:effectLst/>
+      </dsp:spPr>
+      <dsp:style>
+        <a:lnRef idx="2">
+          <a:scrgbClr r="0" g="0" b="0"/>
+        </a:lnRef>
+        <a:fillRef idx="0">
+          <a:scrgbClr r="0" g="0" b="0"/>
+        </a:fillRef>
+        <a:effectRef idx="0">
+          <a:scrgbClr r="0" g="0" b="0"/>
+        </a:effectRef>
+        <a:fontRef idx="minor"/>
+      </dsp:style>
+      <dsp:txBody>
+        <a:bodyPr spcFirstLastPara="0" vert="horz" wrap="square" lIns="12700" tIns="0" rIns="12700" bIns="0" numCol="1" spcCol="1270" anchor="ctr" anchorCtr="0">
+          <a:noAutofit/>
+        </a:bodyPr>
+        <a:lstStyle/>
+        <a:p>
+          <a:pPr lvl="0" algn="ctr" defTabSz="222250">
+            <a:lnSpc>
+              <a:spcPct val="90000"/>
+            </a:lnSpc>
+            <a:spcBef>
+              <a:spcPct val="0"/>
+            </a:spcBef>
+            <a:spcAft>
+              <a:spcPct val="35000"/>
+            </a:spcAft>
+          </a:pPr>
+          <a:endParaRPr lang="en-US" sz="500" kern="1200"/>
+        </a:p>
+      </dsp:txBody>
+      <dsp:txXfrm>
+        <a:off x="2295531" y="1198515"/>
+        <a:ext cx="67791" cy="67791"/>
+      </dsp:txXfrm>
+    </dsp:sp>
+    <dsp:sp modelId="{BD159EF6-7390-4055-A31C-A2B082C8CA33}">
+      <dsp:nvSpPr>
+        <dsp:cNvPr id="0" name=""/>
+        <dsp:cNvSpPr/>
+      </dsp:nvSpPr>
+      <dsp:spPr>
+        <a:xfrm>
+          <a:off x="2716559" y="191993"/>
+          <a:ext cx="1935660" cy="967830"/>
+        </a:xfrm>
+        <a:prstGeom prst="roundRect">
+          <a:avLst>
+            <a:gd name="adj" fmla="val 10000"/>
+          </a:avLst>
+        </a:prstGeom>
+        <a:gradFill rotWithShape="0">
+          <a:gsLst>
+            <a:gs pos="0">
+              <a:schemeClr val="accent2">
+                <a:hueOff val="0"/>
+                <a:satOff val="0"/>
+                <a:lumOff val="0"/>
+                <a:alphaOff val="0"/>
+                <a:tint val="50000"/>
+                <a:satMod val="300000"/>
+              </a:schemeClr>
+            </a:gs>
+            <a:gs pos="35000">
+              <a:schemeClr val="accent2">
+                <a:hueOff val="0"/>
+                <a:satOff val="0"/>
+                <a:lumOff val="0"/>
+                <a:alphaOff val="0"/>
+                <a:tint val="37000"/>
+                <a:satMod val="300000"/>
+              </a:schemeClr>
+            </a:gs>
+            <a:gs pos="100000">
+              <a:schemeClr val="accent2">
+                <a:hueOff val="0"/>
+                <a:satOff val="0"/>
+                <a:lumOff val="0"/>
+                <a:alphaOff val="0"/>
+                <a:tint val="15000"/>
+                <a:satMod val="350000"/>
+              </a:schemeClr>
+            </a:gs>
+          </a:gsLst>
+          <a:lin ang="16200000" scaled="1"/>
+        </a:gradFill>
+        <a:ln>
+          <a:noFill/>
+        </a:ln>
+        <a:effectLst>
+          <a:outerShdw blurRad="40000" dist="20000" dir="5400000" rotWithShape="0">
+            <a:srgbClr val="000000">
+              <a:alpha val="38000"/>
+            </a:srgbClr>
+          </a:outerShdw>
+        </a:effectLst>
+        <a:scene3d>
+          <a:camera prst="orthographicFront"/>
+          <a:lightRig rig="flat" dir="t"/>
+        </a:scene3d>
+        <a:sp3d prstMaterial="dkEdge">
+          <a:bevelT w="8200" h="38100"/>
+        </a:sp3d>
+      </dsp:spPr>
+      <dsp:style>
+        <a:lnRef idx="0">
+          <a:scrgbClr r="0" g="0" b="0"/>
+        </a:lnRef>
+        <a:fillRef idx="2">
+          <a:scrgbClr r="0" g="0" b="0"/>
+        </a:fillRef>
+        <a:effectRef idx="1">
+          <a:scrgbClr r="0" g="0" b="0"/>
+        </a:effectRef>
+        <a:fontRef idx="minor">
+          <a:schemeClr val="dk1"/>
+        </a:fontRef>
+      </dsp:style>
+      <dsp:txBody>
+        <a:bodyPr spcFirstLastPara="0" vert="horz" wrap="square" lIns="13335" tIns="13335" rIns="13335" bIns="13335" numCol="1" spcCol="1270" anchor="ctr" anchorCtr="0">
+          <a:noAutofit/>
+        </a:bodyPr>
+        <a:lstStyle/>
+        <a:p>
+          <a:pPr lvl="0" algn="ctr" defTabSz="933450" rtl="0">
+            <a:lnSpc>
+              <a:spcPct val="90000"/>
+            </a:lnSpc>
+            <a:spcBef>
+              <a:spcPct val="0"/>
+            </a:spcBef>
+            <a:spcAft>
+              <a:spcPct val="35000"/>
+            </a:spcAft>
+          </a:pPr>
+          <a:r>
+            <a:rPr lang="en-US" sz="2100" kern="1200" dirty="0" err="1" smtClean="0"/>
+            <a:t>Xamarin.Android</a:t>
+          </a:r>
+          <a:r>
+            <a:rPr lang="en-US" sz="2100" kern="1200" dirty="0" smtClean="0"/>
+            <a:t> Project</a:t>
+          </a:r>
+          <a:endParaRPr lang="en-US" sz="2100" kern="1200" dirty="0"/>
+        </a:p>
+      </dsp:txBody>
+      <dsp:txXfrm>
+        <a:off x="2744906" y="220340"/>
+        <a:ext cx="1878966" cy="911136"/>
+      </dsp:txXfrm>
+    </dsp:sp>
+    <dsp:sp modelId="{98E1CD5A-E02C-4BE6-945D-307910BF8DC4}">
+      <dsp:nvSpPr>
+        <dsp:cNvPr id="0" name=""/>
+        <dsp:cNvSpPr/>
+      </dsp:nvSpPr>
+      <dsp:spPr>
+        <a:xfrm>
+          <a:off x="4652219" y="651563"/>
+          <a:ext cx="774264" cy="48691"/>
+        </a:xfrm>
+        <a:custGeom>
+          <a:avLst/>
+          <a:gdLst/>
+          <a:ahLst/>
+          <a:cxnLst/>
+          <a:rect l="0" t="0" r="0" b="0"/>
+          <a:pathLst>
+            <a:path>
+              <a:moveTo>
+                <a:pt x="0" y="24345"/>
+              </a:moveTo>
+              <a:lnTo>
+                <a:pt x="774264" y="24345"/>
+              </a:lnTo>
+            </a:path>
+          </a:pathLst>
+        </a:custGeom>
+        <a:noFill/>
+        <a:ln w="25400" cap="flat" cmpd="sng" algn="ctr">
+          <a:solidFill>
+            <a:schemeClr val="accent3">
+              <a:hueOff val="0"/>
+              <a:satOff val="0"/>
+              <a:lumOff val="0"/>
+              <a:alphaOff val="0"/>
+            </a:schemeClr>
+          </a:solidFill>
+          <a:prstDash val="solid"/>
+        </a:ln>
+        <a:effectLst/>
+      </dsp:spPr>
+      <dsp:style>
+        <a:lnRef idx="2">
+          <a:scrgbClr r="0" g="0" b="0"/>
+        </a:lnRef>
+        <a:fillRef idx="0">
+          <a:scrgbClr r="0" g="0" b="0"/>
+        </a:fillRef>
+        <a:effectRef idx="0">
+          <a:scrgbClr r="0" g="0" b="0"/>
+        </a:effectRef>
+        <a:fontRef idx="minor"/>
+      </dsp:style>
+      <dsp:txBody>
+        <a:bodyPr spcFirstLastPara="0" vert="horz" wrap="square" lIns="12700" tIns="0" rIns="12700" bIns="0" numCol="1" spcCol="1270" anchor="ctr" anchorCtr="0">
+          <a:noAutofit/>
+        </a:bodyPr>
+        <a:lstStyle/>
+        <a:p>
+          <a:pPr lvl="0" algn="ctr" defTabSz="222250">
+            <a:lnSpc>
+              <a:spcPct val="90000"/>
+            </a:lnSpc>
+            <a:spcBef>
+              <a:spcPct val="0"/>
+            </a:spcBef>
+            <a:spcAft>
+              <a:spcPct val="35000"/>
+            </a:spcAft>
+          </a:pPr>
+          <a:endParaRPr lang="en-US" sz="500" kern="1200"/>
+        </a:p>
+      </dsp:txBody>
+      <dsp:txXfrm>
+        <a:off x="5019995" y="656552"/>
+        <a:ext cx="38713" cy="38713"/>
+      </dsp:txXfrm>
+    </dsp:sp>
+    <dsp:sp modelId="{DD1641BD-4EB1-4467-BE8E-5BEF0497AD9C}">
+      <dsp:nvSpPr>
+        <dsp:cNvPr id="0" name=""/>
+        <dsp:cNvSpPr/>
+      </dsp:nvSpPr>
+      <dsp:spPr>
+        <a:xfrm>
+          <a:off x="5426484" y="191993"/>
+          <a:ext cx="1935660" cy="967830"/>
+        </a:xfrm>
+        <a:prstGeom prst="roundRect">
+          <a:avLst>
+            <a:gd name="adj" fmla="val 10000"/>
+          </a:avLst>
+        </a:prstGeom>
+        <a:gradFill rotWithShape="0">
+          <a:gsLst>
+            <a:gs pos="0">
+              <a:schemeClr val="accent3">
+                <a:hueOff val="0"/>
+                <a:satOff val="0"/>
+                <a:lumOff val="0"/>
+                <a:alphaOff val="0"/>
+                <a:tint val="50000"/>
+                <a:satMod val="300000"/>
+              </a:schemeClr>
+            </a:gs>
+            <a:gs pos="35000">
+              <a:schemeClr val="accent3">
+                <a:hueOff val="0"/>
+                <a:satOff val="0"/>
+                <a:lumOff val="0"/>
+                <a:alphaOff val="0"/>
+                <a:tint val="37000"/>
+                <a:satMod val="300000"/>
+              </a:schemeClr>
+            </a:gs>
+            <a:gs pos="100000">
+              <a:schemeClr val="accent3">
+                <a:hueOff val="0"/>
+                <a:satOff val="0"/>
+                <a:lumOff val="0"/>
+                <a:alphaOff val="0"/>
+                <a:tint val="15000"/>
+                <a:satMod val="350000"/>
+              </a:schemeClr>
+            </a:gs>
+          </a:gsLst>
+          <a:lin ang="16200000" scaled="1"/>
+        </a:gradFill>
+        <a:ln>
+          <a:noFill/>
+        </a:ln>
+        <a:effectLst>
+          <a:outerShdw blurRad="40000" dist="20000" dir="5400000" rotWithShape="0">
+            <a:srgbClr val="000000">
+              <a:alpha val="38000"/>
+            </a:srgbClr>
+          </a:outerShdw>
+        </a:effectLst>
+        <a:scene3d>
+          <a:camera prst="orthographicFront"/>
+          <a:lightRig rig="flat" dir="t"/>
+        </a:scene3d>
+        <a:sp3d prstMaterial="dkEdge">
+          <a:bevelT w="8200" h="38100"/>
+        </a:sp3d>
+      </dsp:spPr>
+      <dsp:style>
+        <a:lnRef idx="0">
+          <a:scrgbClr r="0" g="0" b="0"/>
+        </a:lnRef>
+        <a:fillRef idx="2">
+          <a:scrgbClr r="0" g="0" b="0"/>
+        </a:fillRef>
+        <a:effectRef idx="1">
+          <a:scrgbClr r="0" g="0" b="0"/>
+        </a:effectRef>
+        <a:fontRef idx="minor">
+          <a:schemeClr val="dk1"/>
+        </a:fontRef>
+      </dsp:style>
+      <dsp:txBody>
+        <a:bodyPr spcFirstLastPara="0" vert="horz" wrap="square" lIns="13335" tIns="13335" rIns="13335" bIns="13335" numCol="1" spcCol="1270" anchor="ctr" anchorCtr="0">
+          <a:noAutofit/>
+        </a:bodyPr>
+        <a:lstStyle/>
+        <a:p>
+          <a:pPr lvl="0" algn="ctr" defTabSz="933450" rtl="0">
+            <a:lnSpc>
+              <a:spcPct val="90000"/>
+            </a:lnSpc>
+            <a:spcBef>
+              <a:spcPct val="0"/>
+            </a:spcBef>
+            <a:spcAft>
+              <a:spcPct val="35000"/>
+            </a:spcAft>
+          </a:pPr>
+          <a:r>
+            <a:rPr lang="en-US" sz="2100" kern="1200" dirty="0" smtClean="0"/>
+            <a:t>Native Android</a:t>
+          </a:r>
+          <a:endParaRPr lang="en-US" sz="2100" kern="1200" dirty="0"/>
+        </a:p>
+      </dsp:txBody>
+      <dsp:txXfrm>
+        <a:off x="5454831" y="220340"/>
+        <a:ext cx="1878966" cy="911136"/>
+      </dsp:txXfrm>
+    </dsp:sp>
+    <dsp:sp modelId="{4022D85D-C5C4-42B8-B251-EEF77A3C3488}">
+      <dsp:nvSpPr>
+        <dsp:cNvPr id="0" name=""/>
+        <dsp:cNvSpPr/>
+      </dsp:nvSpPr>
+      <dsp:spPr>
+        <a:xfrm>
+          <a:off x="1942294" y="1764568"/>
+          <a:ext cx="774264" cy="48691"/>
+        </a:xfrm>
+        <a:custGeom>
+          <a:avLst/>
+          <a:gdLst/>
+          <a:ahLst/>
+          <a:cxnLst/>
+          <a:rect l="0" t="0" r="0" b="0"/>
+          <a:pathLst>
+            <a:path>
+              <a:moveTo>
+                <a:pt x="0" y="24345"/>
+              </a:moveTo>
+              <a:lnTo>
+                <a:pt x="774264" y="24345"/>
+              </a:lnTo>
+            </a:path>
+          </a:pathLst>
+        </a:custGeom>
+        <a:noFill/>
+        <a:ln w="25400" cap="flat" cmpd="sng" algn="ctr">
+          <a:solidFill>
+            <a:schemeClr val="accent2">
+              <a:hueOff val="0"/>
+              <a:satOff val="0"/>
+              <a:lumOff val="0"/>
+              <a:alphaOff val="0"/>
+            </a:schemeClr>
+          </a:solidFill>
+          <a:prstDash val="solid"/>
+        </a:ln>
+        <a:effectLst/>
+      </dsp:spPr>
+      <dsp:style>
+        <a:lnRef idx="2">
+          <a:scrgbClr r="0" g="0" b="0"/>
+        </a:lnRef>
+        <a:fillRef idx="0">
+          <a:scrgbClr r="0" g="0" b="0"/>
+        </a:fillRef>
+        <a:effectRef idx="0">
+          <a:scrgbClr r="0" g="0" b="0"/>
+        </a:effectRef>
+        <a:fontRef idx="minor"/>
+      </dsp:style>
+      <dsp:txBody>
+        <a:bodyPr spcFirstLastPara="0" vert="horz" wrap="square" lIns="12700" tIns="0" rIns="12700" bIns="0" numCol="1" spcCol="1270" anchor="ctr" anchorCtr="0">
+          <a:noAutofit/>
+        </a:bodyPr>
+        <a:lstStyle/>
+        <a:p>
+          <a:pPr lvl="0" algn="ctr" defTabSz="222250">
+            <a:lnSpc>
+              <a:spcPct val="90000"/>
+            </a:lnSpc>
+            <a:spcBef>
+              <a:spcPct val="0"/>
+            </a:spcBef>
+            <a:spcAft>
+              <a:spcPct val="35000"/>
+            </a:spcAft>
+          </a:pPr>
+          <a:endParaRPr lang="en-US" sz="500" kern="1200"/>
+        </a:p>
+      </dsp:txBody>
+      <dsp:txXfrm>
+        <a:off x="2310070" y="1769557"/>
+        <a:ext cx="38713" cy="38713"/>
+      </dsp:txXfrm>
+    </dsp:sp>
+    <dsp:sp modelId="{CA3F486E-8B34-40BC-8A15-C29093560472}">
+      <dsp:nvSpPr>
+        <dsp:cNvPr id="0" name=""/>
+        <dsp:cNvSpPr/>
+      </dsp:nvSpPr>
+      <dsp:spPr>
+        <a:xfrm>
+          <a:off x="2716559" y="1304998"/>
+          <a:ext cx="1935660" cy="967830"/>
+        </a:xfrm>
+        <a:prstGeom prst="roundRect">
+          <a:avLst>
+            <a:gd name="adj" fmla="val 10000"/>
+          </a:avLst>
+        </a:prstGeom>
+        <a:gradFill rotWithShape="0">
+          <a:gsLst>
+            <a:gs pos="0">
+              <a:schemeClr val="accent2">
+                <a:hueOff val="0"/>
+                <a:satOff val="0"/>
+                <a:lumOff val="0"/>
+                <a:alphaOff val="0"/>
+                <a:tint val="50000"/>
+                <a:satMod val="300000"/>
+              </a:schemeClr>
+            </a:gs>
+            <a:gs pos="35000">
+              <a:schemeClr val="accent2">
+                <a:hueOff val="0"/>
+                <a:satOff val="0"/>
+                <a:lumOff val="0"/>
+                <a:alphaOff val="0"/>
+                <a:tint val="37000"/>
+                <a:satMod val="300000"/>
+              </a:schemeClr>
+            </a:gs>
+            <a:gs pos="100000">
+              <a:schemeClr val="accent2">
+                <a:hueOff val="0"/>
+                <a:satOff val="0"/>
+                <a:lumOff val="0"/>
+                <a:alphaOff val="0"/>
+                <a:tint val="15000"/>
+                <a:satMod val="350000"/>
+              </a:schemeClr>
+            </a:gs>
+          </a:gsLst>
+          <a:lin ang="16200000" scaled="1"/>
+        </a:gradFill>
+        <a:ln>
+          <a:noFill/>
+        </a:ln>
+        <a:effectLst>
+          <a:outerShdw blurRad="40000" dist="20000" dir="5400000" rotWithShape="0">
+            <a:srgbClr val="000000">
+              <a:alpha val="38000"/>
+            </a:srgbClr>
+          </a:outerShdw>
+        </a:effectLst>
+        <a:scene3d>
+          <a:camera prst="orthographicFront"/>
+          <a:lightRig rig="flat" dir="t"/>
+        </a:scene3d>
+        <a:sp3d prstMaterial="dkEdge">
+          <a:bevelT w="8200" h="38100"/>
+        </a:sp3d>
+      </dsp:spPr>
+      <dsp:style>
+        <a:lnRef idx="0">
+          <a:scrgbClr r="0" g="0" b="0"/>
+        </a:lnRef>
+        <a:fillRef idx="2">
+          <a:scrgbClr r="0" g="0" b="0"/>
+        </a:fillRef>
+        <a:effectRef idx="1">
+          <a:scrgbClr r="0" g="0" b="0"/>
+        </a:effectRef>
+        <a:fontRef idx="minor">
+          <a:schemeClr val="dk1"/>
+        </a:fontRef>
+      </dsp:style>
+      <dsp:txBody>
+        <a:bodyPr spcFirstLastPara="0" vert="horz" wrap="square" lIns="13335" tIns="13335" rIns="13335" bIns="13335" numCol="1" spcCol="1270" anchor="ctr" anchorCtr="0">
+          <a:noAutofit/>
+        </a:bodyPr>
+        <a:lstStyle/>
+        <a:p>
+          <a:pPr lvl="0" algn="ctr" defTabSz="933450" rtl="0">
+            <a:lnSpc>
+              <a:spcPct val="90000"/>
+            </a:lnSpc>
+            <a:spcBef>
+              <a:spcPct val="0"/>
+            </a:spcBef>
+            <a:spcAft>
+              <a:spcPct val="35000"/>
+            </a:spcAft>
+          </a:pPr>
+          <a:r>
+            <a:rPr lang="en-US" sz="2100" kern="1200" dirty="0" err="1" smtClean="0"/>
+            <a:t>Xamarin.iOS</a:t>
+          </a:r>
+          <a:r>
+            <a:rPr lang="en-US" sz="2100" kern="1200" dirty="0" smtClean="0"/>
+            <a:t> Project</a:t>
+          </a:r>
+          <a:endParaRPr lang="en-US" sz="2100" kern="1200" dirty="0"/>
+        </a:p>
+      </dsp:txBody>
+      <dsp:txXfrm>
+        <a:off x="2744906" y="1333345"/>
+        <a:ext cx="1878966" cy="911136"/>
+      </dsp:txXfrm>
+    </dsp:sp>
+    <dsp:sp modelId="{D2D017CF-682D-4EC1-B5AF-C441F7B52421}">
+      <dsp:nvSpPr>
+        <dsp:cNvPr id="0" name=""/>
+        <dsp:cNvSpPr/>
+      </dsp:nvSpPr>
+      <dsp:spPr>
+        <a:xfrm>
+          <a:off x="4652219" y="1764568"/>
+          <a:ext cx="774264" cy="48691"/>
+        </a:xfrm>
+        <a:custGeom>
+          <a:avLst/>
+          <a:gdLst/>
+          <a:ahLst/>
+          <a:cxnLst/>
+          <a:rect l="0" t="0" r="0" b="0"/>
+          <a:pathLst>
+            <a:path>
+              <a:moveTo>
+                <a:pt x="0" y="24345"/>
+              </a:moveTo>
+              <a:lnTo>
+                <a:pt x="774264" y="24345"/>
+              </a:lnTo>
+            </a:path>
+          </a:pathLst>
+        </a:custGeom>
+        <a:noFill/>
+        <a:ln w="25400" cap="flat" cmpd="sng" algn="ctr">
+          <a:solidFill>
+            <a:schemeClr val="accent3">
+              <a:hueOff val="0"/>
+              <a:satOff val="0"/>
+              <a:lumOff val="0"/>
+              <a:alphaOff val="0"/>
+            </a:schemeClr>
+          </a:solidFill>
+          <a:prstDash val="solid"/>
+        </a:ln>
+        <a:effectLst/>
+      </dsp:spPr>
+      <dsp:style>
+        <a:lnRef idx="2">
+          <a:scrgbClr r="0" g="0" b="0"/>
+        </a:lnRef>
+        <a:fillRef idx="0">
+          <a:scrgbClr r="0" g="0" b="0"/>
+        </a:fillRef>
+        <a:effectRef idx="0">
+          <a:scrgbClr r="0" g="0" b="0"/>
+        </a:effectRef>
+        <a:fontRef idx="minor"/>
+      </dsp:style>
+      <dsp:txBody>
+        <a:bodyPr spcFirstLastPara="0" vert="horz" wrap="square" lIns="12700" tIns="0" rIns="12700" bIns="0" numCol="1" spcCol="1270" anchor="ctr" anchorCtr="0">
+          <a:noAutofit/>
+        </a:bodyPr>
+        <a:lstStyle/>
+        <a:p>
+          <a:pPr lvl="0" algn="ctr" defTabSz="222250">
+            <a:lnSpc>
+              <a:spcPct val="90000"/>
+            </a:lnSpc>
+            <a:spcBef>
+              <a:spcPct val="0"/>
+            </a:spcBef>
+            <a:spcAft>
+              <a:spcPct val="35000"/>
+            </a:spcAft>
+          </a:pPr>
+          <a:endParaRPr lang="en-US" sz="500" kern="1200"/>
+        </a:p>
+      </dsp:txBody>
+      <dsp:txXfrm>
+        <a:off x="5019995" y="1769557"/>
+        <a:ext cx="38713" cy="38713"/>
+      </dsp:txXfrm>
+    </dsp:sp>
+    <dsp:sp modelId="{2A5CD9D7-2D27-4EB2-825D-8FE27F9DC6A5}">
+      <dsp:nvSpPr>
+        <dsp:cNvPr id="0" name=""/>
+        <dsp:cNvSpPr/>
+      </dsp:nvSpPr>
+      <dsp:spPr>
+        <a:xfrm>
+          <a:off x="5426484" y="1304998"/>
+          <a:ext cx="1935660" cy="967830"/>
+        </a:xfrm>
+        <a:prstGeom prst="roundRect">
+          <a:avLst>
+            <a:gd name="adj" fmla="val 10000"/>
+          </a:avLst>
+        </a:prstGeom>
+        <a:gradFill rotWithShape="0">
+          <a:gsLst>
+            <a:gs pos="0">
+              <a:schemeClr val="accent3">
+                <a:hueOff val="0"/>
+                <a:satOff val="0"/>
+                <a:lumOff val="0"/>
+                <a:alphaOff val="0"/>
+                <a:tint val="50000"/>
+                <a:satMod val="300000"/>
+              </a:schemeClr>
+            </a:gs>
+            <a:gs pos="35000">
+              <a:schemeClr val="accent3">
+                <a:hueOff val="0"/>
+                <a:satOff val="0"/>
+                <a:lumOff val="0"/>
+                <a:alphaOff val="0"/>
+                <a:tint val="37000"/>
+                <a:satMod val="300000"/>
+              </a:schemeClr>
+            </a:gs>
+            <a:gs pos="100000">
+              <a:schemeClr val="accent3">
+                <a:hueOff val="0"/>
+                <a:satOff val="0"/>
+                <a:lumOff val="0"/>
+                <a:alphaOff val="0"/>
+                <a:tint val="15000"/>
+                <a:satMod val="350000"/>
+              </a:schemeClr>
+            </a:gs>
+          </a:gsLst>
+          <a:lin ang="16200000" scaled="1"/>
+        </a:gradFill>
+        <a:ln>
+          <a:noFill/>
+        </a:ln>
+        <a:effectLst>
+          <a:outerShdw blurRad="40000" dist="20000" dir="5400000" rotWithShape="0">
+            <a:srgbClr val="000000">
+              <a:alpha val="38000"/>
+            </a:srgbClr>
+          </a:outerShdw>
+        </a:effectLst>
+        <a:scene3d>
+          <a:camera prst="orthographicFront"/>
+          <a:lightRig rig="flat" dir="t"/>
+        </a:scene3d>
+        <a:sp3d prstMaterial="dkEdge">
+          <a:bevelT w="8200" h="38100"/>
+        </a:sp3d>
+      </dsp:spPr>
+      <dsp:style>
+        <a:lnRef idx="0">
+          <a:scrgbClr r="0" g="0" b="0"/>
+        </a:lnRef>
+        <a:fillRef idx="2">
+          <a:scrgbClr r="0" g="0" b="0"/>
+        </a:fillRef>
+        <a:effectRef idx="1">
+          <a:scrgbClr r="0" g="0" b="0"/>
+        </a:effectRef>
+        <a:fontRef idx="minor">
+          <a:schemeClr val="dk1"/>
+        </a:fontRef>
+      </dsp:style>
+      <dsp:txBody>
+        <a:bodyPr spcFirstLastPara="0" vert="horz" wrap="square" lIns="13335" tIns="13335" rIns="13335" bIns="13335" numCol="1" spcCol="1270" anchor="ctr" anchorCtr="0">
+          <a:noAutofit/>
+        </a:bodyPr>
+        <a:lstStyle/>
+        <a:p>
+          <a:pPr lvl="0" algn="ctr" defTabSz="933450" rtl="0">
+            <a:lnSpc>
+              <a:spcPct val="90000"/>
+            </a:lnSpc>
+            <a:spcBef>
+              <a:spcPct val="0"/>
+            </a:spcBef>
+            <a:spcAft>
+              <a:spcPct val="35000"/>
+            </a:spcAft>
+          </a:pPr>
+          <a:r>
+            <a:rPr lang="en-US" sz="2100" kern="1200" dirty="0" smtClean="0"/>
+            <a:t>Native iOS</a:t>
+          </a:r>
+          <a:endParaRPr lang="en-US" sz="2100" kern="1200" dirty="0"/>
+        </a:p>
+      </dsp:txBody>
+      <dsp:txXfrm>
+        <a:off x="5454831" y="1333345"/>
+        <a:ext cx="1878966" cy="911136"/>
+      </dsp:txXfrm>
+    </dsp:sp>
+    <dsp:sp modelId="{9D3A4D6E-A3AA-40E9-83E5-5D8B68DA84E8}">
+      <dsp:nvSpPr>
+        <dsp:cNvPr id="0" name=""/>
+        <dsp:cNvSpPr/>
+      </dsp:nvSpPr>
+      <dsp:spPr>
+        <a:xfrm rot="3310531">
+          <a:off x="1651513" y="2321070"/>
+          <a:ext cx="1355826" cy="48691"/>
+        </a:xfrm>
+        <a:custGeom>
+          <a:avLst/>
+          <a:gdLst/>
+          <a:ahLst/>
+          <a:cxnLst/>
+          <a:rect l="0" t="0" r="0" b="0"/>
+          <a:pathLst>
+            <a:path>
+              <a:moveTo>
+                <a:pt x="0" y="24345"/>
+              </a:moveTo>
+              <a:lnTo>
+                <a:pt x="1355826" y="24345"/>
+              </a:lnTo>
+            </a:path>
+          </a:pathLst>
+        </a:custGeom>
+        <a:noFill/>
+        <a:ln w="25400" cap="flat" cmpd="sng" algn="ctr">
+          <a:solidFill>
+            <a:schemeClr val="accent2">
+              <a:hueOff val="0"/>
+              <a:satOff val="0"/>
+              <a:lumOff val="0"/>
+              <a:alphaOff val="0"/>
+            </a:schemeClr>
+          </a:solidFill>
+          <a:prstDash val="solid"/>
+        </a:ln>
+        <a:effectLst/>
+      </dsp:spPr>
+      <dsp:style>
+        <a:lnRef idx="2">
+          <a:scrgbClr r="0" g="0" b="0"/>
+        </a:lnRef>
+        <a:fillRef idx="0">
+          <a:scrgbClr r="0" g="0" b="0"/>
+        </a:fillRef>
+        <a:effectRef idx="0">
+          <a:scrgbClr r="0" g="0" b="0"/>
+        </a:effectRef>
+        <a:fontRef idx="minor"/>
+      </dsp:style>
+      <dsp:txBody>
+        <a:bodyPr spcFirstLastPara="0" vert="horz" wrap="square" lIns="12700" tIns="0" rIns="12700" bIns="0" numCol="1" spcCol="1270" anchor="ctr" anchorCtr="0">
+          <a:noAutofit/>
+        </a:bodyPr>
+        <a:lstStyle/>
+        <a:p>
+          <a:pPr lvl="0" algn="ctr" defTabSz="222250">
+            <a:lnSpc>
+              <a:spcPct val="90000"/>
+            </a:lnSpc>
+            <a:spcBef>
+              <a:spcPct val="0"/>
+            </a:spcBef>
+            <a:spcAft>
+              <a:spcPct val="35000"/>
+            </a:spcAft>
+          </a:pPr>
+          <a:endParaRPr lang="en-US" sz="500" kern="1200"/>
+        </a:p>
+      </dsp:txBody>
+      <dsp:txXfrm>
+        <a:off x="2295531" y="2311520"/>
+        <a:ext cx="67791" cy="67791"/>
+      </dsp:txXfrm>
+    </dsp:sp>
+    <dsp:sp modelId="{C85A7070-47E7-4EDE-A372-8CCEACCC6651}">
+      <dsp:nvSpPr>
+        <dsp:cNvPr id="0" name=""/>
+        <dsp:cNvSpPr/>
+      </dsp:nvSpPr>
+      <dsp:spPr>
+        <a:xfrm>
+          <a:off x="2716559" y="2418003"/>
+          <a:ext cx="1935660" cy="967830"/>
+        </a:xfrm>
+        <a:prstGeom prst="roundRect">
+          <a:avLst>
+            <a:gd name="adj" fmla="val 10000"/>
+          </a:avLst>
+        </a:prstGeom>
+        <a:gradFill rotWithShape="0">
+          <a:gsLst>
+            <a:gs pos="0">
+              <a:schemeClr val="accent2">
+                <a:hueOff val="0"/>
+                <a:satOff val="0"/>
+                <a:lumOff val="0"/>
+                <a:alphaOff val="0"/>
+                <a:tint val="50000"/>
+                <a:satMod val="300000"/>
+              </a:schemeClr>
+            </a:gs>
+            <a:gs pos="35000">
+              <a:schemeClr val="accent2">
+                <a:hueOff val="0"/>
+                <a:satOff val="0"/>
+                <a:lumOff val="0"/>
+                <a:alphaOff val="0"/>
+                <a:tint val="37000"/>
+                <a:satMod val="300000"/>
+              </a:schemeClr>
+            </a:gs>
+            <a:gs pos="100000">
+              <a:schemeClr val="accent2">
+                <a:hueOff val="0"/>
+                <a:satOff val="0"/>
+                <a:lumOff val="0"/>
+                <a:alphaOff val="0"/>
+                <a:tint val="15000"/>
+                <a:satMod val="350000"/>
+              </a:schemeClr>
+            </a:gs>
+          </a:gsLst>
+          <a:lin ang="16200000" scaled="1"/>
+        </a:gradFill>
+        <a:ln>
+          <a:noFill/>
+        </a:ln>
+        <a:effectLst>
+          <a:outerShdw blurRad="40000" dist="20000" dir="5400000" rotWithShape="0">
+            <a:srgbClr val="000000">
+              <a:alpha val="38000"/>
+            </a:srgbClr>
+          </a:outerShdw>
+        </a:effectLst>
+        <a:scene3d>
+          <a:camera prst="orthographicFront"/>
+          <a:lightRig rig="flat" dir="t"/>
+        </a:scene3d>
+        <a:sp3d prstMaterial="dkEdge">
+          <a:bevelT w="8200" h="38100"/>
+        </a:sp3d>
+      </dsp:spPr>
+      <dsp:style>
+        <a:lnRef idx="0">
+          <a:scrgbClr r="0" g="0" b="0"/>
+        </a:lnRef>
+        <a:fillRef idx="2">
+          <a:scrgbClr r="0" g="0" b="0"/>
+        </a:fillRef>
+        <a:effectRef idx="1">
+          <a:scrgbClr r="0" g="0" b="0"/>
+        </a:effectRef>
+        <a:fontRef idx="minor">
+          <a:schemeClr val="dk1"/>
+        </a:fontRef>
+      </dsp:style>
+      <dsp:txBody>
+        <a:bodyPr spcFirstLastPara="0" vert="horz" wrap="square" lIns="13335" tIns="13335" rIns="13335" bIns="13335" numCol="1" spcCol="1270" anchor="ctr" anchorCtr="0">
+          <a:noAutofit/>
+        </a:bodyPr>
+        <a:lstStyle/>
+        <a:p>
+          <a:pPr lvl="0" algn="ctr" defTabSz="933450" rtl="0">
+            <a:lnSpc>
+              <a:spcPct val="90000"/>
+            </a:lnSpc>
+            <a:spcBef>
+              <a:spcPct val="0"/>
+            </a:spcBef>
+            <a:spcAft>
+              <a:spcPct val="35000"/>
+            </a:spcAft>
+          </a:pPr>
+          <a:r>
+            <a:rPr lang="en-US" sz="2100" kern="1200" dirty="0" smtClean="0"/>
+            <a:t>Universal Windows Project</a:t>
+          </a:r>
+          <a:endParaRPr lang="en-US" sz="2100" kern="1200" dirty="0"/>
+        </a:p>
+      </dsp:txBody>
+      <dsp:txXfrm>
+        <a:off x="2744906" y="2446350"/>
+        <a:ext cx="1878966" cy="911136"/>
+      </dsp:txXfrm>
+    </dsp:sp>
+    <dsp:sp modelId="{15B8AD97-0F56-4C4B-838B-A8C87FEF68D8}">
+      <dsp:nvSpPr>
+        <dsp:cNvPr id="0" name=""/>
+        <dsp:cNvSpPr/>
+      </dsp:nvSpPr>
+      <dsp:spPr>
+        <a:xfrm>
+          <a:off x="4652219" y="2877573"/>
+          <a:ext cx="774264" cy="48691"/>
+        </a:xfrm>
+        <a:custGeom>
+          <a:avLst/>
+          <a:gdLst/>
+          <a:ahLst/>
+          <a:cxnLst/>
+          <a:rect l="0" t="0" r="0" b="0"/>
+          <a:pathLst>
+            <a:path>
+              <a:moveTo>
+                <a:pt x="0" y="24345"/>
+              </a:moveTo>
+              <a:lnTo>
+                <a:pt x="774264" y="24345"/>
+              </a:lnTo>
+            </a:path>
+          </a:pathLst>
+        </a:custGeom>
+        <a:noFill/>
+        <a:ln w="25400" cap="flat" cmpd="sng" algn="ctr">
+          <a:solidFill>
+            <a:schemeClr val="accent3">
+              <a:hueOff val="0"/>
+              <a:satOff val="0"/>
+              <a:lumOff val="0"/>
+              <a:alphaOff val="0"/>
+            </a:schemeClr>
+          </a:solidFill>
+          <a:prstDash val="solid"/>
+        </a:ln>
+        <a:effectLst/>
+      </dsp:spPr>
+      <dsp:style>
+        <a:lnRef idx="2">
+          <a:scrgbClr r="0" g="0" b="0"/>
+        </a:lnRef>
+        <a:fillRef idx="0">
+          <a:scrgbClr r="0" g="0" b="0"/>
+        </a:fillRef>
+        <a:effectRef idx="0">
+          <a:scrgbClr r="0" g="0" b="0"/>
+        </a:effectRef>
+        <a:fontRef idx="minor"/>
+      </dsp:style>
+      <dsp:txBody>
+        <a:bodyPr spcFirstLastPara="0" vert="horz" wrap="square" lIns="12700" tIns="0" rIns="12700" bIns="0" numCol="1" spcCol="1270" anchor="ctr" anchorCtr="0">
+          <a:noAutofit/>
+        </a:bodyPr>
+        <a:lstStyle/>
+        <a:p>
+          <a:pPr lvl="0" algn="ctr" defTabSz="222250">
+            <a:lnSpc>
+              <a:spcPct val="90000"/>
+            </a:lnSpc>
+            <a:spcBef>
+              <a:spcPct val="0"/>
+            </a:spcBef>
+            <a:spcAft>
+              <a:spcPct val="35000"/>
+            </a:spcAft>
+          </a:pPr>
+          <a:endParaRPr lang="en-US" sz="500" kern="1200"/>
+        </a:p>
+      </dsp:txBody>
+      <dsp:txXfrm>
+        <a:off x="5019995" y="2882562"/>
+        <a:ext cx="38713" cy="38713"/>
+      </dsp:txXfrm>
+    </dsp:sp>
+    <dsp:sp modelId="{D8268A4E-8F1D-463E-BA02-9831D58F5A1A}">
+      <dsp:nvSpPr>
+        <dsp:cNvPr id="0" name=""/>
+        <dsp:cNvSpPr/>
+      </dsp:nvSpPr>
+      <dsp:spPr>
+        <a:xfrm>
+          <a:off x="5426484" y="2418003"/>
+          <a:ext cx="1935660" cy="967830"/>
+        </a:xfrm>
+        <a:prstGeom prst="roundRect">
+          <a:avLst>
+            <a:gd name="adj" fmla="val 10000"/>
+          </a:avLst>
+        </a:prstGeom>
+        <a:gradFill rotWithShape="0">
+          <a:gsLst>
+            <a:gs pos="0">
+              <a:schemeClr val="accent3">
+                <a:hueOff val="0"/>
+                <a:satOff val="0"/>
+                <a:lumOff val="0"/>
+                <a:alphaOff val="0"/>
+                <a:tint val="50000"/>
+                <a:satMod val="300000"/>
+              </a:schemeClr>
+            </a:gs>
+            <a:gs pos="35000">
+              <a:schemeClr val="accent3">
+                <a:hueOff val="0"/>
+                <a:satOff val="0"/>
+                <a:lumOff val="0"/>
+                <a:alphaOff val="0"/>
+                <a:tint val="37000"/>
+                <a:satMod val="300000"/>
+              </a:schemeClr>
+            </a:gs>
+            <a:gs pos="100000">
+              <a:schemeClr val="accent3">
+                <a:hueOff val="0"/>
+                <a:satOff val="0"/>
+                <a:lumOff val="0"/>
+                <a:alphaOff val="0"/>
+                <a:tint val="15000"/>
+                <a:satMod val="350000"/>
+              </a:schemeClr>
+            </a:gs>
+          </a:gsLst>
+          <a:lin ang="16200000" scaled="1"/>
+        </a:gradFill>
+        <a:ln>
+          <a:noFill/>
+        </a:ln>
+        <a:effectLst>
+          <a:outerShdw blurRad="40000" dist="20000" dir="5400000" rotWithShape="0">
+            <a:srgbClr val="000000">
+              <a:alpha val="38000"/>
+            </a:srgbClr>
+          </a:outerShdw>
+        </a:effectLst>
+        <a:scene3d>
+          <a:camera prst="orthographicFront"/>
+          <a:lightRig rig="flat" dir="t"/>
+        </a:scene3d>
+        <a:sp3d prstMaterial="dkEdge">
+          <a:bevelT w="8200" h="38100"/>
+        </a:sp3d>
+      </dsp:spPr>
+      <dsp:style>
+        <a:lnRef idx="0">
+          <a:scrgbClr r="0" g="0" b="0"/>
+        </a:lnRef>
+        <a:fillRef idx="2">
+          <a:scrgbClr r="0" g="0" b="0"/>
+        </a:fillRef>
+        <a:effectRef idx="1">
+          <a:scrgbClr r="0" g="0" b="0"/>
+        </a:effectRef>
+        <a:fontRef idx="minor">
+          <a:schemeClr val="dk1"/>
+        </a:fontRef>
+      </dsp:style>
+      <dsp:txBody>
+        <a:bodyPr spcFirstLastPara="0" vert="horz" wrap="square" lIns="13335" tIns="13335" rIns="13335" bIns="13335" numCol="1" spcCol="1270" anchor="ctr" anchorCtr="0">
+          <a:noAutofit/>
+        </a:bodyPr>
+        <a:lstStyle/>
+        <a:p>
+          <a:pPr lvl="0" algn="ctr" defTabSz="933450" rtl="0">
+            <a:lnSpc>
+              <a:spcPct val="90000"/>
+            </a:lnSpc>
+            <a:spcBef>
+              <a:spcPct val="0"/>
+            </a:spcBef>
+            <a:spcAft>
+              <a:spcPct val="35000"/>
+            </a:spcAft>
+          </a:pPr>
+          <a:r>
+            <a:rPr lang="en-US" sz="2100" kern="1200" dirty="0" smtClean="0"/>
+            <a:t>Native Windows</a:t>
+          </a:r>
+          <a:endParaRPr lang="en-US" sz="2100" kern="1200" dirty="0"/>
+        </a:p>
+      </dsp:txBody>
+      <dsp:txXfrm>
+        <a:off x="5454831" y="2446350"/>
+        <a:ext cx="1878966" cy="911136"/>
+      </dsp:txXfrm>
+    </dsp:sp>
   </dsp:spTree>
 </dsp:drawing>
 </file>
@@ -6530,6 +7788,371 @@
       <dsp:cNvGrpSpPr/>
     </dsp:nvGrpSpPr>
     <dsp:grpSpPr/>
+    <dsp:sp modelId="{0DAFDE51-1E88-4DE7-A577-3A1209956C26}">
+      <dsp:nvSpPr>
+        <dsp:cNvPr id="0" name=""/>
+        <dsp:cNvSpPr/>
+      </dsp:nvSpPr>
+      <dsp:spPr>
+        <a:xfrm>
+          <a:off x="0" y="0"/>
+          <a:ext cx="8229600" cy="3394472"/>
+        </a:xfrm>
+        <a:prstGeom prst="rect">
+          <a:avLst/>
+        </a:prstGeom>
+        <a:solidFill>
+          <a:schemeClr val="accent1">
+            <a:hueOff val="0"/>
+            <a:satOff val="0"/>
+            <a:lumOff val="0"/>
+            <a:alphaOff val="0"/>
+          </a:schemeClr>
+        </a:solidFill>
+        <a:ln w="25400" cap="flat" cmpd="sng" algn="ctr">
+          <a:solidFill>
+            <a:schemeClr val="lt1">
+              <a:hueOff val="0"/>
+              <a:satOff val="0"/>
+              <a:lumOff val="0"/>
+              <a:alphaOff val="0"/>
+            </a:schemeClr>
+          </a:solidFill>
+          <a:prstDash val="solid"/>
+        </a:ln>
+        <a:effectLst/>
+      </dsp:spPr>
+      <dsp:style>
+        <a:lnRef idx="2">
+          <a:scrgbClr r="0" g="0" b="0"/>
+        </a:lnRef>
+        <a:fillRef idx="1">
+          <a:scrgbClr r="0" g="0" b="0"/>
+        </a:fillRef>
+        <a:effectRef idx="0">
+          <a:scrgbClr r="0" g="0" b="0"/>
+        </a:effectRef>
+        <a:fontRef idx="minor">
+          <a:schemeClr val="lt1"/>
+        </a:fontRef>
+      </dsp:style>
+      <dsp:txBody>
+        <a:bodyPr spcFirstLastPara="0" vert="horz" wrap="square" lIns="462280" tIns="462280" rIns="462280" bIns="462280" numCol="1" spcCol="1270" anchor="ctr" anchorCtr="0">
+          <a:noAutofit/>
+        </a:bodyPr>
+        <a:lstStyle/>
+        <a:p>
+          <a:pPr lvl="0" algn="ctr" defTabSz="2889250" rtl="0">
+            <a:lnSpc>
+              <a:spcPct val="90000"/>
+            </a:lnSpc>
+            <a:spcBef>
+              <a:spcPct val="0"/>
+            </a:spcBef>
+            <a:spcAft>
+              <a:spcPct val="35000"/>
+            </a:spcAft>
+          </a:pPr>
+          <a:r>
+            <a:rPr lang="en-US" sz="6500" kern="1200" dirty="0" err="1" smtClean="0"/>
+            <a:t>Xamarin.iOS</a:t>
+          </a:r>
+          <a:endParaRPr lang="en-US" sz="6500" kern="1200" dirty="0"/>
+        </a:p>
+      </dsp:txBody>
+      <dsp:txXfrm>
+        <a:off x="0" y="0"/>
+        <a:ext cx="8229600" cy="1833014"/>
+      </dsp:txXfrm>
+    </dsp:sp>
+    <dsp:sp modelId="{EDBA2673-A2BB-49C6-AF94-91C8ED3A4AAF}">
+      <dsp:nvSpPr>
+        <dsp:cNvPr id="0" name=""/>
+        <dsp:cNvSpPr/>
+      </dsp:nvSpPr>
+      <dsp:spPr>
+        <a:xfrm>
+          <a:off x="0" y="1765125"/>
+          <a:ext cx="4114799" cy="1561457"/>
+        </a:xfrm>
+        <a:prstGeom prst="rect">
+          <a:avLst/>
+        </a:prstGeom>
+        <a:solidFill>
+          <a:schemeClr val="accent1">
+            <a:alpha val="90000"/>
+            <a:tint val="40000"/>
+            <a:hueOff val="0"/>
+            <a:satOff val="0"/>
+            <a:lumOff val="0"/>
+            <a:alphaOff val="0"/>
+          </a:schemeClr>
+        </a:solidFill>
+        <a:ln w="25400" cap="flat" cmpd="sng" algn="ctr">
+          <a:solidFill>
+            <a:schemeClr val="accent1">
+              <a:alpha val="90000"/>
+              <a:tint val="40000"/>
+              <a:hueOff val="0"/>
+              <a:satOff val="0"/>
+              <a:lumOff val="0"/>
+              <a:alphaOff val="0"/>
+            </a:schemeClr>
+          </a:solidFill>
+          <a:prstDash val="solid"/>
+        </a:ln>
+        <a:effectLst/>
+      </dsp:spPr>
+      <dsp:style>
+        <a:lnRef idx="2">
+          <a:scrgbClr r="0" g="0" b="0"/>
+        </a:lnRef>
+        <a:fillRef idx="1">
+          <a:scrgbClr r="0" g="0" b="0"/>
+        </a:fillRef>
+        <a:effectRef idx="0">
+          <a:scrgbClr r="0" g="0" b="0"/>
+        </a:effectRef>
+        <a:fontRef idx="minor"/>
+      </dsp:style>
+      <dsp:txBody>
+        <a:bodyPr spcFirstLastPara="0" vert="horz" wrap="square" lIns="184912" tIns="33020" rIns="184912" bIns="33020" numCol="1" spcCol="1270" anchor="t" anchorCtr="0">
+          <a:noAutofit/>
+        </a:bodyPr>
+        <a:lstStyle/>
+        <a:p>
+          <a:pPr lvl="0" algn="l" defTabSz="1155700" rtl="0">
+            <a:lnSpc>
+              <a:spcPct val="90000"/>
+            </a:lnSpc>
+            <a:spcBef>
+              <a:spcPct val="0"/>
+            </a:spcBef>
+            <a:spcAft>
+              <a:spcPct val="35000"/>
+            </a:spcAft>
+          </a:pPr>
+          <a:r>
+            <a:rPr lang="en-US" sz="2600" kern="1200" dirty="0" smtClean="0"/>
+            <a:t>Mac (Required)</a:t>
+          </a:r>
+          <a:endParaRPr lang="en-US" sz="2600" kern="1200" dirty="0"/>
+        </a:p>
+        <a:p>
+          <a:pPr marL="228600" lvl="1" indent="-228600" algn="l" defTabSz="889000" rtl="0">
+            <a:lnSpc>
+              <a:spcPct val="90000"/>
+            </a:lnSpc>
+            <a:spcBef>
+              <a:spcPct val="0"/>
+            </a:spcBef>
+            <a:spcAft>
+              <a:spcPct val="15000"/>
+            </a:spcAft>
+            <a:buChar char="••"/>
+          </a:pPr>
+          <a:r>
+            <a:rPr lang="en-US" sz="2000" kern="1200" dirty="0" smtClean="0"/>
+            <a:t>OS X </a:t>
+          </a:r>
+          <a:r>
+            <a:rPr lang="en-US" sz="2000" kern="1200" dirty="0" err="1" smtClean="0"/>
+            <a:t>Yosimite</a:t>
+          </a:r>
+          <a:r>
+            <a:rPr lang="en-US" sz="2000" kern="1200" dirty="0" smtClean="0"/>
+            <a:t>+</a:t>
+          </a:r>
+          <a:endParaRPr lang="en-US" sz="2000" kern="1200" dirty="0"/>
+        </a:p>
+        <a:p>
+          <a:pPr marL="228600" lvl="1" indent="-228600" algn="l" defTabSz="889000" rtl="0">
+            <a:lnSpc>
+              <a:spcPct val="90000"/>
+            </a:lnSpc>
+            <a:spcBef>
+              <a:spcPct val="0"/>
+            </a:spcBef>
+            <a:spcAft>
+              <a:spcPct val="15000"/>
+            </a:spcAft>
+            <a:buChar char="••"/>
+          </a:pPr>
+          <a:r>
+            <a:rPr lang="en-US" sz="2000" kern="1200" dirty="0" err="1" smtClean="0"/>
+            <a:t>Xamarin</a:t>
+          </a:r>
+          <a:r>
+            <a:rPr lang="en-US" sz="2000" kern="1200" dirty="0" smtClean="0"/>
+            <a:t> Studio</a:t>
+          </a:r>
+          <a:endParaRPr lang="en-US" sz="2000" kern="1200" dirty="0"/>
+        </a:p>
+        <a:p>
+          <a:pPr marL="228600" lvl="1" indent="-228600" algn="l" defTabSz="889000" rtl="0">
+            <a:lnSpc>
+              <a:spcPct val="90000"/>
+            </a:lnSpc>
+            <a:spcBef>
+              <a:spcPct val="0"/>
+            </a:spcBef>
+            <a:spcAft>
+              <a:spcPct val="15000"/>
+            </a:spcAft>
+            <a:buChar char="••"/>
+          </a:pPr>
+          <a:r>
+            <a:rPr lang="en-US" sz="2000" kern="1200" dirty="0" err="1" smtClean="0"/>
+            <a:t>XCode</a:t>
+          </a:r>
+          <a:endParaRPr lang="en-US" sz="2000" kern="1200" dirty="0"/>
+        </a:p>
+      </dsp:txBody>
+      <dsp:txXfrm>
+        <a:off x="0" y="1765125"/>
+        <a:ext cx="4114799" cy="1561457"/>
+      </dsp:txXfrm>
+    </dsp:sp>
+    <dsp:sp modelId="{B23A08BF-EC7C-460F-9EF4-6AB1A381736D}">
+      <dsp:nvSpPr>
+        <dsp:cNvPr id="0" name=""/>
+        <dsp:cNvSpPr/>
+      </dsp:nvSpPr>
+      <dsp:spPr>
+        <a:xfrm>
+          <a:off x="4114800" y="1765125"/>
+          <a:ext cx="4114799" cy="1561457"/>
+        </a:xfrm>
+        <a:prstGeom prst="rect">
+          <a:avLst/>
+        </a:prstGeom>
+        <a:solidFill>
+          <a:schemeClr val="accent1">
+            <a:alpha val="90000"/>
+            <a:tint val="40000"/>
+            <a:hueOff val="0"/>
+            <a:satOff val="0"/>
+            <a:lumOff val="0"/>
+            <a:alphaOff val="0"/>
+          </a:schemeClr>
+        </a:solidFill>
+        <a:ln w="25400" cap="flat" cmpd="sng" algn="ctr">
+          <a:solidFill>
+            <a:schemeClr val="accent1">
+              <a:alpha val="90000"/>
+              <a:tint val="40000"/>
+              <a:hueOff val="0"/>
+              <a:satOff val="0"/>
+              <a:lumOff val="0"/>
+              <a:alphaOff val="0"/>
+            </a:schemeClr>
+          </a:solidFill>
+          <a:prstDash val="solid"/>
+        </a:ln>
+        <a:effectLst/>
+      </dsp:spPr>
+      <dsp:style>
+        <a:lnRef idx="2">
+          <a:scrgbClr r="0" g="0" b="0"/>
+        </a:lnRef>
+        <a:fillRef idx="1">
+          <a:scrgbClr r="0" g="0" b="0"/>
+        </a:fillRef>
+        <a:effectRef idx="0">
+          <a:scrgbClr r="0" g="0" b="0"/>
+        </a:effectRef>
+        <a:fontRef idx="minor"/>
+      </dsp:style>
+      <dsp:txBody>
+        <a:bodyPr spcFirstLastPara="0" vert="horz" wrap="square" lIns="184912" tIns="33020" rIns="184912" bIns="33020" numCol="1" spcCol="1270" anchor="t" anchorCtr="0">
+          <a:noAutofit/>
+        </a:bodyPr>
+        <a:lstStyle/>
+        <a:p>
+          <a:pPr lvl="0" algn="l" defTabSz="1155700" rtl="0">
+            <a:lnSpc>
+              <a:spcPct val="90000"/>
+            </a:lnSpc>
+            <a:spcBef>
+              <a:spcPct val="0"/>
+            </a:spcBef>
+            <a:spcAft>
+              <a:spcPct val="35000"/>
+            </a:spcAft>
+          </a:pPr>
+          <a:r>
+            <a:rPr lang="en-US" sz="2600" kern="1200" dirty="0" smtClean="0"/>
+            <a:t>Windows PC (Optional)</a:t>
+          </a:r>
+          <a:endParaRPr lang="en-US" sz="2600" kern="1200" dirty="0"/>
+        </a:p>
+        <a:p>
+          <a:pPr marL="228600" lvl="1" indent="-228600" algn="l" defTabSz="889000" rtl="0">
+            <a:lnSpc>
+              <a:spcPct val="90000"/>
+            </a:lnSpc>
+            <a:spcBef>
+              <a:spcPct val="0"/>
+            </a:spcBef>
+            <a:spcAft>
+              <a:spcPct val="15000"/>
+            </a:spcAft>
+            <a:buChar char="••"/>
+          </a:pPr>
+          <a:r>
+            <a:rPr lang="en-US" sz="2000" kern="1200" dirty="0" smtClean="0"/>
+            <a:t>Visual Studio 2012+</a:t>
+          </a:r>
+          <a:endParaRPr lang="en-US" sz="2000" kern="1200" dirty="0"/>
+        </a:p>
+        <a:p>
+          <a:pPr marL="228600" lvl="1" indent="-228600" algn="l" defTabSz="889000" rtl="0">
+            <a:lnSpc>
+              <a:spcPct val="90000"/>
+            </a:lnSpc>
+            <a:spcBef>
+              <a:spcPct val="0"/>
+            </a:spcBef>
+            <a:spcAft>
+              <a:spcPct val="15000"/>
+            </a:spcAft>
+            <a:buChar char="••"/>
+          </a:pPr>
+          <a:r>
+            <a:rPr lang="en-US" sz="2000" kern="1200" dirty="0" err="1" smtClean="0"/>
+            <a:t>Xamarin</a:t>
+          </a:r>
+          <a:r>
+            <a:rPr lang="en-US" sz="2000" kern="1200" dirty="0" smtClean="0"/>
+            <a:t> Plugin</a:t>
+          </a:r>
+          <a:endParaRPr lang="en-US" sz="2000" kern="1200" dirty="0"/>
+        </a:p>
+        <a:p>
+          <a:pPr marL="228600" lvl="1" indent="-228600" algn="l" defTabSz="889000" rtl="0">
+            <a:lnSpc>
+              <a:spcPct val="90000"/>
+            </a:lnSpc>
+            <a:spcBef>
+              <a:spcPct val="0"/>
+            </a:spcBef>
+            <a:spcAft>
+              <a:spcPct val="15000"/>
+            </a:spcAft>
+            <a:buChar char="••"/>
+          </a:pPr>
+          <a:r>
+            <a:rPr lang="en-US" sz="2000" kern="1200" dirty="0" smtClean="0"/>
+            <a:t>Still has to network with Mac</a:t>
+          </a:r>
+          <a:endParaRPr lang="en-US" sz="2000" kern="1200" dirty="0"/>
+        </a:p>
+      </dsp:txBody>
+      <dsp:txXfrm>
+        <a:off x="4114800" y="1765125"/>
+        <a:ext cx="4114799" cy="1561457"/>
+      </dsp:txXfrm>
+    </dsp:sp>
   </dsp:spTree>
 </dsp:drawing>
 </file>
@@ -6542,6 +8165,423 @@
       <dsp:cNvGrpSpPr/>
     </dsp:nvGrpSpPr>
     <dsp:grpSpPr/>
+    <dsp:sp modelId="{292D75E8-4E42-4A07-980A-C2802134616A}">
+      <dsp:nvSpPr>
+        <dsp:cNvPr id="0" name=""/>
+        <dsp:cNvSpPr/>
+      </dsp:nvSpPr>
+      <dsp:spPr>
+        <a:xfrm>
+          <a:off x="0" y="0"/>
+          <a:ext cx="8229600" cy="3394472"/>
+        </a:xfrm>
+        <a:prstGeom prst="rect">
+          <a:avLst/>
+        </a:prstGeom>
+        <a:solidFill>
+          <a:schemeClr val="accent1">
+            <a:hueOff val="0"/>
+            <a:satOff val="0"/>
+            <a:lumOff val="0"/>
+            <a:alphaOff val="0"/>
+          </a:schemeClr>
+        </a:solidFill>
+        <a:ln w="25400" cap="flat" cmpd="sng" algn="ctr">
+          <a:solidFill>
+            <a:schemeClr val="lt1">
+              <a:hueOff val="0"/>
+              <a:satOff val="0"/>
+              <a:lumOff val="0"/>
+              <a:alphaOff val="0"/>
+            </a:schemeClr>
+          </a:solidFill>
+          <a:prstDash val="solid"/>
+        </a:ln>
+        <a:effectLst/>
+      </dsp:spPr>
+      <dsp:style>
+        <a:lnRef idx="2">
+          <a:scrgbClr r="0" g="0" b="0"/>
+        </a:lnRef>
+        <a:fillRef idx="1">
+          <a:scrgbClr r="0" g="0" b="0"/>
+        </a:fillRef>
+        <a:effectRef idx="0">
+          <a:scrgbClr r="0" g="0" b="0"/>
+        </a:effectRef>
+        <a:fontRef idx="minor">
+          <a:schemeClr val="lt1"/>
+        </a:fontRef>
+      </dsp:style>
+      <dsp:txBody>
+        <a:bodyPr spcFirstLastPara="0" vert="horz" wrap="square" lIns="462280" tIns="462280" rIns="462280" bIns="462280" numCol="1" spcCol="1270" anchor="ctr" anchorCtr="0">
+          <a:noAutofit/>
+        </a:bodyPr>
+        <a:lstStyle/>
+        <a:p>
+          <a:pPr lvl="0" algn="ctr" defTabSz="2889250" rtl="0">
+            <a:lnSpc>
+              <a:spcPct val="90000"/>
+            </a:lnSpc>
+            <a:spcBef>
+              <a:spcPct val="0"/>
+            </a:spcBef>
+            <a:spcAft>
+              <a:spcPct val="35000"/>
+            </a:spcAft>
+          </a:pPr>
+          <a:r>
+            <a:rPr lang="en-US" sz="6500" kern="1200" dirty="0" err="1" smtClean="0"/>
+            <a:t>Xamarin.Android</a:t>
+          </a:r>
+          <a:endParaRPr lang="en-US" sz="6500" kern="1200" dirty="0"/>
+        </a:p>
+      </dsp:txBody>
+      <dsp:txXfrm>
+        <a:off x="0" y="0"/>
+        <a:ext cx="8229600" cy="1833014"/>
+      </dsp:txXfrm>
+    </dsp:sp>
+    <dsp:sp modelId="{A3F144B7-6E09-460F-B6C1-1BEE02DAE9FF}">
+      <dsp:nvSpPr>
+        <dsp:cNvPr id="0" name=""/>
+        <dsp:cNvSpPr/>
+      </dsp:nvSpPr>
+      <dsp:spPr>
+        <a:xfrm>
+          <a:off x="4018" y="1765125"/>
+          <a:ext cx="2740521" cy="1561457"/>
+        </a:xfrm>
+        <a:prstGeom prst="rect">
+          <a:avLst/>
+        </a:prstGeom>
+        <a:solidFill>
+          <a:schemeClr val="accent1">
+            <a:alpha val="90000"/>
+            <a:tint val="40000"/>
+            <a:hueOff val="0"/>
+            <a:satOff val="0"/>
+            <a:lumOff val="0"/>
+            <a:alphaOff val="0"/>
+          </a:schemeClr>
+        </a:solidFill>
+        <a:ln w="25400" cap="flat" cmpd="sng" algn="ctr">
+          <a:solidFill>
+            <a:schemeClr val="accent1">
+              <a:alpha val="90000"/>
+              <a:tint val="40000"/>
+              <a:hueOff val="0"/>
+              <a:satOff val="0"/>
+              <a:lumOff val="0"/>
+              <a:alphaOff val="0"/>
+            </a:schemeClr>
+          </a:solidFill>
+          <a:prstDash val="solid"/>
+        </a:ln>
+        <a:effectLst/>
+      </dsp:spPr>
+      <dsp:style>
+        <a:lnRef idx="2">
+          <a:scrgbClr r="0" g="0" b="0"/>
+        </a:lnRef>
+        <a:fillRef idx="1">
+          <a:scrgbClr r="0" g="0" b="0"/>
+        </a:fillRef>
+        <a:effectRef idx="0">
+          <a:scrgbClr r="0" g="0" b="0"/>
+        </a:effectRef>
+        <a:fontRef idx="minor"/>
+      </dsp:style>
+      <dsp:txBody>
+        <a:bodyPr spcFirstLastPara="0" vert="horz" wrap="square" lIns="192024" tIns="34290" rIns="192024" bIns="34290" numCol="1" spcCol="1270" anchor="t" anchorCtr="0">
+          <a:noAutofit/>
+        </a:bodyPr>
+        <a:lstStyle/>
+        <a:p>
+          <a:pPr lvl="0" algn="l" defTabSz="1200150" rtl="0">
+            <a:lnSpc>
+              <a:spcPct val="90000"/>
+            </a:lnSpc>
+            <a:spcBef>
+              <a:spcPct val="0"/>
+            </a:spcBef>
+            <a:spcAft>
+              <a:spcPct val="35000"/>
+            </a:spcAft>
+          </a:pPr>
+          <a:r>
+            <a:rPr lang="en-US" sz="2700" kern="1200" dirty="0" smtClean="0"/>
+            <a:t>Mac</a:t>
+          </a:r>
+          <a:endParaRPr lang="en-US" sz="2700" kern="1200" dirty="0"/>
+        </a:p>
+        <a:p>
+          <a:pPr marL="228600" lvl="1" indent="-228600" algn="l" defTabSz="933450" rtl="0">
+            <a:lnSpc>
+              <a:spcPct val="90000"/>
+            </a:lnSpc>
+            <a:spcBef>
+              <a:spcPct val="0"/>
+            </a:spcBef>
+            <a:spcAft>
+              <a:spcPct val="15000"/>
+            </a:spcAft>
+            <a:buChar char="••"/>
+          </a:pPr>
+          <a:r>
+            <a:rPr lang="en-US" sz="2100" kern="1200" dirty="0" smtClean="0"/>
+            <a:t>OS X </a:t>
+          </a:r>
+          <a:r>
+            <a:rPr lang="en-US" sz="2100" kern="1200" dirty="0" err="1" smtClean="0"/>
+            <a:t>Yosimite</a:t>
+          </a:r>
+          <a:r>
+            <a:rPr lang="en-US" sz="2100" kern="1200" dirty="0" smtClean="0"/>
+            <a:t>+</a:t>
+          </a:r>
+          <a:endParaRPr lang="en-US" sz="2100" kern="1200" dirty="0"/>
+        </a:p>
+        <a:p>
+          <a:pPr marL="228600" lvl="1" indent="-228600" algn="l" defTabSz="933450" rtl="0">
+            <a:lnSpc>
+              <a:spcPct val="90000"/>
+            </a:lnSpc>
+            <a:spcBef>
+              <a:spcPct val="0"/>
+            </a:spcBef>
+            <a:spcAft>
+              <a:spcPct val="15000"/>
+            </a:spcAft>
+            <a:buChar char="••"/>
+          </a:pPr>
+          <a:r>
+            <a:rPr lang="en-US" sz="2100" kern="1200" smtClean="0"/>
+            <a:t>Xamarin Studio</a:t>
+          </a:r>
+          <a:endParaRPr lang="en-US" sz="2100" kern="1200"/>
+        </a:p>
+      </dsp:txBody>
+      <dsp:txXfrm>
+        <a:off x="4018" y="1765125"/>
+        <a:ext cx="2740521" cy="1561457"/>
+      </dsp:txXfrm>
+    </dsp:sp>
+    <dsp:sp modelId="{3A577329-1DAB-4571-80BD-9F9DC9F0B735}">
+      <dsp:nvSpPr>
+        <dsp:cNvPr id="0" name=""/>
+        <dsp:cNvSpPr/>
+      </dsp:nvSpPr>
+      <dsp:spPr>
+        <a:xfrm>
+          <a:off x="2744539" y="1765125"/>
+          <a:ext cx="2740521" cy="1561457"/>
+        </a:xfrm>
+        <a:prstGeom prst="rect">
+          <a:avLst/>
+        </a:prstGeom>
+        <a:solidFill>
+          <a:schemeClr val="accent1">
+            <a:alpha val="90000"/>
+            <a:tint val="40000"/>
+            <a:hueOff val="0"/>
+            <a:satOff val="0"/>
+            <a:lumOff val="0"/>
+            <a:alphaOff val="0"/>
+          </a:schemeClr>
+        </a:solidFill>
+        <a:ln w="25400" cap="flat" cmpd="sng" algn="ctr">
+          <a:solidFill>
+            <a:schemeClr val="accent1">
+              <a:alpha val="90000"/>
+              <a:tint val="40000"/>
+              <a:hueOff val="0"/>
+              <a:satOff val="0"/>
+              <a:lumOff val="0"/>
+              <a:alphaOff val="0"/>
+            </a:schemeClr>
+          </a:solidFill>
+          <a:prstDash val="solid"/>
+        </a:ln>
+        <a:effectLst/>
+      </dsp:spPr>
+      <dsp:style>
+        <a:lnRef idx="2">
+          <a:scrgbClr r="0" g="0" b="0"/>
+        </a:lnRef>
+        <a:fillRef idx="1">
+          <a:scrgbClr r="0" g="0" b="0"/>
+        </a:fillRef>
+        <a:effectRef idx="0">
+          <a:scrgbClr r="0" g="0" b="0"/>
+        </a:effectRef>
+        <a:fontRef idx="minor"/>
+      </dsp:style>
+      <dsp:txBody>
+        <a:bodyPr spcFirstLastPara="0" vert="horz" wrap="square" lIns="192024" tIns="34290" rIns="192024" bIns="34290" numCol="1" spcCol="1270" anchor="t" anchorCtr="0">
+          <a:noAutofit/>
+        </a:bodyPr>
+        <a:lstStyle/>
+        <a:p>
+          <a:pPr lvl="0" algn="l" defTabSz="1200150" rtl="0">
+            <a:lnSpc>
+              <a:spcPct val="90000"/>
+            </a:lnSpc>
+            <a:spcBef>
+              <a:spcPct val="0"/>
+            </a:spcBef>
+            <a:spcAft>
+              <a:spcPct val="35000"/>
+            </a:spcAft>
+          </a:pPr>
+          <a:r>
+            <a:rPr lang="en-US" sz="2700" kern="1200" smtClean="0"/>
+            <a:t>Windows PC</a:t>
+          </a:r>
+          <a:endParaRPr lang="en-US" sz="2700" kern="1200"/>
+        </a:p>
+        <a:p>
+          <a:pPr marL="228600" lvl="1" indent="-228600" algn="l" defTabSz="933450" rtl="0">
+            <a:lnSpc>
+              <a:spcPct val="90000"/>
+            </a:lnSpc>
+            <a:spcBef>
+              <a:spcPct val="0"/>
+            </a:spcBef>
+            <a:spcAft>
+              <a:spcPct val="15000"/>
+            </a:spcAft>
+            <a:buChar char="••"/>
+          </a:pPr>
+          <a:r>
+            <a:rPr lang="en-US" sz="2100" kern="1200" smtClean="0"/>
+            <a:t>Visual Studio 2012+</a:t>
+          </a:r>
+          <a:endParaRPr lang="en-US" sz="2100" kern="1200"/>
+        </a:p>
+        <a:p>
+          <a:pPr marL="228600" lvl="1" indent="-228600" algn="l" defTabSz="933450" rtl="0">
+            <a:lnSpc>
+              <a:spcPct val="90000"/>
+            </a:lnSpc>
+            <a:spcBef>
+              <a:spcPct val="0"/>
+            </a:spcBef>
+            <a:spcAft>
+              <a:spcPct val="15000"/>
+            </a:spcAft>
+            <a:buChar char="••"/>
+          </a:pPr>
+          <a:r>
+            <a:rPr lang="en-US" sz="2100" kern="1200" smtClean="0"/>
+            <a:t>Xamarin Plugin</a:t>
+          </a:r>
+          <a:endParaRPr lang="en-US" sz="2100" kern="1200"/>
+        </a:p>
+      </dsp:txBody>
+      <dsp:txXfrm>
+        <a:off x="2744539" y="1765125"/>
+        <a:ext cx="2740521" cy="1561457"/>
+      </dsp:txXfrm>
+    </dsp:sp>
+    <dsp:sp modelId="{F13EE5FC-80EB-4005-A645-A585D4473551}">
+      <dsp:nvSpPr>
+        <dsp:cNvPr id="0" name=""/>
+        <dsp:cNvSpPr/>
+      </dsp:nvSpPr>
+      <dsp:spPr>
+        <a:xfrm>
+          <a:off x="5485060" y="1765125"/>
+          <a:ext cx="2740521" cy="1561457"/>
+        </a:xfrm>
+        <a:prstGeom prst="rect">
+          <a:avLst/>
+        </a:prstGeom>
+        <a:solidFill>
+          <a:schemeClr val="accent1">
+            <a:alpha val="90000"/>
+            <a:tint val="40000"/>
+            <a:hueOff val="0"/>
+            <a:satOff val="0"/>
+            <a:lumOff val="0"/>
+            <a:alphaOff val="0"/>
+          </a:schemeClr>
+        </a:solidFill>
+        <a:ln w="25400" cap="flat" cmpd="sng" algn="ctr">
+          <a:solidFill>
+            <a:schemeClr val="accent1">
+              <a:alpha val="90000"/>
+              <a:tint val="40000"/>
+              <a:hueOff val="0"/>
+              <a:satOff val="0"/>
+              <a:lumOff val="0"/>
+              <a:alphaOff val="0"/>
+            </a:schemeClr>
+          </a:solidFill>
+          <a:prstDash val="solid"/>
+        </a:ln>
+        <a:effectLst/>
+      </dsp:spPr>
+      <dsp:style>
+        <a:lnRef idx="2">
+          <a:scrgbClr r="0" g="0" b="0"/>
+        </a:lnRef>
+        <a:fillRef idx="1">
+          <a:scrgbClr r="0" g="0" b="0"/>
+        </a:fillRef>
+        <a:effectRef idx="0">
+          <a:scrgbClr r="0" g="0" b="0"/>
+        </a:effectRef>
+        <a:fontRef idx="minor"/>
+      </dsp:style>
+      <dsp:txBody>
+        <a:bodyPr spcFirstLastPara="0" vert="horz" wrap="square" lIns="192024" tIns="34290" rIns="192024" bIns="34290" numCol="1" spcCol="1270" anchor="t" anchorCtr="0">
+          <a:noAutofit/>
+        </a:bodyPr>
+        <a:lstStyle/>
+        <a:p>
+          <a:pPr lvl="0" algn="l" defTabSz="1200150" rtl="0">
+            <a:lnSpc>
+              <a:spcPct val="90000"/>
+            </a:lnSpc>
+            <a:spcBef>
+              <a:spcPct val="0"/>
+            </a:spcBef>
+            <a:spcAft>
+              <a:spcPct val="35000"/>
+            </a:spcAft>
+          </a:pPr>
+          <a:r>
+            <a:rPr lang="en-US" sz="2700" kern="1200" smtClean="0"/>
+            <a:t>Windows PC</a:t>
+          </a:r>
+          <a:endParaRPr lang="en-US" sz="2700" kern="1200"/>
+        </a:p>
+        <a:p>
+          <a:pPr marL="228600" lvl="1" indent="-228600" algn="l" defTabSz="933450" rtl="0">
+            <a:lnSpc>
+              <a:spcPct val="90000"/>
+            </a:lnSpc>
+            <a:spcBef>
+              <a:spcPct val="0"/>
+            </a:spcBef>
+            <a:spcAft>
+              <a:spcPct val="15000"/>
+            </a:spcAft>
+            <a:buChar char="••"/>
+          </a:pPr>
+          <a:r>
+            <a:rPr lang="en-US" sz="2100" kern="1200" smtClean="0"/>
+            <a:t>Xamarin Studio</a:t>
+          </a:r>
+          <a:endParaRPr lang="en-US" sz="2100" kern="1200"/>
+        </a:p>
+      </dsp:txBody>
+      <dsp:txXfrm>
+        <a:off x="5485060" y="1765125"/>
+        <a:ext cx="2740521" cy="1561457"/>
+      </dsp:txXfrm>
+    </dsp:sp>
   </dsp:spTree>
 </dsp:drawing>
 </file>
@@ -6554,6 +8594,219 @@
       <dsp:cNvGrpSpPr/>
     </dsp:nvGrpSpPr>
     <dsp:grpSpPr/>
+    <dsp:sp modelId="{ED6D1CA5-B23F-493B-B008-10F11B55AA97}">
+      <dsp:nvSpPr>
+        <dsp:cNvPr id="0" name=""/>
+        <dsp:cNvSpPr/>
+      </dsp:nvSpPr>
+      <dsp:spPr>
+        <a:xfrm>
+          <a:off x="0" y="0"/>
+          <a:ext cx="8229600" cy="3394472"/>
+        </a:xfrm>
+        <a:prstGeom prst="rect">
+          <a:avLst/>
+        </a:prstGeom>
+        <a:solidFill>
+          <a:schemeClr val="accent1">
+            <a:hueOff val="0"/>
+            <a:satOff val="0"/>
+            <a:lumOff val="0"/>
+            <a:alphaOff val="0"/>
+          </a:schemeClr>
+        </a:solidFill>
+        <a:ln w="25400" cap="flat" cmpd="sng" algn="ctr">
+          <a:solidFill>
+            <a:schemeClr val="lt1">
+              <a:hueOff val="0"/>
+              <a:satOff val="0"/>
+              <a:lumOff val="0"/>
+              <a:alphaOff val="0"/>
+            </a:schemeClr>
+          </a:solidFill>
+          <a:prstDash val="solid"/>
+        </a:ln>
+        <a:effectLst/>
+      </dsp:spPr>
+      <dsp:style>
+        <a:lnRef idx="2">
+          <a:scrgbClr r="0" g="0" b="0"/>
+        </a:lnRef>
+        <a:fillRef idx="1">
+          <a:scrgbClr r="0" g="0" b="0"/>
+        </a:fillRef>
+        <a:effectRef idx="0">
+          <a:scrgbClr r="0" g="0" b="0"/>
+        </a:effectRef>
+        <a:fontRef idx="minor">
+          <a:schemeClr val="lt1"/>
+        </a:fontRef>
+      </dsp:style>
+      <dsp:txBody>
+        <a:bodyPr spcFirstLastPara="0" vert="horz" wrap="square" lIns="462280" tIns="462280" rIns="462280" bIns="462280" numCol="1" spcCol="1270" anchor="ctr" anchorCtr="0">
+          <a:noAutofit/>
+        </a:bodyPr>
+        <a:lstStyle/>
+        <a:p>
+          <a:pPr lvl="0" algn="ctr" defTabSz="2889250" rtl="0">
+            <a:lnSpc>
+              <a:spcPct val="90000"/>
+            </a:lnSpc>
+            <a:spcBef>
+              <a:spcPct val="0"/>
+            </a:spcBef>
+            <a:spcAft>
+              <a:spcPct val="35000"/>
+            </a:spcAft>
+          </a:pPr>
+          <a:r>
+            <a:rPr lang="en-US" sz="6500" kern="1200" dirty="0" smtClean="0"/>
+            <a:t>Universal Windows</a:t>
+          </a:r>
+          <a:endParaRPr lang="en-US" sz="6500" kern="1200" dirty="0"/>
+        </a:p>
+      </dsp:txBody>
+      <dsp:txXfrm>
+        <a:off x="0" y="0"/>
+        <a:ext cx="8229600" cy="1833014"/>
+      </dsp:txXfrm>
+    </dsp:sp>
+    <dsp:sp modelId="{D5BB4401-E27C-46BB-936A-A9D62306AC7D}">
+      <dsp:nvSpPr>
+        <dsp:cNvPr id="0" name=""/>
+        <dsp:cNvSpPr/>
+      </dsp:nvSpPr>
+      <dsp:spPr>
+        <a:xfrm>
+          <a:off x="0" y="1765125"/>
+          <a:ext cx="8229600" cy="1561457"/>
+        </a:xfrm>
+        <a:prstGeom prst="rect">
+          <a:avLst/>
+        </a:prstGeom>
+        <a:solidFill>
+          <a:schemeClr val="accent1">
+            <a:alpha val="90000"/>
+            <a:tint val="40000"/>
+            <a:hueOff val="0"/>
+            <a:satOff val="0"/>
+            <a:lumOff val="0"/>
+            <a:alphaOff val="0"/>
+          </a:schemeClr>
+        </a:solidFill>
+        <a:ln w="25400" cap="flat" cmpd="sng" algn="ctr">
+          <a:solidFill>
+            <a:schemeClr val="accent1">
+              <a:alpha val="90000"/>
+              <a:tint val="40000"/>
+              <a:hueOff val="0"/>
+              <a:satOff val="0"/>
+              <a:lumOff val="0"/>
+              <a:alphaOff val="0"/>
+            </a:schemeClr>
+          </a:solidFill>
+          <a:prstDash val="solid"/>
+        </a:ln>
+        <a:effectLst/>
+      </dsp:spPr>
+      <dsp:style>
+        <a:lnRef idx="2">
+          <a:scrgbClr r="0" g="0" b="0"/>
+        </a:lnRef>
+        <a:fillRef idx="1">
+          <a:scrgbClr r="0" g="0" b="0"/>
+        </a:fillRef>
+        <a:effectRef idx="0">
+          <a:scrgbClr r="0" g="0" b="0"/>
+        </a:effectRef>
+        <a:fontRef idx="minor"/>
+      </dsp:style>
+      <dsp:txBody>
+        <a:bodyPr spcFirstLastPara="0" vert="horz" wrap="square" lIns="184912" tIns="33020" rIns="184912" bIns="33020" numCol="1" spcCol="1270" anchor="t" anchorCtr="0">
+          <a:noAutofit/>
+        </a:bodyPr>
+        <a:lstStyle/>
+        <a:p>
+          <a:pPr lvl="0" algn="l" defTabSz="1155700" rtl="0">
+            <a:lnSpc>
+              <a:spcPct val="90000"/>
+            </a:lnSpc>
+            <a:spcBef>
+              <a:spcPct val="0"/>
+            </a:spcBef>
+            <a:spcAft>
+              <a:spcPct val="35000"/>
+            </a:spcAft>
+          </a:pPr>
+          <a:r>
+            <a:rPr lang="en-US" sz="2600" kern="1200" smtClean="0"/>
+            <a:t>Windows PC (Required)</a:t>
+          </a:r>
+          <a:endParaRPr lang="en-US" sz="2600" kern="1200"/>
+        </a:p>
+        <a:p>
+          <a:pPr marL="228600" lvl="1" indent="-228600" algn="l" defTabSz="889000" rtl="0">
+            <a:lnSpc>
+              <a:spcPct val="90000"/>
+            </a:lnSpc>
+            <a:spcBef>
+              <a:spcPct val="0"/>
+            </a:spcBef>
+            <a:spcAft>
+              <a:spcPct val="15000"/>
+            </a:spcAft>
+            <a:buChar char="••"/>
+          </a:pPr>
+          <a:r>
+            <a:rPr lang="en-US" sz="2000" kern="1200" smtClean="0"/>
+            <a:t>Windows 10 *</a:t>
+          </a:r>
+          <a:endParaRPr lang="en-US" sz="2000" kern="1200"/>
+        </a:p>
+        <a:p>
+          <a:pPr marL="228600" lvl="1" indent="-228600" algn="l" defTabSz="889000" rtl="0">
+            <a:lnSpc>
+              <a:spcPct val="90000"/>
+            </a:lnSpc>
+            <a:spcBef>
+              <a:spcPct val="0"/>
+            </a:spcBef>
+            <a:spcAft>
+              <a:spcPct val="15000"/>
+            </a:spcAft>
+            <a:buChar char="••"/>
+          </a:pPr>
+          <a:r>
+            <a:rPr lang="en-US" sz="2000" kern="1200" smtClean="0"/>
+            <a:t>Visual Studio 2015 *</a:t>
+          </a:r>
+          <a:endParaRPr lang="en-US" sz="2000" kern="1200"/>
+        </a:p>
+        <a:p>
+          <a:pPr marL="228600" lvl="1" indent="-228600" algn="l" defTabSz="889000" rtl="0">
+            <a:lnSpc>
+              <a:spcPct val="90000"/>
+            </a:lnSpc>
+            <a:spcBef>
+              <a:spcPct val="0"/>
+            </a:spcBef>
+            <a:spcAft>
+              <a:spcPct val="15000"/>
+            </a:spcAft>
+            <a:buChar char="••"/>
+          </a:pPr>
+          <a:r>
+            <a:rPr lang="en-US" sz="2000" kern="1200" smtClean="0"/>
+            <a:t>Xamarin Plugin</a:t>
+          </a:r>
+          <a:endParaRPr lang="en-US" sz="2000" kern="1200"/>
+        </a:p>
+      </dsp:txBody>
+      <dsp:txXfrm>
+        <a:off x="0" y="1765125"/>
+        <a:ext cx="8229600" cy="1561457"/>
+      </dsp:txXfrm>
+    </dsp:sp>
   </dsp:spTree>
 </dsp:drawing>
 </file>
@@ -6566,6 +8819,515 @@
       <dsp:cNvGrpSpPr/>
     </dsp:nvGrpSpPr>
     <dsp:grpSpPr/>
+    <dsp:sp modelId="{05076332-1109-4CF1-85C3-D65D577FED27}">
+      <dsp:nvSpPr>
+        <dsp:cNvPr id="0" name=""/>
+        <dsp:cNvSpPr/>
+      </dsp:nvSpPr>
+      <dsp:spPr>
+        <a:xfrm>
+          <a:off x="2571" y="391635"/>
+          <a:ext cx="2507456" cy="766561"/>
+        </a:xfrm>
+        <a:prstGeom prst="rect">
+          <a:avLst/>
+        </a:prstGeom>
+        <a:solidFill>
+          <a:schemeClr val="accent1">
+            <a:hueOff val="0"/>
+            <a:satOff val="0"/>
+            <a:lumOff val="0"/>
+            <a:alphaOff val="0"/>
+          </a:schemeClr>
+        </a:solidFill>
+        <a:ln w="25400" cap="flat" cmpd="sng" algn="ctr">
+          <a:solidFill>
+            <a:schemeClr val="accent1">
+              <a:hueOff val="0"/>
+              <a:satOff val="0"/>
+              <a:lumOff val="0"/>
+              <a:alphaOff val="0"/>
+            </a:schemeClr>
+          </a:solidFill>
+          <a:prstDash val="solid"/>
+        </a:ln>
+        <a:effectLst/>
+      </dsp:spPr>
+      <dsp:style>
+        <a:lnRef idx="2">
+          <a:scrgbClr r="0" g="0" b="0"/>
+        </a:lnRef>
+        <a:fillRef idx="1">
+          <a:scrgbClr r="0" g="0" b="0"/>
+        </a:fillRef>
+        <a:effectRef idx="0">
+          <a:scrgbClr r="0" g="0" b="0"/>
+        </a:effectRef>
+        <a:fontRef idx="minor">
+          <a:schemeClr val="lt1"/>
+        </a:fontRef>
+      </dsp:style>
+      <dsp:txBody>
+        <a:bodyPr spcFirstLastPara="0" vert="horz" wrap="square" lIns="149352" tIns="85344" rIns="149352" bIns="85344" numCol="1" spcCol="1270" anchor="ctr" anchorCtr="0">
+          <a:noAutofit/>
+        </a:bodyPr>
+        <a:lstStyle/>
+        <a:p>
+          <a:pPr lvl="0" algn="ctr" defTabSz="933450" rtl="0">
+            <a:lnSpc>
+              <a:spcPct val="90000"/>
+            </a:lnSpc>
+            <a:spcBef>
+              <a:spcPct val="0"/>
+            </a:spcBef>
+            <a:spcAft>
+              <a:spcPct val="35000"/>
+            </a:spcAft>
+          </a:pPr>
+          <a:r>
+            <a:rPr lang="en-US" sz="2100" kern="1200" smtClean="0"/>
+            <a:t>iOS Simulator</a:t>
+          </a:r>
+          <a:endParaRPr lang="en-US" sz="2100" kern="1200"/>
+        </a:p>
+      </dsp:txBody>
+      <dsp:txXfrm>
+        <a:off x="2571" y="391635"/>
+        <a:ext cx="2507456" cy="766561"/>
+      </dsp:txXfrm>
+    </dsp:sp>
+    <dsp:sp modelId="{F36574A0-FE2D-4AE6-AC20-2FD673901935}">
+      <dsp:nvSpPr>
+        <dsp:cNvPr id="0" name=""/>
+        <dsp:cNvSpPr/>
+      </dsp:nvSpPr>
+      <dsp:spPr>
+        <a:xfrm>
+          <a:off x="2571" y="1158196"/>
+          <a:ext cx="2507456" cy="1844640"/>
+        </a:xfrm>
+        <a:prstGeom prst="rect">
+          <a:avLst/>
+        </a:prstGeom>
+        <a:solidFill>
+          <a:schemeClr val="accent1">
+            <a:alpha val="90000"/>
+            <a:tint val="40000"/>
+            <a:hueOff val="0"/>
+            <a:satOff val="0"/>
+            <a:lumOff val="0"/>
+            <a:alphaOff val="0"/>
+          </a:schemeClr>
+        </a:solidFill>
+        <a:ln w="25400" cap="flat" cmpd="sng" algn="ctr">
+          <a:solidFill>
+            <a:schemeClr val="accent1">
+              <a:alpha val="90000"/>
+              <a:tint val="40000"/>
+              <a:hueOff val="0"/>
+              <a:satOff val="0"/>
+              <a:lumOff val="0"/>
+              <a:alphaOff val="0"/>
+            </a:schemeClr>
+          </a:solidFill>
+          <a:prstDash val="solid"/>
+        </a:ln>
+        <a:effectLst/>
+      </dsp:spPr>
+      <dsp:style>
+        <a:lnRef idx="2">
+          <a:scrgbClr r="0" g="0" b="0"/>
+        </a:lnRef>
+        <a:fillRef idx="1">
+          <a:scrgbClr r="0" g="0" b="0"/>
+        </a:fillRef>
+        <a:effectRef idx="0">
+          <a:scrgbClr r="0" g="0" b="0"/>
+        </a:effectRef>
+        <a:fontRef idx="minor"/>
+      </dsp:style>
+      <dsp:txBody>
+        <a:bodyPr spcFirstLastPara="0" vert="horz" wrap="square" lIns="112014" tIns="112014" rIns="149352" bIns="168021" numCol="1" spcCol="1270" anchor="t" anchorCtr="0">
+          <a:noAutofit/>
+        </a:bodyPr>
+        <a:lstStyle/>
+        <a:p>
+          <a:pPr marL="228600" lvl="1" indent="-228600" algn="l" defTabSz="933450" rtl="0">
+            <a:lnSpc>
+              <a:spcPct val="90000"/>
+            </a:lnSpc>
+            <a:spcBef>
+              <a:spcPct val="0"/>
+            </a:spcBef>
+            <a:spcAft>
+              <a:spcPct val="15000"/>
+            </a:spcAft>
+            <a:buChar char="••"/>
+          </a:pPr>
+          <a:r>
+            <a:rPr lang="en-US" sz="2100" kern="1200" smtClean="0"/>
+            <a:t>On Mac only</a:t>
+          </a:r>
+          <a:endParaRPr lang="en-US" sz="2100" kern="1200"/>
+        </a:p>
+      </dsp:txBody>
+      <dsp:txXfrm>
+        <a:off x="2571" y="1158196"/>
+        <a:ext cx="2507456" cy="1844640"/>
+      </dsp:txXfrm>
+    </dsp:sp>
+    <dsp:sp modelId="{E7944284-D04B-43E3-B10B-DA2D9D748853}">
+      <dsp:nvSpPr>
+        <dsp:cNvPr id="0" name=""/>
+        <dsp:cNvSpPr/>
+      </dsp:nvSpPr>
+      <dsp:spPr>
+        <a:xfrm>
+          <a:off x="2861071" y="391635"/>
+          <a:ext cx="2507456" cy="766561"/>
+        </a:xfrm>
+        <a:prstGeom prst="rect">
+          <a:avLst/>
+        </a:prstGeom>
+        <a:solidFill>
+          <a:schemeClr val="accent1">
+            <a:hueOff val="0"/>
+            <a:satOff val="0"/>
+            <a:lumOff val="0"/>
+            <a:alphaOff val="0"/>
+          </a:schemeClr>
+        </a:solidFill>
+        <a:ln w="25400" cap="flat" cmpd="sng" algn="ctr">
+          <a:solidFill>
+            <a:schemeClr val="accent1">
+              <a:hueOff val="0"/>
+              <a:satOff val="0"/>
+              <a:lumOff val="0"/>
+              <a:alphaOff val="0"/>
+            </a:schemeClr>
+          </a:solidFill>
+          <a:prstDash val="solid"/>
+        </a:ln>
+        <a:effectLst/>
+      </dsp:spPr>
+      <dsp:style>
+        <a:lnRef idx="2">
+          <a:scrgbClr r="0" g="0" b="0"/>
+        </a:lnRef>
+        <a:fillRef idx="1">
+          <a:scrgbClr r="0" g="0" b="0"/>
+        </a:fillRef>
+        <a:effectRef idx="0">
+          <a:scrgbClr r="0" g="0" b="0"/>
+        </a:effectRef>
+        <a:fontRef idx="minor">
+          <a:schemeClr val="lt1"/>
+        </a:fontRef>
+      </dsp:style>
+      <dsp:txBody>
+        <a:bodyPr spcFirstLastPara="0" vert="horz" wrap="square" lIns="149352" tIns="85344" rIns="149352" bIns="85344" numCol="1" spcCol="1270" anchor="ctr" anchorCtr="0">
+          <a:noAutofit/>
+        </a:bodyPr>
+        <a:lstStyle/>
+        <a:p>
+          <a:pPr lvl="0" algn="ctr" defTabSz="933450" rtl="0">
+            <a:lnSpc>
+              <a:spcPct val="90000"/>
+            </a:lnSpc>
+            <a:spcBef>
+              <a:spcPct val="0"/>
+            </a:spcBef>
+            <a:spcAft>
+              <a:spcPct val="35000"/>
+            </a:spcAft>
+          </a:pPr>
+          <a:r>
+            <a:rPr lang="en-US" sz="2100" kern="1200" smtClean="0"/>
+            <a:t>Android Emulator</a:t>
+          </a:r>
+          <a:endParaRPr lang="en-US" sz="2100" kern="1200"/>
+        </a:p>
+      </dsp:txBody>
+      <dsp:txXfrm>
+        <a:off x="2861071" y="391635"/>
+        <a:ext cx="2507456" cy="766561"/>
+      </dsp:txXfrm>
+    </dsp:sp>
+    <dsp:sp modelId="{27F93F01-7F8C-41A7-A369-7D950C5F7BF2}">
+      <dsp:nvSpPr>
+        <dsp:cNvPr id="0" name=""/>
+        <dsp:cNvSpPr/>
+      </dsp:nvSpPr>
+      <dsp:spPr>
+        <a:xfrm>
+          <a:off x="2861071" y="1158196"/>
+          <a:ext cx="2507456" cy="1844640"/>
+        </a:xfrm>
+        <a:prstGeom prst="rect">
+          <a:avLst/>
+        </a:prstGeom>
+        <a:solidFill>
+          <a:schemeClr val="accent1">
+            <a:alpha val="90000"/>
+            <a:tint val="40000"/>
+            <a:hueOff val="0"/>
+            <a:satOff val="0"/>
+            <a:lumOff val="0"/>
+            <a:alphaOff val="0"/>
+          </a:schemeClr>
+        </a:solidFill>
+        <a:ln w="25400" cap="flat" cmpd="sng" algn="ctr">
+          <a:solidFill>
+            <a:schemeClr val="accent1">
+              <a:alpha val="90000"/>
+              <a:tint val="40000"/>
+              <a:hueOff val="0"/>
+              <a:satOff val="0"/>
+              <a:lumOff val="0"/>
+              <a:alphaOff val="0"/>
+            </a:schemeClr>
+          </a:solidFill>
+          <a:prstDash val="solid"/>
+        </a:ln>
+        <a:effectLst/>
+      </dsp:spPr>
+      <dsp:style>
+        <a:lnRef idx="2">
+          <a:scrgbClr r="0" g="0" b="0"/>
+        </a:lnRef>
+        <a:fillRef idx="1">
+          <a:scrgbClr r="0" g="0" b="0"/>
+        </a:fillRef>
+        <a:effectRef idx="0">
+          <a:scrgbClr r="0" g="0" b="0"/>
+        </a:effectRef>
+        <a:fontRef idx="minor"/>
+      </dsp:style>
+      <dsp:txBody>
+        <a:bodyPr spcFirstLastPara="0" vert="horz" wrap="square" lIns="112014" tIns="112014" rIns="149352" bIns="168021" numCol="1" spcCol="1270" anchor="t" anchorCtr="0">
+          <a:noAutofit/>
+        </a:bodyPr>
+        <a:lstStyle/>
+        <a:p>
+          <a:pPr marL="228600" lvl="1" indent="-228600" algn="l" defTabSz="933450" rtl="0">
+            <a:lnSpc>
+              <a:spcPct val="90000"/>
+            </a:lnSpc>
+            <a:spcBef>
+              <a:spcPct val="0"/>
+            </a:spcBef>
+            <a:spcAft>
+              <a:spcPct val="15000"/>
+            </a:spcAft>
+            <a:buChar char="••"/>
+          </a:pPr>
+          <a:r>
+            <a:rPr lang="en-US" sz="2100" kern="1200" smtClean="0"/>
+            <a:t>Default Emulator</a:t>
+          </a:r>
+          <a:endParaRPr lang="en-US" sz="2100" kern="1200"/>
+        </a:p>
+        <a:p>
+          <a:pPr marL="228600" lvl="1" indent="-228600" algn="l" defTabSz="933450" rtl="0">
+            <a:lnSpc>
+              <a:spcPct val="90000"/>
+            </a:lnSpc>
+            <a:spcBef>
+              <a:spcPct val="0"/>
+            </a:spcBef>
+            <a:spcAft>
+              <a:spcPct val="15000"/>
+            </a:spcAft>
+            <a:buChar char="••"/>
+          </a:pPr>
+          <a:r>
+            <a:rPr lang="en-US" sz="2100" kern="1200" smtClean="0"/>
+            <a:t>Genymotion Emulator</a:t>
+          </a:r>
+          <a:endParaRPr lang="en-US" sz="2100" kern="1200"/>
+        </a:p>
+        <a:p>
+          <a:pPr marL="228600" lvl="1" indent="-228600" algn="l" defTabSz="933450" rtl="0">
+            <a:lnSpc>
+              <a:spcPct val="90000"/>
+            </a:lnSpc>
+            <a:spcBef>
+              <a:spcPct val="0"/>
+            </a:spcBef>
+            <a:spcAft>
+              <a:spcPct val="15000"/>
+            </a:spcAft>
+            <a:buChar char="••"/>
+          </a:pPr>
+          <a:r>
+            <a:rPr lang="en-US" sz="2100" kern="1200" smtClean="0"/>
+            <a:t>Visual Studio Emulator</a:t>
+          </a:r>
+          <a:endParaRPr lang="en-US" sz="2100" kern="1200"/>
+        </a:p>
+      </dsp:txBody>
+      <dsp:txXfrm>
+        <a:off x="2861071" y="1158196"/>
+        <a:ext cx="2507456" cy="1844640"/>
+      </dsp:txXfrm>
+    </dsp:sp>
+    <dsp:sp modelId="{E25499F5-C5B8-4FDC-8D0C-EED285A33F03}">
+      <dsp:nvSpPr>
+        <dsp:cNvPr id="0" name=""/>
+        <dsp:cNvSpPr/>
+      </dsp:nvSpPr>
+      <dsp:spPr>
+        <a:xfrm>
+          <a:off x="5719571" y="391635"/>
+          <a:ext cx="2507456" cy="766561"/>
+        </a:xfrm>
+        <a:prstGeom prst="rect">
+          <a:avLst/>
+        </a:prstGeom>
+        <a:solidFill>
+          <a:schemeClr val="accent1">
+            <a:hueOff val="0"/>
+            <a:satOff val="0"/>
+            <a:lumOff val="0"/>
+            <a:alphaOff val="0"/>
+          </a:schemeClr>
+        </a:solidFill>
+        <a:ln w="25400" cap="flat" cmpd="sng" algn="ctr">
+          <a:solidFill>
+            <a:schemeClr val="accent1">
+              <a:hueOff val="0"/>
+              <a:satOff val="0"/>
+              <a:lumOff val="0"/>
+              <a:alphaOff val="0"/>
+            </a:schemeClr>
+          </a:solidFill>
+          <a:prstDash val="solid"/>
+        </a:ln>
+        <a:effectLst/>
+      </dsp:spPr>
+      <dsp:style>
+        <a:lnRef idx="2">
+          <a:scrgbClr r="0" g="0" b="0"/>
+        </a:lnRef>
+        <a:fillRef idx="1">
+          <a:scrgbClr r="0" g="0" b="0"/>
+        </a:fillRef>
+        <a:effectRef idx="0">
+          <a:scrgbClr r="0" g="0" b="0"/>
+        </a:effectRef>
+        <a:fontRef idx="minor">
+          <a:schemeClr val="lt1"/>
+        </a:fontRef>
+      </dsp:style>
+      <dsp:txBody>
+        <a:bodyPr spcFirstLastPara="0" vert="horz" wrap="square" lIns="149352" tIns="85344" rIns="149352" bIns="85344" numCol="1" spcCol="1270" anchor="ctr" anchorCtr="0">
+          <a:noAutofit/>
+        </a:bodyPr>
+        <a:lstStyle/>
+        <a:p>
+          <a:pPr lvl="0" algn="ctr" defTabSz="933450" rtl="0">
+            <a:lnSpc>
+              <a:spcPct val="90000"/>
+            </a:lnSpc>
+            <a:spcBef>
+              <a:spcPct val="0"/>
+            </a:spcBef>
+            <a:spcAft>
+              <a:spcPct val="35000"/>
+            </a:spcAft>
+          </a:pPr>
+          <a:r>
+            <a:rPr lang="en-US" sz="2100" kern="1200" smtClean="0"/>
+            <a:t>Windows Simulator or Device</a:t>
+          </a:r>
+          <a:endParaRPr lang="en-US" sz="2100" kern="1200"/>
+        </a:p>
+      </dsp:txBody>
+      <dsp:txXfrm>
+        <a:off x="5719571" y="391635"/>
+        <a:ext cx="2507456" cy="766561"/>
+      </dsp:txXfrm>
+    </dsp:sp>
+    <dsp:sp modelId="{3FE2A1A1-2E15-410A-93CA-7A297C5D758E}">
+      <dsp:nvSpPr>
+        <dsp:cNvPr id="0" name=""/>
+        <dsp:cNvSpPr/>
+      </dsp:nvSpPr>
+      <dsp:spPr>
+        <a:xfrm>
+          <a:off x="5719571" y="1158196"/>
+          <a:ext cx="2507456" cy="1844640"/>
+        </a:xfrm>
+        <a:prstGeom prst="rect">
+          <a:avLst/>
+        </a:prstGeom>
+        <a:solidFill>
+          <a:schemeClr val="accent1">
+            <a:alpha val="90000"/>
+            <a:tint val="40000"/>
+            <a:hueOff val="0"/>
+            <a:satOff val="0"/>
+            <a:lumOff val="0"/>
+            <a:alphaOff val="0"/>
+          </a:schemeClr>
+        </a:solidFill>
+        <a:ln w="25400" cap="flat" cmpd="sng" algn="ctr">
+          <a:solidFill>
+            <a:schemeClr val="accent1">
+              <a:alpha val="90000"/>
+              <a:tint val="40000"/>
+              <a:hueOff val="0"/>
+              <a:satOff val="0"/>
+              <a:lumOff val="0"/>
+              <a:alphaOff val="0"/>
+            </a:schemeClr>
+          </a:solidFill>
+          <a:prstDash val="solid"/>
+        </a:ln>
+        <a:effectLst/>
+      </dsp:spPr>
+      <dsp:style>
+        <a:lnRef idx="2">
+          <a:scrgbClr r="0" g="0" b="0"/>
+        </a:lnRef>
+        <a:fillRef idx="1">
+          <a:scrgbClr r="0" g="0" b="0"/>
+        </a:fillRef>
+        <a:effectRef idx="0">
+          <a:scrgbClr r="0" g="0" b="0"/>
+        </a:effectRef>
+        <a:fontRef idx="minor"/>
+      </dsp:style>
+      <dsp:txBody>
+        <a:bodyPr spcFirstLastPara="0" vert="horz" wrap="square" lIns="112014" tIns="112014" rIns="149352" bIns="168021" numCol="1" spcCol="1270" anchor="t" anchorCtr="0">
+          <a:noAutofit/>
+        </a:bodyPr>
+        <a:lstStyle/>
+        <a:p>
+          <a:pPr marL="228600" lvl="1" indent="-228600" algn="l" defTabSz="933450" rtl="0">
+            <a:lnSpc>
+              <a:spcPct val="90000"/>
+            </a:lnSpc>
+            <a:spcBef>
+              <a:spcPct val="0"/>
+            </a:spcBef>
+            <a:spcAft>
+              <a:spcPct val="15000"/>
+            </a:spcAft>
+            <a:buChar char="••"/>
+          </a:pPr>
+          <a:r>
+            <a:rPr lang="en-US" sz="2100" kern="1200" smtClean="0"/>
+            <a:t>On Windows only</a:t>
+          </a:r>
+          <a:endParaRPr lang="en-US" sz="2100" kern="1200"/>
+        </a:p>
+      </dsp:txBody>
+      <dsp:txXfrm>
+        <a:off x="5719571" y="1158196"/>
+        <a:ext cx="2507456" cy="1844640"/>
+      </dsp:txXfrm>
+    </dsp:sp>
   </dsp:spTree>
 </dsp:drawing>
 </file>
@@ -13553,7 +16315,7 @@
             <a:fld id="{77A2ECFD-0169-4599-A79A-8C44AB4A932C}" type="datetimeFigureOut">
               <a:rPr lang="en-US" smtClean="0"/>
               <a:pPr/>
-              <a:t>4/20/2016</a:t>
+              <a:t>5/12/2016</a:t>
             </a:fld>
             <a:endParaRPr lang="en-US"/>
           </a:p>
@@ -14087,7 +16849,7 @@
             <a:fld id="{3FE51E94-D08C-431E-88FC-7EB62E529A19}" type="datetimeFigureOut">
               <a:rPr lang="en-US" smtClean="0"/>
               <a:pPr/>
-              <a:t>4/20/2016</a:t>
+              <a:t>5/12/2016</a:t>
             </a:fld>
             <a:endParaRPr lang="en-US"/>
           </a:p>
@@ -14266,7 +17028,7 @@
             <a:fld id="{3FE51E94-D08C-431E-88FC-7EB62E529A19}" type="datetimeFigureOut">
               <a:rPr lang="en-US" smtClean="0"/>
               <a:pPr/>
-              <a:t>4/20/2016</a:t>
+              <a:t>5/12/2016</a:t>
             </a:fld>
             <a:endParaRPr lang="en-US"/>
           </a:p>
@@ -14448,7 +17210,7 @@
             <a:fld id="{3FE51E94-D08C-431E-88FC-7EB62E529A19}" type="datetimeFigureOut">
               <a:rPr lang="en-US" smtClean="0"/>
               <a:pPr/>
-              <a:t>4/20/2016</a:t>
+              <a:t>5/12/2016</a:t>
             </a:fld>
             <a:endParaRPr lang="en-US"/>
           </a:p>
@@ -14907,7 +17669,7 @@
           <a:p>
             <a:fld id="{D088F999-7A4E-6B4F-9FED-EF75B73AD044}" type="datetimeFigureOut">
               <a:rPr lang="en-US" smtClean="0"/>
-              <a:t>4/20/2016</a:t>
+              <a:t>5/12/2016</a:t>
             </a:fld>
             <a:endParaRPr lang="en-US"/>
           </a:p>
@@ -15077,7 +17839,7 @@
           <a:p>
             <a:fld id="{D088F999-7A4E-6B4F-9FED-EF75B73AD044}" type="datetimeFigureOut">
               <a:rPr lang="en-US" smtClean="0"/>
-              <a:t>4/20/2016</a:t>
+              <a:t>5/12/2016</a:t>
             </a:fld>
             <a:endParaRPr lang="en-US"/>
           </a:p>
@@ -15323,7 +18085,7 @@
           <a:p>
             <a:fld id="{D088F999-7A4E-6B4F-9FED-EF75B73AD044}" type="datetimeFigureOut">
               <a:rPr lang="en-US" smtClean="0"/>
-              <a:t>4/20/2016</a:t>
+              <a:t>5/12/2016</a:t>
             </a:fld>
             <a:endParaRPr lang="en-US"/>
           </a:p>
@@ -15611,7 +18373,7 @@
           <a:p>
             <a:fld id="{D088F999-7A4E-6B4F-9FED-EF75B73AD044}" type="datetimeFigureOut">
               <a:rPr lang="en-US" smtClean="0"/>
-              <a:t>4/20/2016</a:t>
+              <a:t>5/12/2016</a:t>
             </a:fld>
             <a:endParaRPr lang="en-US"/>
           </a:p>
@@ -16033,7 +18795,7 @@
           <a:p>
             <a:fld id="{D088F999-7A4E-6B4F-9FED-EF75B73AD044}" type="datetimeFigureOut">
               <a:rPr lang="en-US" smtClean="0"/>
-              <a:t>4/20/2016</a:t>
+              <a:t>5/12/2016</a:t>
             </a:fld>
             <a:endParaRPr lang="en-US"/>
           </a:p>
@@ -16204,7 +18966,7 @@
             <a:fld id="{3FE51E94-D08C-431E-88FC-7EB62E529A19}" type="datetimeFigureOut">
               <a:rPr lang="en-US" smtClean="0"/>
               <a:pPr/>
-              <a:t>4/20/2016</a:t>
+              <a:t>5/12/2016</a:t>
             </a:fld>
             <a:endParaRPr lang="en-US"/>
           </a:p>
@@ -16323,7 +19085,7 @@
           <a:p>
             <a:fld id="{D088F999-7A4E-6B4F-9FED-EF75B73AD044}" type="datetimeFigureOut">
               <a:rPr lang="en-US" smtClean="0"/>
-              <a:t>4/20/2016</a:t>
+              <a:t>5/12/2016</a:t>
             </a:fld>
             <a:endParaRPr lang="en-US"/>
           </a:p>
@@ -16418,7 +19180,7 @@
           <a:p>
             <a:fld id="{D088F999-7A4E-6B4F-9FED-EF75B73AD044}" type="datetimeFigureOut">
               <a:rPr lang="en-US" smtClean="0"/>
-              <a:t>4/20/2016</a:t>
+              <a:t>5/12/2016</a:t>
             </a:fld>
             <a:endParaRPr lang="en-US"/>
           </a:p>
@@ -16695,7 +19457,7 @@
           <a:p>
             <a:fld id="{D088F999-7A4E-6B4F-9FED-EF75B73AD044}" type="datetimeFigureOut">
               <a:rPr lang="en-US" smtClean="0"/>
-              <a:t>4/20/2016</a:t>
+              <a:t>5/12/2016</a:t>
             </a:fld>
             <a:endParaRPr lang="en-US"/>
           </a:p>
@@ -16948,7 +19710,7 @@
           <a:p>
             <a:fld id="{D088F999-7A4E-6B4F-9FED-EF75B73AD044}" type="datetimeFigureOut">
               <a:rPr lang="en-US" smtClean="0"/>
-              <a:t>4/20/2016</a:t>
+              <a:t>5/12/2016</a:t>
             </a:fld>
             <a:endParaRPr lang="en-US"/>
           </a:p>
@@ -17118,7 +19880,7 @@
           <a:p>
             <a:fld id="{D088F999-7A4E-6B4F-9FED-EF75B73AD044}" type="datetimeFigureOut">
               <a:rPr lang="en-US" smtClean="0"/>
-              <a:t>4/20/2016</a:t>
+              <a:t>5/12/2016</a:t>
             </a:fld>
             <a:endParaRPr lang="en-US"/>
           </a:p>
@@ -17298,7 +20060,7 @@
           <a:p>
             <a:fld id="{D088F999-7A4E-6B4F-9FED-EF75B73AD044}" type="datetimeFigureOut">
               <a:rPr lang="en-US" smtClean="0"/>
-              <a:t>4/20/2016</a:t>
+              <a:t>5/12/2016</a:t>
             </a:fld>
             <a:endParaRPr lang="en-US"/>
           </a:p>
@@ -17545,7 +20307,7 @@
             <a:fld id="{3FE51E94-D08C-431E-88FC-7EB62E529A19}" type="datetimeFigureOut">
               <a:rPr lang="en-US" smtClean="0"/>
               <a:pPr/>
-              <a:t>4/20/2016</a:t>
+              <a:t>5/12/2016</a:t>
             </a:fld>
             <a:endParaRPr lang="en-US"/>
           </a:p>
@@ -17835,7 +20597,7 @@
             <a:fld id="{3FE51E94-D08C-431E-88FC-7EB62E529A19}" type="datetimeFigureOut">
               <a:rPr lang="en-US" smtClean="0"/>
               <a:pPr/>
-              <a:t>4/20/2016</a:t>
+              <a:t>5/12/2016</a:t>
             </a:fld>
             <a:endParaRPr lang="en-US"/>
           </a:p>
@@ -18264,7 +21026,7 @@
             <a:fld id="{3FE51E94-D08C-431E-88FC-7EB62E529A19}" type="datetimeFigureOut">
               <a:rPr lang="en-US" smtClean="0"/>
               <a:pPr/>
-              <a:t>4/20/2016</a:t>
+              <a:t>5/12/2016</a:t>
             </a:fld>
             <a:endParaRPr lang="en-US"/>
           </a:p>
@@ -18384,7 +21146,7 @@
             <a:fld id="{3FE51E94-D08C-431E-88FC-7EB62E529A19}" type="datetimeFigureOut">
               <a:rPr lang="en-US" smtClean="0"/>
               <a:pPr/>
-              <a:t>4/20/2016</a:t>
+              <a:t>5/12/2016</a:t>
             </a:fld>
             <a:endParaRPr lang="en-US"/>
           </a:p>
@@ -18481,7 +21243,7 @@
             <a:fld id="{3FE51E94-D08C-431E-88FC-7EB62E529A19}" type="datetimeFigureOut">
               <a:rPr lang="en-US" smtClean="0"/>
               <a:pPr/>
-              <a:t>4/20/2016</a:t>
+              <a:t>5/12/2016</a:t>
             </a:fld>
             <a:endParaRPr lang="en-US"/>
           </a:p>
@@ -18760,7 +21522,7 @@
             <a:fld id="{3FE51E94-D08C-431E-88FC-7EB62E529A19}" type="datetimeFigureOut">
               <a:rPr lang="en-US" smtClean="0"/>
               <a:pPr/>
-              <a:t>4/20/2016</a:t>
+              <a:t>5/12/2016</a:t>
             </a:fld>
             <a:endParaRPr lang="en-US"/>
           </a:p>
@@ -19015,7 +21777,7 @@
             <a:fld id="{3FE51E94-D08C-431E-88FC-7EB62E529A19}" type="datetimeFigureOut">
               <a:rPr lang="en-US" smtClean="0"/>
               <a:pPr/>
-              <a:t>4/20/2016</a:t>
+              <a:t>5/12/2016</a:t>
             </a:fld>
             <a:endParaRPr lang="en-US"/>
           </a:p>
@@ -19237,7 +21999,7 @@
             <a:fld id="{3FE51E94-D08C-431E-88FC-7EB62E529A19}" type="datetimeFigureOut">
               <a:rPr lang="en-US" smtClean="0"/>
               <a:pPr/>
-              <a:t>4/20/2016</a:t>
+              <a:t>5/12/2016</a:t>
             </a:fld>
             <a:endParaRPr lang="en-US"/>
           </a:p>
@@ -19765,7 +22527,7 @@
           <a:p>
             <a:fld id="{D088F999-7A4E-6B4F-9FED-EF75B73AD044}" type="datetimeFigureOut">
               <a:rPr lang="en-US" smtClean="0"/>
-              <a:t>4/20/2016</a:t>
+              <a:t>5/12/2016</a:t>
             </a:fld>
             <a:endParaRPr lang="en-US"/>
           </a:p>
@@ -20462,7 +23224,7 @@
                 </a:solidFill>
                 <a:latin typeface="Arial" charset="0"/>
               </a:rPr>
-              <a:t>Intermediate, etc.</a:t>
+              <a:t>Intermediate</a:t>
             </a:r>
             <a:endParaRPr lang="en-US" sz="2000" dirty="0">
               <a:solidFill>
@@ -20744,7 +23506,7 @@
                 </a:solidFill>
                 <a:effectLst/>
               </a:rPr>
-              <a:t>Xamarin</a:t>
+              <a:t>Xamarin.Forms</a:t>
             </a:r>
             <a:endParaRPr lang="en-US" sz="4400" b="1" dirty="0" smtClean="0">
               <a:solidFill>
@@ -20936,9 +23698,222 @@
   <p:timing>
     <p:tnLst>
       <p:par>
-        <p:cTn id="1" dur="indefinite" restart="never" nodeType="tmRoot"/>
+        <p:cTn id="1" dur="indefinite" restart="never" nodeType="tmRoot">
+          <p:childTnLst>
+            <p:seq concurrent="1" nextAc="seek">
+              <p:cTn id="2" dur="indefinite" nodeType="mainSeq">
+                <p:childTnLst>
+                  <p:par>
+                    <p:cTn id="3" fill="hold">
+                      <p:stCondLst>
+                        <p:cond delay="indefinite"/>
+                      </p:stCondLst>
+                      <p:childTnLst>
+                        <p:par>
+                          <p:cTn id="4" fill="hold">
+                            <p:stCondLst>
+                              <p:cond delay="0"/>
+                            </p:stCondLst>
+                            <p:childTnLst>
+                              <p:par>
+                                <p:cTn id="5" presetID="10" presetClass="entr" presetSubtype="0" fill="hold" grpId="0" nodeType="clickEffect">
+                                  <p:stCondLst>
+                                    <p:cond delay="0"/>
+                                  </p:stCondLst>
+                                  <p:childTnLst>
+                                    <p:set>
+                                      <p:cBhvr>
+                                        <p:cTn id="6" dur="1" fill="hold">
+                                          <p:stCondLst>
+                                            <p:cond delay="0"/>
+                                          </p:stCondLst>
+                                        </p:cTn>
+                                        <p:tgtEl>
+                                          <p:spTgt spid="4">
+                                            <p:graphicEl>
+                                              <a:dgm id="{0DAFDE51-1E88-4DE7-A577-3A1209956C26}"/>
+                                            </p:graphicEl>
+                                          </p:spTgt>
+                                        </p:tgtEl>
+                                        <p:attrNameLst>
+                                          <p:attrName>style.visibility</p:attrName>
+                                        </p:attrNameLst>
+                                      </p:cBhvr>
+                                      <p:to>
+                                        <p:strVal val="visible"/>
+                                      </p:to>
+                                    </p:set>
+                                    <p:animEffect transition="in" filter="fade">
+                                      <p:cBhvr>
+                                        <p:cTn id="7" dur="500"/>
+                                        <p:tgtEl>
+                                          <p:spTgt spid="4">
+                                            <p:graphicEl>
+                                              <a:dgm id="{0DAFDE51-1E88-4DE7-A577-3A1209956C26}"/>
+                                            </p:graphicEl>
+                                          </p:spTgt>
+                                        </p:tgtEl>
+                                      </p:cBhvr>
+                                    </p:animEffect>
+                                  </p:childTnLst>
+                                </p:cTn>
+                              </p:par>
+                            </p:childTnLst>
+                          </p:cTn>
+                        </p:par>
+                      </p:childTnLst>
+                    </p:cTn>
+                  </p:par>
+                  <p:par>
+                    <p:cTn id="8" fill="hold">
+                      <p:stCondLst>
+                        <p:cond delay="indefinite"/>
+                      </p:stCondLst>
+                      <p:childTnLst>
+                        <p:par>
+                          <p:cTn id="9" fill="hold">
+                            <p:stCondLst>
+                              <p:cond delay="0"/>
+                            </p:stCondLst>
+                            <p:childTnLst>
+                              <p:par>
+                                <p:cTn id="10" presetID="10" presetClass="entr" presetSubtype="0" fill="hold" grpId="0" nodeType="clickEffect">
+                                  <p:stCondLst>
+                                    <p:cond delay="0"/>
+                                  </p:stCondLst>
+                                  <p:childTnLst>
+                                    <p:set>
+                                      <p:cBhvr>
+                                        <p:cTn id="11" dur="1" fill="hold">
+                                          <p:stCondLst>
+                                            <p:cond delay="0"/>
+                                          </p:stCondLst>
+                                        </p:cTn>
+                                        <p:tgtEl>
+                                          <p:spTgt spid="4">
+                                            <p:graphicEl>
+                                              <a:dgm id="{EDBA2673-A2BB-49C6-AF94-91C8ED3A4AAF}"/>
+                                            </p:graphicEl>
+                                          </p:spTgt>
+                                        </p:tgtEl>
+                                        <p:attrNameLst>
+                                          <p:attrName>style.visibility</p:attrName>
+                                        </p:attrNameLst>
+                                      </p:cBhvr>
+                                      <p:to>
+                                        <p:strVal val="visible"/>
+                                      </p:to>
+                                    </p:set>
+                                    <p:animEffect transition="in" filter="fade">
+                                      <p:cBhvr>
+                                        <p:cTn id="12" dur="500"/>
+                                        <p:tgtEl>
+                                          <p:spTgt spid="4">
+                                            <p:graphicEl>
+                                              <a:dgm id="{EDBA2673-A2BB-49C6-AF94-91C8ED3A4AAF}"/>
+                                            </p:graphicEl>
+                                          </p:spTgt>
+                                        </p:tgtEl>
+                                      </p:cBhvr>
+                                    </p:animEffect>
+                                  </p:childTnLst>
+                                </p:cTn>
+                              </p:par>
+                            </p:childTnLst>
+                          </p:cTn>
+                        </p:par>
+                      </p:childTnLst>
+                    </p:cTn>
+                  </p:par>
+                  <p:par>
+                    <p:cTn id="13" fill="hold">
+                      <p:stCondLst>
+                        <p:cond delay="indefinite"/>
+                      </p:stCondLst>
+                      <p:childTnLst>
+                        <p:par>
+                          <p:cTn id="14" fill="hold">
+                            <p:stCondLst>
+                              <p:cond delay="0"/>
+                            </p:stCondLst>
+                            <p:childTnLst>
+                              <p:par>
+                                <p:cTn id="15" presetID="10" presetClass="entr" presetSubtype="0" fill="hold" grpId="0" nodeType="clickEffect">
+                                  <p:stCondLst>
+                                    <p:cond delay="0"/>
+                                  </p:stCondLst>
+                                  <p:childTnLst>
+                                    <p:set>
+                                      <p:cBhvr>
+                                        <p:cTn id="16" dur="1" fill="hold">
+                                          <p:stCondLst>
+                                            <p:cond delay="0"/>
+                                          </p:stCondLst>
+                                        </p:cTn>
+                                        <p:tgtEl>
+                                          <p:spTgt spid="4">
+                                            <p:graphicEl>
+                                              <a:dgm id="{B23A08BF-EC7C-460F-9EF4-6AB1A381736D}"/>
+                                            </p:graphicEl>
+                                          </p:spTgt>
+                                        </p:tgtEl>
+                                        <p:attrNameLst>
+                                          <p:attrName>style.visibility</p:attrName>
+                                        </p:attrNameLst>
+                                      </p:cBhvr>
+                                      <p:to>
+                                        <p:strVal val="visible"/>
+                                      </p:to>
+                                    </p:set>
+                                    <p:animEffect transition="in" filter="fade">
+                                      <p:cBhvr>
+                                        <p:cTn id="17" dur="500"/>
+                                        <p:tgtEl>
+                                          <p:spTgt spid="4">
+                                            <p:graphicEl>
+                                              <a:dgm id="{B23A08BF-EC7C-460F-9EF4-6AB1A381736D}"/>
+                                            </p:graphicEl>
+                                          </p:spTgt>
+                                        </p:tgtEl>
+                                      </p:cBhvr>
+                                    </p:animEffect>
+                                  </p:childTnLst>
+                                </p:cTn>
+                              </p:par>
+                            </p:childTnLst>
+                          </p:cTn>
+                        </p:par>
+                      </p:childTnLst>
+                    </p:cTn>
+                  </p:par>
+                </p:childTnLst>
+              </p:cTn>
+              <p:prevCondLst>
+                <p:cond evt="onPrev" delay="0">
+                  <p:tgtEl>
+                    <p:sldTgt/>
+                  </p:tgtEl>
+                </p:cond>
+              </p:prevCondLst>
+              <p:nextCondLst>
+                <p:cond evt="onNext" delay="0">
+                  <p:tgtEl>
+                    <p:sldTgt/>
+                  </p:tgtEl>
+                </p:cond>
+              </p:nextCondLst>
+            </p:seq>
+          </p:childTnLst>
+        </p:cTn>
       </p:par>
     </p:tnLst>
+    <p:bldLst>
+      <p:bldGraphic spid="4" grpId="0">
+        <p:bldSub>
+          <a:bldDgm bld="lvlOne"/>
+        </p:bldSub>
+      </p:bldGraphic>
+    </p:bldLst>
   </p:timing>
 </p:sld>
 </file>
@@ -21016,9 +23991,283 @@
   <p:timing>
     <p:tnLst>
       <p:par>
-        <p:cTn id="1" dur="indefinite" restart="never" nodeType="tmRoot"/>
+        <p:cTn id="1" dur="indefinite" restart="never" nodeType="tmRoot">
+          <p:childTnLst>
+            <p:seq concurrent="1" nextAc="seek">
+              <p:cTn id="2" dur="indefinite" nodeType="mainSeq">
+                <p:childTnLst>
+                  <p:par>
+                    <p:cTn id="3" fill="hold">
+                      <p:stCondLst>
+                        <p:cond delay="indefinite"/>
+                      </p:stCondLst>
+                      <p:childTnLst>
+                        <p:par>
+                          <p:cTn id="4" fill="hold">
+                            <p:stCondLst>
+                              <p:cond delay="0"/>
+                            </p:stCondLst>
+                            <p:childTnLst>
+                              <p:par>
+                                <p:cTn id="5" presetID="10" presetClass="entr" presetSubtype="0" fill="hold" grpId="0" nodeType="clickEffect">
+                                  <p:stCondLst>
+                                    <p:cond delay="0"/>
+                                  </p:stCondLst>
+                                  <p:childTnLst>
+                                    <p:set>
+                                      <p:cBhvr>
+                                        <p:cTn id="6" dur="1" fill="hold">
+                                          <p:stCondLst>
+                                            <p:cond delay="0"/>
+                                          </p:stCondLst>
+                                        </p:cTn>
+                                        <p:tgtEl>
+                                          <p:spTgt spid="4">
+                                            <p:graphicEl>
+                                              <a:dgm id="{292D75E8-4E42-4A07-980A-C2802134616A}"/>
+                                            </p:graphicEl>
+                                          </p:spTgt>
+                                        </p:tgtEl>
+                                        <p:attrNameLst>
+                                          <p:attrName>style.visibility</p:attrName>
+                                        </p:attrNameLst>
+                                      </p:cBhvr>
+                                      <p:to>
+                                        <p:strVal val="visible"/>
+                                      </p:to>
+                                    </p:set>
+                                    <p:animEffect transition="in" filter="fade">
+                                      <p:cBhvr>
+                                        <p:cTn id="7" dur="500"/>
+                                        <p:tgtEl>
+                                          <p:spTgt spid="4">
+                                            <p:graphicEl>
+                                              <a:dgm id="{292D75E8-4E42-4A07-980A-C2802134616A}"/>
+                                            </p:graphicEl>
+                                          </p:spTgt>
+                                        </p:tgtEl>
+                                      </p:cBhvr>
+                                    </p:animEffect>
+                                  </p:childTnLst>
+                                </p:cTn>
+                              </p:par>
+                            </p:childTnLst>
+                          </p:cTn>
+                        </p:par>
+                      </p:childTnLst>
+                    </p:cTn>
+                  </p:par>
+                  <p:par>
+                    <p:cTn id="8" fill="hold">
+                      <p:stCondLst>
+                        <p:cond delay="indefinite"/>
+                      </p:stCondLst>
+                      <p:childTnLst>
+                        <p:par>
+                          <p:cTn id="9" fill="hold">
+                            <p:stCondLst>
+                              <p:cond delay="0"/>
+                            </p:stCondLst>
+                            <p:childTnLst>
+                              <p:par>
+                                <p:cTn id="10" presetID="10" presetClass="entr" presetSubtype="0" fill="hold" grpId="0" nodeType="clickEffect">
+                                  <p:stCondLst>
+                                    <p:cond delay="0"/>
+                                  </p:stCondLst>
+                                  <p:childTnLst>
+                                    <p:set>
+                                      <p:cBhvr>
+                                        <p:cTn id="11" dur="1" fill="hold">
+                                          <p:stCondLst>
+                                            <p:cond delay="0"/>
+                                          </p:stCondLst>
+                                        </p:cTn>
+                                        <p:tgtEl>
+                                          <p:spTgt spid="4">
+                                            <p:graphicEl>
+                                              <a:dgm id="{A3F144B7-6E09-460F-B6C1-1BEE02DAE9FF}"/>
+                                            </p:graphicEl>
+                                          </p:spTgt>
+                                        </p:tgtEl>
+                                        <p:attrNameLst>
+                                          <p:attrName>style.visibility</p:attrName>
+                                        </p:attrNameLst>
+                                      </p:cBhvr>
+                                      <p:to>
+                                        <p:strVal val="visible"/>
+                                      </p:to>
+                                    </p:set>
+                                    <p:animEffect transition="in" filter="fade">
+                                      <p:cBhvr>
+                                        <p:cTn id="12" dur="500"/>
+                                        <p:tgtEl>
+                                          <p:spTgt spid="4">
+                                            <p:graphicEl>
+                                              <a:dgm id="{A3F144B7-6E09-460F-B6C1-1BEE02DAE9FF}"/>
+                                            </p:graphicEl>
+                                          </p:spTgt>
+                                        </p:tgtEl>
+                                      </p:cBhvr>
+                                    </p:animEffect>
+                                  </p:childTnLst>
+                                </p:cTn>
+                              </p:par>
+                            </p:childTnLst>
+                          </p:cTn>
+                        </p:par>
+                      </p:childTnLst>
+                    </p:cTn>
+                  </p:par>
+                  <p:par>
+                    <p:cTn id="13" fill="hold">
+                      <p:stCondLst>
+                        <p:cond delay="indefinite"/>
+                      </p:stCondLst>
+                      <p:childTnLst>
+                        <p:par>
+                          <p:cTn id="14" fill="hold">
+                            <p:stCondLst>
+                              <p:cond delay="0"/>
+                            </p:stCondLst>
+                            <p:childTnLst>
+                              <p:par>
+                                <p:cTn id="15" presetID="10" presetClass="entr" presetSubtype="0" fill="hold" grpId="0" nodeType="clickEffect">
+                                  <p:stCondLst>
+                                    <p:cond delay="0"/>
+                                  </p:stCondLst>
+                                  <p:childTnLst>
+                                    <p:set>
+                                      <p:cBhvr>
+                                        <p:cTn id="16" dur="1" fill="hold">
+                                          <p:stCondLst>
+                                            <p:cond delay="0"/>
+                                          </p:stCondLst>
+                                        </p:cTn>
+                                        <p:tgtEl>
+                                          <p:spTgt spid="4">
+                                            <p:graphicEl>
+                                              <a:dgm id="{3A577329-1DAB-4571-80BD-9F9DC9F0B735}"/>
+                                            </p:graphicEl>
+                                          </p:spTgt>
+                                        </p:tgtEl>
+                                        <p:attrNameLst>
+                                          <p:attrName>style.visibility</p:attrName>
+                                        </p:attrNameLst>
+                                      </p:cBhvr>
+                                      <p:to>
+                                        <p:strVal val="visible"/>
+                                      </p:to>
+                                    </p:set>
+                                    <p:animEffect transition="in" filter="fade">
+                                      <p:cBhvr>
+                                        <p:cTn id="17" dur="500"/>
+                                        <p:tgtEl>
+                                          <p:spTgt spid="4">
+                                            <p:graphicEl>
+                                              <a:dgm id="{3A577329-1DAB-4571-80BD-9F9DC9F0B735}"/>
+                                            </p:graphicEl>
+                                          </p:spTgt>
+                                        </p:tgtEl>
+                                      </p:cBhvr>
+                                    </p:animEffect>
+                                  </p:childTnLst>
+                                </p:cTn>
+                              </p:par>
+                            </p:childTnLst>
+                          </p:cTn>
+                        </p:par>
+                      </p:childTnLst>
+                    </p:cTn>
+                  </p:par>
+                  <p:par>
+                    <p:cTn id="18" fill="hold">
+                      <p:stCondLst>
+                        <p:cond delay="indefinite"/>
+                      </p:stCondLst>
+                      <p:childTnLst>
+                        <p:par>
+                          <p:cTn id="19" fill="hold">
+                            <p:stCondLst>
+                              <p:cond delay="0"/>
+                            </p:stCondLst>
+                            <p:childTnLst>
+                              <p:par>
+                                <p:cTn id="20" presetID="10" presetClass="entr" presetSubtype="0" fill="hold" grpId="0" nodeType="clickEffect">
+                                  <p:stCondLst>
+                                    <p:cond delay="0"/>
+                                  </p:stCondLst>
+                                  <p:childTnLst>
+                                    <p:set>
+                                      <p:cBhvr>
+                                        <p:cTn id="21" dur="1" fill="hold">
+                                          <p:stCondLst>
+                                            <p:cond delay="0"/>
+                                          </p:stCondLst>
+                                        </p:cTn>
+                                        <p:tgtEl>
+                                          <p:spTgt spid="4">
+                                            <p:graphicEl>
+                                              <a:dgm id="{F13EE5FC-80EB-4005-A645-A585D4473551}"/>
+                                            </p:graphicEl>
+                                          </p:spTgt>
+                                        </p:tgtEl>
+                                        <p:attrNameLst>
+                                          <p:attrName>style.visibility</p:attrName>
+                                        </p:attrNameLst>
+                                      </p:cBhvr>
+                                      <p:to>
+                                        <p:strVal val="visible"/>
+                                      </p:to>
+                                    </p:set>
+                                    <p:animEffect transition="in" filter="fade">
+                                      <p:cBhvr>
+                                        <p:cTn id="22" dur="500"/>
+                                        <p:tgtEl>
+                                          <p:spTgt spid="4">
+                                            <p:graphicEl>
+                                              <a:dgm id="{F13EE5FC-80EB-4005-A645-A585D4473551}"/>
+                                            </p:graphicEl>
+                                          </p:spTgt>
+                                        </p:tgtEl>
+                                      </p:cBhvr>
+                                    </p:animEffect>
+                                  </p:childTnLst>
+                                </p:cTn>
+                              </p:par>
+                            </p:childTnLst>
+                          </p:cTn>
+                        </p:par>
+                      </p:childTnLst>
+                    </p:cTn>
+                  </p:par>
+                </p:childTnLst>
+              </p:cTn>
+              <p:prevCondLst>
+                <p:cond evt="onPrev" delay="0">
+                  <p:tgtEl>
+                    <p:sldTgt/>
+                  </p:tgtEl>
+                </p:cond>
+              </p:prevCondLst>
+              <p:nextCondLst>
+                <p:cond evt="onNext" delay="0">
+                  <p:tgtEl>
+                    <p:sldTgt/>
+                  </p:tgtEl>
+                </p:cond>
+              </p:nextCondLst>
+            </p:seq>
+          </p:childTnLst>
+        </p:cTn>
       </p:par>
     </p:tnLst>
+    <p:bldLst>
+      <p:bldGraphic spid="4" grpId="0">
+        <p:bldSub>
+          <a:bldDgm bld="lvlOne"/>
+        </p:bldSub>
+      </p:bldGraphic>
+    </p:bldLst>
   </p:timing>
 </p:sld>
 </file>
@@ -21136,6 +24385,165 @@
   <p:clrMapOvr>
     <a:masterClrMapping/>
   </p:clrMapOvr>
+  <p:timing>
+    <p:tnLst>
+      <p:par>
+        <p:cTn id="1" dur="indefinite" restart="never" nodeType="tmRoot">
+          <p:childTnLst>
+            <p:seq concurrent="1" nextAc="seek">
+              <p:cTn id="2" dur="indefinite" nodeType="mainSeq">
+                <p:childTnLst>
+                  <p:par>
+                    <p:cTn id="3" fill="hold">
+                      <p:stCondLst>
+                        <p:cond delay="indefinite"/>
+                      </p:stCondLst>
+                      <p:childTnLst>
+                        <p:par>
+                          <p:cTn id="4" fill="hold">
+                            <p:stCondLst>
+                              <p:cond delay="0"/>
+                            </p:stCondLst>
+                            <p:childTnLst>
+                              <p:par>
+                                <p:cTn id="5" presetID="10" presetClass="entr" presetSubtype="0" fill="hold" grpId="0" nodeType="clickEffect">
+                                  <p:stCondLst>
+                                    <p:cond delay="0"/>
+                                  </p:stCondLst>
+                                  <p:childTnLst>
+                                    <p:set>
+                                      <p:cBhvr>
+                                        <p:cTn id="6" dur="1" fill="hold">
+                                          <p:stCondLst>
+                                            <p:cond delay="0"/>
+                                          </p:stCondLst>
+                                        </p:cTn>
+                                        <p:tgtEl>
+                                          <p:spTgt spid="4">
+                                            <p:graphicEl>
+                                              <a:dgm id="{ED6D1CA5-B23F-493B-B008-10F11B55AA97}"/>
+                                            </p:graphicEl>
+                                          </p:spTgt>
+                                        </p:tgtEl>
+                                        <p:attrNameLst>
+                                          <p:attrName>style.visibility</p:attrName>
+                                        </p:attrNameLst>
+                                      </p:cBhvr>
+                                      <p:to>
+                                        <p:strVal val="visible"/>
+                                      </p:to>
+                                    </p:set>
+                                    <p:animEffect transition="in" filter="fade">
+                                      <p:cBhvr>
+                                        <p:cTn id="7" dur="500"/>
+                                        <p:tgtEl>
+                                          <p:spTgt spid="4">
+                                            <p:graphicEl>
+                                              <a:dgm id="{ED6D1CA5-B23F-493B-B008-10F11B55AA97}"/>
+                                            </p:graphicEl>
+                                          </p:spTgt>
+                                        </p:tgtEl>
+                                      </p:cBhvr>
+                                    </p:animEffect>
+                                  </p:childTnLst>
+                                </p:cTn>
+                              </p:par>
+                            </p:childTnLst>
+                          </p:cTn>
+                        </p:par>
+                      </p:childTnLst>
+                    </p:cTn>
+                  </p:par>
+                  <p:par>
+                    <p:cTn id="8" fill="hold">
+                      <p:stCondLst>
+                        <p:cond delay="indefinite"/>
+                      </p:stCondLst>
+                      <p:childTnLst>
+                        <p:par>
+                          <p:cTn id="9" fill="hold">
+                            <p:stCondLst>
+                              <p:cond delay="0"/>
+                            </p:stCondLst>
+                            <p:childTnLst>
+                              <p:par>
+                                <p:cTn id="10" presetID="10" presetClass="entr" presetSubtype="0" fill="hold" grpId="0" nodeType="clickEffect">
+                                  <p:stCondLst>
+                                    <p:cond delay="0"/>
+                                  </p:stCondLst>
+                                  <p:childTnLst>
+                                    <p:set>
+                                      <p:cBhvr>
+                                        <p:cTn id="11" dur="1" fill="hold">
+                                          <p:stCondLst>
+                                            <p:cond delay="0"/>
+                                          </p:stCondLst>
+                                        </p:cTn>
+                                        <p:tgtEl>
+                                          <p:spTgt spid="4">
+                                            <p:graphicEl>
+                                              <a:dgm id="{D5BB4401-E27C-46BB-936A-A9D62306AC7D}"/>
+                                            </p:graphicEl>
+                                          </p:spTgt>
+                                        </p:tgtEl>
+                                        <p:attrNameLst>
+                                          <p:attrName>style.visibility</p:attrName>
+                                        </p:attrNameLst>
+                                      </p:cBhvr>
+                                      <p:to>
+                                        <p:strVal val="visible"/>
+                                      </p:to>
+                                    </p:set>
+                                    <p:animEffect transition="in" filter="fade">
+                                      <p:cBhvr>
+                                        <p:cTn id="12" dur="500"/>
+                                        <p:tgtEl>
+                                          <p:spTgt spid="4">
+                                            <p:graphicEl>
+                                              <a:dgm id="{D5BB4401-E27C-46BB-936A-A9D62306AC7D}"/>
+                                            </p:graphicEl>
+                                          </p:spTgt>
+                                        </p:tgtEl>
+                                      </p:cBhvr>
+                                    </p:animEffect>
+                                  </p:childTnLst>
+                                </p:cTn>
+                              </p:par>
+                            </p:childTnLst>
+                          </p:cTn>
+                        </p:par>
+                      </p:childTnLst>
+                    </p:cTn>
+                  </p:par>
+                </p:childTnLst>
+              </p:cTn>
+              <p:prevCondLst>
+                <p:cond evt="onPrev" delay="0">
+                  <p:tgtEl>
+                    <p:sldTgt/>
+                  </p:tgtEl>
+                </p:cond>
+              </p:prevCondLst>
+              <p:nextCondLst>
+                <p:cond evt="onNext" delay="0">
+                  <p:tgtEl>
+                    <p:sldTgt/>
+                  </p:tgtEl>
+                </p:cond>
+              </p:nextCondLst>
+            </p:seq>
+          </p:childTnLst>
+        </p:cTn>
+      </p:par>
+    </p:tnLst>
+    <p:bldLst>
+      <p:bldGraphic spid="4" grpId="0">
+        <p:bldSub>
+          <a:bldDgm bld="lvlOne"/>
+        </p:bldSub>
+      </p:bldGraphic>
+    </p:bldLst>
+  </p:timing>
 </p:sld>
 </file>
 
@@ -21214,6 +24622,355 @@
   <p:clrMapOvr>
     <a:masterClrMapping/>
   </p:clrMapOvr>
+  <p:timing>
+    <p:tnLst>
+      <p:par>
+        <p:cTn id="1" dur="indefinite" restart="never" nodeType="tmRoot">
+          <p:childTnLst>
+            <p:seq concurrent="1" nextAc="seek">
+              <p:cTn id="2" dur="indefinite" nodeType="mainSeq">
+                <p:childTnLst>
+                  <p:par>
+                    <p:cTn id="3" fill="hold">
+                      <p:stCondLst>
+                        <p:cond delay="indefinite"/>
+                      </p:stCondLst>
+                      <p:childTnLst>
+                        <p:par>
+                          <p:cTn id="4" fill="hold">
+                            <p:stCondLst>
+                              <p:cond delay="0"/>
+                            </p:stCondLst>
+                            <p:childTnLst>
+                              <p:par>
+                                <p:cTn id="5" presetID="10" presetClass="entr" presetSubtype="0" fill="hold" grpId="0" nodeType="clickEffect">
+                                  <p:stCondLst>
+                                    <p:cond delay="0"/>
+                                  </p:stCondLst>
+                                  <p:childTnLst>
+                                    <p:set>
+                                      <p:cBhvr>
+                                        <p:cTn id="6" dur="1" fill="hold">
+                                          <p:stCondLst>
+                                            <p:cond delay="0"/>
+                                          </p:stCondLst>
+                                        </p:cTn>
+                                        <p:tgtEl>
+                                          <p:spTgt spid="5">
+                                            <p:graphicEl>
+                                              <a:dgm id="{05076332-1109-4CF1-85C3-D65D577FED27}"/>
+                                            </p:graphicEl>
+                                          </p:spTgt>
+                                        </p:tgtEl>
+                                        <p:attrNameLst>
+                                          <p:attrName>style.visibility</p:attrName>
+                                        </p:attrNameLst>
+                                      </p:cBhvr>
+                                      <p:to>
+                                        <p:strVal val="visible"/>
+                                      </p:to>
+                                    </p:set>
+                                    <p:animEffect transition="in" filter="fade">
+                                      <p:cBhvr>
+                                        <p:cTn id="7" dur="500"/>
+                                        <p:tgtEl>
+                                          <p:spTgt spid="5">
+                                            <p:graphicEl>
+                                              <a:dgm id="{05076332-1109-4CF1-85C3-D65D577FED27}"/>
+                                            </p:graphicEl>
+                                          </p:spTgt>
+                                        </p:tgtEl>
+                                      </p:cBhvr>
+                                    </p:animEffect>
+                                  </p:childTnLst>
+                                </p:cTn>
+                              </p:par>
+                              <p:par>
+                                <p:cTn id="8" presetID="10" presetClass="entr" presetSubtype="0" fill="hold" grpId="0" nodeType="withEffect">
+                                  <p:stCondLst>
+                                    <p:cond delay="0"/>
+                                  </p:stCondLst>
+                                  <p:childTnLst>
+                                    <p:set>
+                                      <p:cBhvr>
+                                        <p:cTn id="9" dur="1" fill="hold">
+                                          <p:stCondLst>
+                                            <p:cond delay="0"/>
+                                          </p:stCondLst>
+                                        </p:cTn>
+                                        <p:tgtEl>
+                                          <p:spTgt spid="5">
+                                            <p:graphicEl>
+                                              <a:dgm id="{F36574A0-FE2D-4AE6-AC20-2FD673901935}"/>
+                                            </p:graphicEl>
+                                          </p:spTgt>
+                                        </p:tgtEl>
+                                        <p:attrNameLst>
+                                          <p:attrName>style.visibility</p:attrName>
+                                        </p:attrNameLst>
+                                      </p:cBhvr>
+                                      <p:to>
+                                        <p:strVal val="visible"/>
+                                      </p:to>
+                                    </p:set>
+                                    <p:animEffect transition="in" filter="fade">
+                                      <p:cBhvr>
+                                        <p:cTn id="10" dur="500"/>
+                                        <p:tgtEl>
+                                          <p:spTgt spid="5">
+                                            <p:graphicEl>
+                                              <a:dgm id="{F36574A0-FE2D-4AE6-AC20-2FD673901935}"/>
+                                            </p:graphicEl>
+                                          </p:spTgt>
+                                        </p:tgtEl>
+                                      </p:cBhvr>
+                                    </p:animEffect>
+                                  </p:childTnLst>
+                                </p:cTn>
+                              </p:par>
+                            </p:childTnLst>
+                          </p:cTn>
+                        </p:par>
+                      </p:childTnLst>
+                    </p:cTn>
+                  </p:par>
+                  <p:par>
+                    <p:cTn id="11" fill="hold">
+                      <p:stCondLst>
+                        <p:cond delay="indefinite"/>
+                      </p:stCondLst>
+                      <p:childTnLst>
+                        <p:par>
+                          <p:cTn id="12" fill="hold">
+                            <p:stCondLst>
+                              <p:cond delay="0"/>
+                            </p:stCondLst>
+                            <p:childTnLst>
+                              <p:par>
+                                <p:cTn id="13" presetID="10" presetClass="entr" presetSubtype="0" fill="hold" grpId="0" nodeType="clickEffect">
+                                  <p:stCondLst>
+                                    <p:cond delay="0"/>
+                                  </p:stCondLst>
+                                  <p:childTnLst>
+                                    <p:set>
+                                      <p:cBhvr>
+                                        <p:cTn id="14" dur="1" fill="hold">
+                                          <p:stCondLst>
+                                            <p:cond delay="0"/>
+                                          </p:stCondLst>
+                                        </p:cTn>
+                                        <p:tgtEl>
+                                          <p:spTgt spid="5">
+                                            <p:graphicEl>
+                                              <a:dgm id="{E7944284-D04B-43E3-B10B-DA2D9D748853}"/>
+                                            </p:graphicEl>
+                                          </p:spTgt>
+                                        </p:tgtEl>
+                                        <p:attrNameLst>
+                                          <p:attrName>style.visibility</p:attrName>
+                                        </p:attrNameLst>
+                                      </p:cBhvr>
+                                      <p:to>
+                                        <p:strVal val="visible"/>
+                                      </p:to>
+                                    </p:set>
+                                    <p:animEffect transition="in" filter="fade">
+                                      <p:cBhvr>
+                                        <p:cTn id="15" dur="500"/>
+                                        <p:tgtEl>
+                                          <p:spTgt spid="5">
+                                            <p:graphicEl>
+                                              <a:dgm id="{E7944284-D04B-43E3-B10B-DA2D9D748853}"/>
+                                            </p:graphicEl>
+                                          </p:spTgt>
+                                        </p:tgtEl>
+                                      </p:cBhvr>
+                                    </p:animEffect>
+                                  </p:childTnLst>
+                                </p:cTn>
+                              </p:par>
+                              <p:par>
+                                <p:cTn id="16" presetID="10" presetClass="entr" presetSubtype="0" fill="hold" grpId="0" nodeType="withEffect">
+                                  <p:stCondLst>
+                                    <p:cond delay="0"/>
+                                  </p:stCondLst>
+                                  <p:childTnLst>
+                                    <p:set>
+                                      <p:cBhvr>
+                                        <p:cTn id="17" dur="1" fill="hold">
+                                          <p:stCondLst>
+                                            <p:cond delay="0"/>
+                                          </p:stCondLst>
+                                        </p:cTn>
+                                        <p:tgtEl>
+                                          <p:spTgt spid="5">
+                                            <p:graphicEl>
+                                              <a:dgm id="{27F93F01-7F8C-41A7-A369-7D950C5F7BF2}"/>
+                                            </p:graphicEl>
+                                          </p:spTgt>
+                                        </p:tgtEl>
+                                        <p:attrNameLst>
+                                          <p:attrName>style.visibility</p:attrName>
+                                        </p:attrNameLst>
+                                      </p:cBhvr>
+                                      <p:to>
+                                        <p:strVal val="visible"/>
+                                      </p:to>
+                                    </p:set>
+                                    <p:animEffect transition="in" filter="fade">
+                                      <p:cBhvr>
+                                        <p:cTn id="18" dur="500"/>
+                                        <p:tgtEl>
+                                          <p:spTgt spid="5">
+                                            <p:graphicEl>
+                                              <a:dgm id="{27F93F01-7F8C-41A7-A369-7D950C5F7BF2}"/>
+                                            </p:graphicEl>
+                                          </p:spTgt>
+                                        </p:tgtEl>
+                                      </p:cBhvr>
+                                    </p:animEffect>
+                                  </p:childTnLst>
+                                </p:cTn>
+                              </p:par>
+                            </p:childTnLst>
+                          </p:cTn>
+                        </p:par>
+                      </p:childTnLst>
+                    </p:cTn>
+                  </p:par>
+                  <p:par>
+                    <p:cTn id="19" fill="hold">
+                      <p:stCondLst>
+                        <p:cond delay="indefinite"/>
+                      </p:stCondLst>
+                      <p:childTnLst>
+                        <p:par>
+                          <p:cTn id="20" fill="hold">
+                            <p:stCondLst>
+                              <p:cond delay="0"/>
+                            </p:stCondLst>
+                            <p:childTnLst>
+                              <p:par>
+                                <p:cTn id="21" presetID="10" presetClass="entr" presetSubtype="0" fill="hold" grpId="0" nodeType="clickEffect">
+                                  <p:stCondLst>
+                                    <p:cond delay="0"/>
+                                  </p:stCondLst>
+                                  <p:childTnLst>
+                                    <p:set>
+                                      <p:cBhvr>
+                                        <p:cTn id="22" dur="1" fill="hold">
+                                          <p:stCondLst>
+                                            <p:cond delay="0"/>
+                                          </p:stCondLst>
+                                        </p:cTn>
+                                        <p:tgtEl>
+                                          <p:spTgt spid="5">
+                                            <p:graphicEl>
+                                              <a:dgm id="{E25499F5-C5B8-4FDC-8D0C-EED285A33F03}"/>
+                                            </p:graphicEl>
+                                          </p:spTgt>
+                                        </p:tgtEl>
+                                        <p:attrNameLst>
+                                          <p:attrName>style.visibility</p:attrName>
+                                        </p:attrNameLst>
+                                      </p:cBhvr>
+                                      <p:to>
+                                        <p:strVal val="visible"/>
+                                      </p:to>
+                                    </p:set>
+                                    <p:animEffect transition="in" filter="fade">
+                                      <p:cBhvr>
+                                        <p:cTn id="23" dur="500"/>
+                                        <p:tgtEl>
+                                          <p:spTgt spid="5">
+                                            <p:graphicEl>
+                                              <a:dgm id="{E25499F5-C5B8-4FDC-8D0C-EED285A33F03}"/>
+                                            </p:graphicEl>
+                                          </p:spTgt>
+                                        </p:tgtEl>
+                                      </p:cBhvr>
+                                    </p:animEffect>
+                                  </p:childTnLst>
+                                </p:cTn>
+                              </p:par>
+                              <p:par>
+                                <p:cTn id="24" presetID="10" presetClass="entr" presetSubtype="0" fill="hold" grpId="0" nodeType="withEffect">
+                                  <p:stCondLst>
+                                    <p:cond delay="0"/>
+                                  </p:stCondLst>
+                                  <p:childTnLst>
+                                    <p:set>
+                                      <p:cBhvr>
+                                        <p:cTn id="25" dur="1" fill="hold">
+                                          <p:stCondLst>
+                                            <p:cond delay="0"/>
+                                          </p:stCondLst>
+                                        </p:cTn>
+                                        <p:tgtEl>
+                                          <p:spTgt spid="5">
+                                            <p:graphicEl>
+                                              <a:dgm id="{3FE2A1A1-2E15-410A-93CA-7A297C5D758E}"/>
+                                            </p:graphicEl>
+                                          </p:spTgt>
+                                        </p:tgtEl>
+                                        <p:attrNameLst>
+                                          <p:attrName>style.visibility</p:attrName>
+                                        </p:attrNameLst>
+                                      </p:cBhvr>
+                                      <p:to>
+                                        <p:strVal val="visible"/>
+                                      </p:to>
+                                    </p:set>
+                                    <p:animEffect transition="in" filter="fade">
+                                      <p:cBhvr>
+                                        <p:cTn id="26" dur="500"/>
+                                        <p:tgtEl>
+                                          <p:spTgt spid="5">
+                                            <p:graphicEl>
+                                              <a:dgm id="{3FE2A1A1-2E15-410A-93CA-7A297C5D758E}"/>
+                                            </p:graphicEl>
+                                          </p:spTgt>
+                                        </p:tgtEl>
+                                      </p:cBhvr>
+                                    </p:animEffect>
+                                  </p:childTnLst>
+                                </p:cTn>
+                              </p:par>
+                            </p:childTnLst>
+                          </p:cTn>
+                        </p:par>
+                      </p:childTnLst>
+                    </p:cTn>
+                  </p:par>
+                </p:childTnLst>
+              </p:cTn>
+              <p:prevCondLst>
+                <p:cond evt="onPrev" delay="0">
+                  <p:tgtEl>
+                    <p:sldTgt/>
+                  </p:tgtEl>
+                </p:cond>
+              </p:prevCondLst>
+              <p:nextCondLst>
+                <p:cond evt="onNext" delay="0">
+                  <p:tgtEl>
+                    <p:sldTgt/>
+                  </p:tgtEl>
+                </p:cond>
+              </p:nextCondLst>
+            </p:seq>
+          </p:childTnLst>
+        </p:cTn>
+      </p:par>
+    </p:tnLst>
+    <p:bldLst>
+      <p:bldGraphic spid="5" grpId="0" uiExpand="1">
+        <p:bldSub>
+          <a:bldDgm bld="one"/>
+        </p:bldSub>
+      </p:bldGraphic>
+    </p:bldLst>
+  </p:timing>
 </p:sld>
 </file>
 
@@ -21313,9 +25070,279 @@
   <p:timing>
     <p:tnLst>
       <p:par>
-        <p:cTn id="1" dur="indefinite" restart="never" nodeType="tmRoot"/>
+        <p:cTn id="1" dur="indefinite" restart="never" nodeType="tmRoot">
+          <p:childTnLst>
+            <p:seq concurrent="1" nextAc="seek">
+              <p:cTn id="2" dur="indefinite" nodeType="mainSeq">
+                <p:childTnLst>
+                  <p:par>
+                    <p:cTn id="3" fill="hold">
+                      <p:stCondLst>
+                        <p:cond delay="indefinite"/>
+                      </p:stCondLst>
+                      <p:childTnLst>
+                        <p:par>
+                          <p:cTn id="4" fill="hold">
+                            <p:stCondLst>
+                              <p:cond delay="0"/>
+                            </p:stCondLst>
+                            <p:childTnLst>
+                              <p:par>
+                                <p:cTn id="5" presetID="10" presetClass="entr" presetSubtype="0" fill="hold" grpId="0" nodeType="clickEffect">
+                                  <p:stCondLst>
+                                    <p:cond delay="0"/>
+                                  </p:stCondLst>
+                                  <p:childTnLst>
+                                    <p:set>
+                                      <p:cBhvr>
+                                        <p:cTn id="6" dur="1" fill="hold">
+                                          <p:stCondLst>
+                                            <p:cond delay="0"/>
+                                          </p:stCondLst>
+                                        </p:cTn>
+                                        <p:tgtEl>
+                                          <p:spTgt spid="3">
+                                            <p:txEl>
+                                              <p:pRg st="0" end="0"/>
+                                            </p:txEl>
+                                          </p:spTgt>
+                                        </p:tgtEl>
+                                        <p:attrNameLst>
+                                          <p:attrName>style.visibility</p:attrName>
+                                        </p:attrNameLst>
+                                      </p:cBhvr>
+                                      <p:to>
+                                        <p:strVal val="visible"/>
+                                      </p:to>
+                                    </p:set>
+                                    <p:animEffect transition="in" filter="fade">
+                                      <p:cBhvr>
+                                        <p:cTn id="7" dur="500"/>
+                                        <p:tgtEl>
+                                          <p:spTgt spid="3">
+                                            <p:txEl>
+                                              <p:pRg st="0" end="0"/>
+                                            </p:txEl>
+                                          </p:spTgt>
+                                        </p:tgtEl>
+                                      </p:cBhvr>
+                                    </p:animEffect>
+                                  </p:childTnLst>
+                                </p:cTn>
+                              </p:par>
+                            </p:childTnLst>
+                          </p:cTn>
+                        </p:par>
+                      </p:childTnLst>
+                    </p:cTn>
+                  </p:par>
+                  <p:par>
+                    <p:cTn id="8" fill="hold">
+                      <p:stCondLst>
+                        <p:cond delay="indefinite"/>
+                      </p:stCondLst>
+                      <p:childTnLst>
+                        <p:par>
+                          <p:cTn id="9" fill="hold">
+                            <p:stCondLst>
+                              <p:cond delay="0"/>
+                            </p:stCondLst>
+                            <p:childTnLst>
+                              <p:par>
+                                <p:cTn id="10" presetID="10" presetClass="entr" presetSubtype="0" fill="hold" grpId="0" nodeType="clickEffect">
+                                  <p:stCondLst>
+                                    <p:cond delay="0"/>
+                                  </p:stCondLst>
+                                  <p:childTnLst>
+                                    <p:set>
+                                      <p:cBhvr>
+                                        <p:cTn id="11" dur="1" fill="hold">
+                                          <p:stCondLst>
+                                            <p:cond delay="0"/>
+                                          </p:stCondLst>
+                                        </p:cTn>
+                                        <p:tgtEl>
+                                          <p:spTgt spid="3">
+                                            <p:txEl>
+                                              <p:pRg st="1" end="1"/>
+                                            </p:txEl>
+                                          </p:spTgt>
+                                        </p:tgtEl>
+                                        <p:attrNameLst>
+                                          <p:attrName>style.visibility</p:attrName>
+                                        </p:attrNameLst>
+                                      </p:cBhvr>
+                                      <p:to>
+                                        <p:strVal val="visible"/>
+                                      </p:to>
+                                    </p:set>
+                                    <p:animEffect transition="in" filter="fade">
+                                      <p:cBhvr>
+                                        <p:cTn id="12" dur="500"/>
+                                        <p:tgtEl>
+                                          <p:spTgt spid="3">
+                                            <p:txEl>
+                                              <p:pRg st="1" end="1"/>
+                                            </p:txEl>
+                                          </p:spTgt>
+                                        </p:tgtEl>
+                                      </p:cBhvr>
+                                    </p:animEffect>
+                                  </p:childTnLst>
+                                </p:cTn>
+                              </p:par>
+                            </p:childTnLst>
+                          </p:cTn>
+                        </p:par>
+                      </p:childTnLst>
+                    </p:cTn>
+                  </p:par>
+                  <p:par>
+                    <p:cTn id="13" fill="hold">
+                      <p:stCondLst>
+                        <p:cond delay="indefinite"/>
+                      </p:stCondLst>
+                      <p:childTnLst>
+                        <p:par>
+                          <p:cTn id="14" fill="hold">
+                            <p:stCondLst>
+                              <p:cond delay="0"/>
+                            </p:stCondLst>
+                            <p:childTnLst>
+                              <p:par>
+                                <p:cTn id="15" presetID="10" presetClass="entr" presetSubtype="0" fill="hold" grpId="0" nodeType="clickEffect">
+                                  <p:stCondLst>
+                                    <p:cond delay="0"/>
+                                  </p:stCondLst>
+                                  <p:childTnLst>
+                                    <p:set>
+                                      <p:cBhvr>
+                                        <p:cTn id="16" dur="1" fill="hold">
+                                          <p:stCondLst>
+                                            <p:cond delay="0"/>
+                                          </p:stCondLst>
+                                        </p:cTn>
+                                        <p:tgtEl>
+                                          <p:spTgt spid="3">
+                                            <p:txEl>
+                                              <p:pRg st="2" end="2"/>
+                                            </p:txEl>
+                                          </p:spTgt>
+                                        </p:tgtEl>
+                                        <p:attrNameLst>
+                                          <p:attrName>style.visibility</p:attrName>
+                                        </p:attrNameLst>
+                                      </p:cBhvr>
+                                      <p:to>
+                                        <p:strVal val="visible"/>
+                                      </p:to>
+                                    </p:set>
+                                    <p:animEffect transition="in" filter="fade">
+                                      <p:cBhvr>
+                                        <p:cTn id="17" dur="500"/>
+                                        <p:tgtEl>
+                                          <p:spTgt spid="3">
+                                            <p:txEl>
+                                              <p:pRg st="2" end="2"/>
+                                            </p:txEl>
+                                          </p:spTgt>
+                                        </p:tgtEl>
+                                      </p:cBhvr>
+                                    </p:animEffect>
+                                  </p:childTnLst>
+                                </p:cTn>
+                              </p:par>
+                            </p:childTnLst>
+                          </p:cTn>
+                        </p:par>
+                      </p:childTnLst>
+                    </p:cTn>
+                  </p:par>
+                  <p:par>
+                    <p:cTn id="18" fill="hold">
+                      <p:stCondLst>
+                        <p:cond delay="indefinite"/>
+                      </p:stCondLst>
+                      <p:childTnLst>
+                        <p:par>
+                          <p:cTn id="19" fill="hold">
+                            <p:stCondLst>
+                              <p:cond delay="0"/>
+                            </p:stCondLst>
+                            <p:childTnLst>
+                              <p:par>
+                                <p:cTn id="20" presetID="10" presetClass="entr" presetSubtype="0" fill="hold" grpId="0" nodeType="clickEffect">
+                                  <p:stCondLst>
+                                    <p:cond delay="0"/>
+                                  </p:stCondLst>
+                                  <p:childTnLst>
+                                    <p:set>
+                                      <p:cBhvr>
+                                        <p:cTn id="21" dur="1" fill="hold">
+                                          <p:stCondLst>
+                                            <p:cond delay="0"/>
+                                          </p:stCondLst>
+                                        </p:cTn>
+                                        <p:tgtEl>
+                                          <p:spTgt spid="3">
+                                            <p:txEl>
+                                              <p:pRg st="3" end="3"/>
+                                            </p:txEl>
+                                          </p:spTgt>
+                                        </p:tgtEl>
+                                        <p:attrNameLst>
+                                          <p:attrName>style.visibility</p:attrName>
+                                        </p:attrNameLst>
+                                      </p:cBhvr>
+                                      <p:to>
+                                        <p:strVal val="visible"/>
+                                      </p:to>
+                                    </p:set>
+                                    <p:animEffect transition="in" filter="fade">
+                                      <p:cBhvr>
+                                        <p:cTn id="22" dur="500"/>
+                                        <p:tgtEl>
+                                          <p:spTgt spid="3">
+                                            <p:txEl>
+                                              <p:pRg st="3" end="3"/>
+                                            </p:txEl>
+                                          </p:spTgt>
+                                        </p:tgtEl>
+                                      </p:cBhvr>
+                                    </p:animEffect>
+                                  </p:childTnLst>
+                                </p:cTn>
+                              </p:par>
+                            </p:childTnLst>
+                          </p:cTn>
+                        </p:par>
+                      </p:childTnLst>
+                    </p:cTn>
+                  </p:par>
+                </p:childTnLst>
+              </p:cTn>
+              <p:prevCondLst>
+                <p:cond evt="onPrev" delay="0">
+                  <p:tgtEl>
+                    <p:sldTgt/>
+                  </p:tgtEl>
+                </p:cond>
+              </p:prevCondLst>
+              <p:nextCondLst>
+                <p:cond evt="onNext" delay="0">
+                  <p:tgtEl>
+                    <p:sldTgt/>
+                  </p:tgtEl>
+                </p:cond>
+              </p:nextCondLst>
+            </p:seq>
+          </p:childTnLst>
+        </p:cTn>
       </p:par>
     </p:tnLst>
+    <p:bldLst>
+      <p:bldP spid="3" grpId="0" uiExpand="1" build="p"/>
+    </p:bldLst>
   </p:timing>
 </p:sld>
 </file>
@@ -26977,6 +31004,13 @@
   <p:clrMapOvr>
     <a:masterClrMapping/>
   </p:clrMapOvr>
+  <p:timing>
+    <p:tnLst>
+      <p:par>
+        <p:cTn id="1" dur="indefinite" restart="never" nodeType="tmRoot"/>
+      </p:par>
+    </p:tnLst>
+  </p:timing>
 </p:sld>
 </file>
 
@@ -29267,6 +33301,317 @@
   <p:clrMapOvr>
     <a:masterClrMapping/>
   </p:clrMapOvr>
+  <p:timing>
+    <p:tnLst>
+      <p:par>
+        <p:cTn id="1" dur="indefinite" restart="never" nodeType="tmRoot">
+          <p:childTnLst>
+            <p:seq concurrent="1" nextAc="seek">
+              <p:cTn id="2" dur="indefinite" nodeType="mainSeq">
+                <p:childTnLst>
+                  <p:par>
+                    <p:cTn id="3" fill="hold">
+                      <p:stCondLst>
+                        <p:cond delay="indefinite"/>
+                      </p:stCondLst>
+                      <p:childTnLst>
+                        <p:par>
+                          <p:cTn id="4" fill="hold">
+                            <p:stCondLst>
+                              <p:cond delay="0"/>
+                            </p:stCondLst>
+                            <p:childTnLst>
+                              <p:par>
+                                <p:cTn id="5" presetID="10" presetClass="entr" presetSubtype="0" fill="hold" grpId="0" nodeType="clickEffect">
+                                  <p:stCondLst>
+                                    <p:cond delay="0"/>
+                                  </p:stCondLst>
+                                  <p:childTnLst>
+                                    <p:set>
+                                      <p:cBhvr>
+                                        <p:cTn id="6" dur="1" fill="hold">
+                                          <p:stCondLst>
+                                            <p:cond delay="0"/>
+                                          </p:stCondLst>
+                                        </p:cTn>
+                                        <p:tgtEl>
+                                          <p:spTgt spid="3">
+                                            <p:txEl>
+                                              <p:pRg st="0" end="0"/>
+                                            </p:txEl>
+                                          </p:spTgt>
+                                        </p:tgtEl>
+                                        <p:attrNameLst>
+                                          <p:attrName>style.visibility</p:attrName>
+                                        </p:attrNameLst>
+                                      </p:cBhvr>
+                                      <p:to>
+                                        <p:strVal val="visible"/>
+                                      </p:to>
+                                    </p:set>
+                                    <p:animEffect transition="in" filter="fade">
+                                      <p:cBhvr>
+                                        <p:cTn id="7" dur="500"/>
+                                        <p:tgtEl>
+                                          <p:spTgt spid="3">
+                                            <p:txEl>
+                                              <p:pRg st="0" end="0"/>
+                                            </p:txEl>
+                                          </p:spTgt>
+                                        </p:tgtEl>
+                                      </p:cBhvr>
+                                    </p:animEffect>
+                                  </p:childTnLst>
+                                </p:cTn>
+                              </p:par>
+                            </p:childTnLst>
+                          </p:cTn>
+                        </p:par>
+                      </p:childTnLst>
+                    </p:cTn>
+                  </p:par>
+                  <p:par>
+                    <p:cTn id="8" fill="hold">
+                      <p:stCondLst>
+                        <p:cond delay="indefinite"/>
+                      </p:stCondLst>
+                      <p:childTnLst>
+                        <p:par>
+                          <p:cTn id="9" fill="hold">
+                            <p:stCondLst>
+                              <p:cond delay="0"/>
+                            </p:stCondLst>
+                            <p:childTnLst>
+                              <p:par>
+                                <p:cTn id="10" presetID="10" presetClass="entr" presetSubtype="0" fill="hold" grpId="0" nodeType="clickEffect">
+                                  <p:stCondLst>
+                                    <p:cond delay="0"/>
+                                  </p:stCondLst>
+                                  <p:childTnLst>
+                                    <p:set>
+                                      <p:cBhvr>
+                                        <p:cTn id="11" dur="1" fill="hold">
+                                          <p:stCondLst>
+                                            <p:cond delay="0"/>
+                                          </p:stCondLst>
+                                        </p:cTn>
+                                        <p:tgtEl>
+                                          <p:spTgt spid="3">
+                                            <p:txEl>
+                                              <p:pRg st="1" end="1"/>
+                                            </p:txEl>
+                                          </p:spTgt>
+                                        </p:tgtEl>
+                                        <p:attrNameLst>
+                                          <p:attrName>style.visibility</p:attrName>
+                                        </p:attrNameLst>
+                                      </p:cBhvr>
+                                      <p:to>
+                                        <p:strVal val="visible"/>
+                                      </p:to>
+                                    </p:set>
+                                    <p:animEffect transition="in" filter="fade">
+                                      <p:cBhvr>
+                                        <p:cTn id="12" dur="500"/>
+                                        <p:tgtEl>
+                                          <p:spTgt spid="3">
+                                            <p:txEl>
+                                              <p:pRg st="1" end="1"/>
+                                            </p:txEl>
+                                          </p:spTgt>
+                                        </p:tgtEl>
+                                      </p:cBhvr>
+                                    </p:animEffect>
+                                  </p:childTnLst>
+                                </p:cTn>
+                              </p:par>
+                            </p:childTnLst>
+                          </p:cTn>
+                        </p:par>
+                        <p:par>
+                          <p:cTn id="13" fill="hold">
+                            <p:stCondLst>
+                              <p:cond delay="500"/>
+                            </p:stCondLst>
+                            <p:childTnLst>
+                              <p:par>
+                                <p:cTn id="14" presetID="10" presetClass="entr" presetSubtype="0" fill="hold" grpId="0" nodeType="afterEffect">
+                                  <p:stCondLst>
+                                    <p:cond delay="0"/>
+                                  </p:stCondLst>
+                                  <p:childTnLst>
+                                    <p:set>
+                                      <p:cBhvr>
+                                        <p:cTn id="15" dur="1" fill="hold">
+                                          <p:stCondLst>
+                                            <p:cond delay="0"/>
+                                          </p:stCondLst>
+                                        </p:cTn>
+                                        <p:tgtEl>
+                                          <p:spTgt spid="3">
+                                            <p:txEl>
+                                              <p:pRg st="2" end="2"/>
+                                            </p:txEl>
+                                          </p:spTgt>
+                                        </p:tgtEl>
+                                        <p:attrNameLst>
+                                          <p:attrName>style.visibility</p:attrName>
+                                        </p:attrNameLst>
+                                      </p:cBhvr>
+                                      <p:to>
+                                        <p:strVal val="visible"/>
+                                      </p:to>
+                                    </p:set>
+                                    <p:animEffect transition="in" filter="fade">
+                                      <p:cBhvr>
+                                        <p:cTn id="16" dur="500"/>
+                                        <p:tgtEl>
+                                          <p:spTgt spid="3">
+                                            <p:txEl>
+                                              <p:pRg st="2" end="2"/>
+                                            </p:txEl>
+                                          </p:spTgt>
+                                        </p:tgtEl>
+                                      </p:cBhvr>
+                                    </p:animEffect>
+                                  </p:childTnLst>
+                                </p:cTn>
+                              </p:par>
+                            </p:childTnLst>
+                          </p:cTn>
+                        </p:par>
+                        <p:par>
+                          <p:cTn id="17" fill="hold">
+                            <p:stCondLst>
+                              <p:cond delay="1000"/>
+                            </p:stCondLst>
+                            <p:childTnLst>
+                              <p:par>
+                                <p:cTn id="18" presetID="10" presetClass="entr" presetSubtype="0" fill="hold" grpId="0" nodeType="afterEffect">
+                                  <p:stCondLst>
+                                    <p:cond delay="0"/>
+                                  </p:stCondLst>
+                                  <p:childTnLst>
+                                    <p:set>
+                                      <p:cBhvr>
+                                        <p:cTn id="19" dur="1" fill="hold">
+                                          <p:stCondLst>
+                                            <p:cond delay="0"/>
+                                          </p:stCondLst>
+                                        </p:cTn>
+                                        <p:tgtEl>
+                                          <p:spTgt spid="3">
+                                            <p:txEl>
+                                              <p:pRg st="3" end="3"/>
+                                            </p:txEl>
+                                          </p:spTgt>
+                                        </p:tgtEl>
+                                        <p:attrNameLst>
+                                          <p:attrName>style.visibility</p:attrName>
+                                        </p:attrNameLst>
+                                      </p:cBhvr>
+                                      <p:to>
+                                        <p:strVal val="visible"/>
+                                      </p:to>
+                                    </p:set>
+                                    <p:animEffect transition="in" filter="fade">
+                                      <p:cBhvr>
+                                        <p:cTn id="20" dur="500"/>
+                                        <p:tgtEl>
+                                          <p:spTgt spid="3">
+                                            <p:txEl>
+                                              <p:pRg st="3" end="3"/>
+                                            </p:txEl>
+                                          </p:spTgt>
+                                        </p:tgtEl>
+                                      </p:cBhvr>
+                                    </p:animEffect>
+                                  </p:childTnLst>
+                                </p:cTn>
+                              </p:par>
+                            </p:childTnLst>
+                          </p:cTn>
+                        </p:par>
+                        <p:par>
+                          <p:cTn id="21" fill="hold">
+                            <p:stCondLst>
+                              <p:cond delay="1500"/>
+                            </p:stCondLst>
+                            <p:childTnLst>
+                              <p:par>
+                                <p:cTn id="22" presetID="10" presetClass="entr" presetSubtype="0" fill="hold" grpId="0" nodeType="afterEffect">
+                                  <p:stCondLst>
+                                    <p:cond delay="0"/>
+                                  </p:stCondLst>
+                                  <p:childTnLst>
+                                    <p:set>
+                                      <p:cBhvr>
+                                        <p:cTn id="23" dur="1" fill="hold">
+                                          <p:stCondLst>
+                                            <p:cond delay="0"/>
+                                          </p:stCondLst>
+                                        </p:cTn>
+                                        <p:tgtEl>
+                                          <p:spTgt spid="3">
+                                            <p:txEl>
+                                              <p:pRg st="4" end="4"/>
+                                            </p:txEl>
+                                          </p:spTgt>
+                                        </p:tgtEl>
+                                        <p:attrNameLst>
+                                          <p:attrName>style.visibility</p:attrName>
+                                        </p:attrNameLst>
+                                      </p:cBhvr>
+                                      <p:to>
+                                        <p:strVal val="visible"/>
+                                      </p:to>
+                                    </p:set>
+                                    <p:animEffect transition="in" filter="fade">
+                                      <p:cBhvr>
+                                        <p:cTn id="24" dur="500"/>
+                                        <p:tgtEl>
+                                          <p:spTgt spid="3">
+                                            <p:txEl>
+                                              <p:pRg st="4" end="4"/>
+                                            </p:txEl>
+                                          </p:spTgt>
+                                        </p:tgtEl>
+                                      </p:cBhvr>
+                                    </p:animEffect>
+                                  </p:childTnLst>
+                                </p:cTn>
+                              </p:par>
+                            </p:childTnLst>
+                          </p:cTn>
+                        </p:par>
+                      </p:childTnLst>
+                    </p:cTn>
+                  </p:par>
+                </p:childTnLst>
+              </p:cTn>
+              <p:prevCondLst>
+                <p:cond evt="onPrev" delay="0">
+                  <p:tgtEl>
+                    <p:sldTgt/>
+                  </p:tgtEl>
+                </p:cond>
+              </p:prevCondLst>
+              <p:nextCondLst>
+                <p:cond evt="onNext" delay="0">
+                  <p:tgtEl>
+                    <p:sldTgt/>
+                  </p:tgtEl>
+                </p:cond>
+              </p:nextCondLst>
+            </p:seq>
+          </p:childTnLst>
+        </p:cTn>
+      </p:par>
+    </p:tnLst>
+    <p:bldLst>
+      <p:bldP spid="3" grpId="0" uiExpand="1" build="p"/>
+    </p:bldLst>
+  </p:timing>
 </p:sld>
 </file>
 
@@ -29341,15 +33686,7 @@
           <a:p>
             <a:r>
               <a:rPr lang="en-US" dirty="0" smtClean="0"/>
-              <a:t>Can run tests locally </a:t>
-            </a:r>
-            <a:r>
-              <a:rPr lang="en-US" dirty="0" smtClean="0"/>
-              <a:t>within </a:t>
-            </a:r>
-            <a:r>
-              <a:rPr lang="en-US" dirty="0" smtClean="0"/>
-              <a:t>Visual Studio</a:t>
+              <a:t>Can run tests locally within Visual Studio</a:t>
             </a:r>
           </a:p>
           <a:p>
@@ -29379,6 +33716,222 @@
   <p:clrMapOvr>
     <a:masterClrMapping/>
   </p:clrMapOvr>
+  <p:timing>
+    <p:tnLst>
+      <p:par>
+        <p:cTn id="1" dur="indefinite" restart="never" nodeType="tmRoot">
+          <p:childTnLst>
+            <p:seq concurrent="1" nextAc="seek">
+              <p:cTn id="2" dur="indefinite" nodeType="mainSeq">
+                <p:childTnLst>
+                  <p:par>
+                    <p:cTn id="3" fill="hold">
+                      <p:stCondLst>
+                        <p:cond delay="indefinite"/>
+                      </p:stCondLst>
+                      <p:childTnLst>
+                        <p:par>
+                          <p:cTn id="4" fill="hold">
+                            <p:stCondLst>
+                              <p:cond delay="0"/>
+                            </p:stCondLst>
+                            <p:childTnLst>
+                              <p:par>
+                                <p:cTn id="5" presetID="10" presetClass="entr" presetSubtype="0" fill="hold" grpId="0" nodeType="clickEffect">
+                                  <p:stCondLst>
+                                    <p:cond delay="0"/>
+                                  </p:stCondLst>
+                                  <p:childTnLst>
+                                    <p:set>
+                                      <p:cBhvr>
+                                        <p:cTn id="6" dur="1" fill="hold">
+                                          <p:stCondLst>
+                                            <p:cond delay="0"/>
+                                          </p:stCondLst>
+                                        </p:cTn>
+                                        <p:tgtEl>
+                                          <p:spTgt spid="3">
+                                            <p:txEl>
+                                              <p:pRg st="0" end="0"/>
+                                            </p:txEl>
+                                          </p:spTgt>
+                                        </p:tgtEl>
+                                        <p:attrNameLst>
+                                          <p:attrName>style.visibility</p:attrName>
+                                        </p:attrNameLst>
+                                      </p:cBhvr>
+                                      <p:to>
+                                        <p:strVal val="visible"/>
+                                      </p:to>
+                                    </p:set>
+                                    <p:animEffect transition="in" filter="fade">
+                                      <p:cBhvr>
+                                        <p:cTn id="7" dur="500"/>
+                                        <p:tgtEl>
+                                          <p:spTgt spid="3">
+                                            <p:txEl>
+                                              <p:pRg st="0" end="0"/>
+                                            </p:txEl>
+                                          </p:spTgt>
+                                        </p:tgtEl>
+                                      </p:cBhvr>
+                                    </p:animEffect>
+                                  </p:childTnLst>
+                                </p:cTn>
+                              </p:par>
+                            </p:childTnLst>
+                          </p:cTn>
+                        </p:par>
+                      </p:childTnLst>
+                    </p:cTn>
+                  </p:par>
+                  <p:par>
+                    <p:cTn id="8" fill="hold">
+                      <p:stCondLst>
+                        <p:cond delay="indefinite"/>
+                      </p:stCondLst>
+                      <p:childTnLst>
+                        <p:par>
+                          <p:cTn id="9" fill="hold">
+                            <p:stCondLst>
+                              <p:cond delay="0"/>
+                            </p:stCondLst>
+                            <p:childTnLst>
+                              <p:par>
+                                <p:cTn id="10" presetID="10" presetClass="entr" presetSubtype="0" fill="hold" grpId="0" nodeType="clickEffect">
+                                  <p:stCondLst>
+                                    <p:cond delay="0"/>
+                                  </p:stCondLst>
+                                  <p:childTnLst>
+                                    <p:set>
+                                      <p:cBhvr>
+                                        <p:cTn id="11" dur="1" fill="hold">
+                                          <p:stCondLst>
+                                            <p:cond delay="0"/>
+                                          </p:stCondLst>
+                                        </p:cTn>
+                                        <p:tgtEl>
+                                          <p:spTgt spid="3">
+                                            <p:txEl>
+                                              <p:pRg st="1" end="1"/>
+                                            </p:txEl>
+                                          </p:spTgt>
+                                        </p:tgtEl>
+                                        <p:attrNameLst>
+                                          <p:attrName>style.visibility</p:attrName>
+                                        </p:attrNameLst>
+                                      </p:cBhvr>
+                                      <p:to>
+                                        <p:strVal val="visible"/>
+                                      </p:to>
+                                    </p:set>
+                                    <p:animEffect transition="in" filter="fade">
+                                      <p:cBhvr>
+                                        <p:cTn id="12" dur="500"/>
+                                        <p:tgtEl>
+                                          <p:spTgt spid="3">
+                                            <p:txEl>
+                                              <p:pRg st="1" end="1"/>
+                                            </p:txEl>
+                                          </p:spTgt>
+                                        </p:tgtEl>
+                                      </p:cBhvr>
+                                    </p:animEffect>
+                                  </p:childTnLst>
+                                </p:cTn>
+                              </p:par>
+                            </p:childTnLst>
+                          </p:cTn>
+                        </p:par>
+                      </p:childTnLst>
+                    </p:cTn>
+                  </p:par>
+                  <p:par>
+                    <p:cTn id="13" fill="hold">
+                      <p:stCondLst>
+                        <p:cond delay="indefinite"/>
+                      </p:stCondLst>
+                      <p:childTnLst>
+                        <p:par>
+                          <p:cTn id="14" fill="hold">
+                            <p:stCondLst>
+                              <p:cond delay="0"/>
+                            </p:stCondLst>
+                            <p:childTnLst>
+                              <p:par>
+                                <p:cTn id="15" presetID="10" presetClass="entr" presetSubtype="0" fill="hold" grpId="0" nodeType="clickEffect">
+                                  <p:stCondLst>
+                                    <p:cond delay="0"/>
+                                  </p:stCondLst>
+                                  <p:childTnLst>
+                                    <p:set>
+                                      <p:cBhvr>
+                                        <p:cTn id="16" dur="1" fill="hold">
+                                          <p:stCondLst>
+                                            <p:cond delay="0"/>
+                                          </p:stCondLst>
+                                        </p:cTn>
+                                        <p:tgtEl>
+                                          <p:spTgt spid="3">
+                                            <p:txEl>
+                                              <p:pRg st="2" end="2"/>
+                                            </p:txEl>
+                                          </p:spTgt>
+                                        </p:tgtEl>
+                                        <p:attrNameLst>
+                                          <p:attrName>style.visibility</p:attrName>
+                                        </p:attrNameLst>
+                                      </p:cBhvr>
+                                      <p:to>
+                                        <p:strVal val="visible"/>
+                                      </p:to>
+                                    </p:set>
+                                    <p:animEffect transition="in" filter="fade">
+                                      <p:cBhvr>
+                                        <p:cTn id="17" dur="500"/>
+                                        <p:tgtEl>
+                                          <p:spTgt spid="3">
+                                            <p:txEl>
+                                              <p:pRg st="2" end="2"/>
+                                            </p:txEl>
+                                          </p:spTgt>
+                                        </p:tgtEl>
+                                      </p:cBhvr>
+                                    </p:animEffect>
+                                  </p:childTnLst>
+                                </p:cTn>
+                              </p:par>
+                            </p:childTnLst>
+                          </p:cTn>
+                        </p:par>
+                      </p:childTnLst>
+                    </p:cTn>
+                  </p:par>
+                </p:childTnLst>
+              </p:cTn>
+              <p:prevCondLst>
+                <p:cond evt="onPrev" delay="0">
+                  <p:tgtEl>
+                    <p:sldTgt/>
+                  </p:tgtEl>
+                </p:cond>
+              </p:prevCondLst>
+              <p:nextCondLst>
+                <p:cond evt="onNext" delay="0">
+                  <p:tgtEl>
+                    <p:sldTgt/>
+                  </p:tgtEl>
+                </p:cond>
+              </p:nextCondLst>
+            </p:seq>
+          </p:childTnLst>
+        </p:cTn>
+      </p:par>
+    </p:tnLst>
+    <p:bldLst>
+      <p:bldP spid="3" grpId="0" build="p"/>
+    </p:bldLst>
+  </p:timing>
 </p:sld>
 </file>
 
@@ -29488,6 +34041,265 @@
   <p:clrMapOvr>
     <a:masterClrMapping/>
   </p:clrMapOvr>
+  <p:timing>
+    <p:tnLst>
+      <p:par>
+        <p:cTn id="1" dur="indefinite" restart="never" nodeType="tmRoot">
+          <p:childTnLst>
+            <p:seq concurrent="1" nextAc="seek">
+              <p:cTn id="2" dur="indefinite" nodeType="mainSeq">
+                <p:childTnLst>
+                  <p:par>
+                    <p:cTn id="3" fill="hold">
+                      <p:stCondLst>
+                        <p:cond delay="indefinite"/>
+                      </p:stCondLst>
+                      <p:childTnLst>
+                        <p:par>
+                          <p:cTn id="4" fill="hold">
+                            <p:stCondLst>
+                              <p:cond delay="0"/>
+                            </p:stCondLst>
+                            <p:childTnLst>
+                              <p:par>
+                                <p:cTn id="5" presetID="10" presetClass="entr" presetSubtype="0" fill="hold" grpId="0" nodeType="clickEffect">
+                                  <p:stCondLst>
+                                    <p:cond delay="0"/>
+                                  </p:stCondLst>
+                                  <p:childTnLst>
+                                    <p:set>
+                                      <p:cBhvr>
+                                        <p:cTn id="6" dur="1" fill="hold">
+                                          <p:stCondLst>
+                                            <p:cond delay="0"/>
+                                          </p:stCondLst>
+                                        </p:cTn>
+                                        <p:tgtEl>
+                                          <p:spTgt spid="3">
+                                            <p:txEl>
+                                              <p:pRg st="0" end="0"/>
+                                            </p:txEl>
+                                          </p:spTgt>
+                                        </p:tgtEl>
+                                        <p:attrNameLst>
+                                          <p:attrName>style.visibility</p:attrName>
+                                        </p:attrNameLst>
+                                      </p:cBhvr>
+                                      <p:to>
+                                        <p:strVal val="visible"/>
+                                      </p:to>
+                                    </p:set>
+                                    <p:animEffect transition="in" filter="fade">
+                                      <p:cBhvr>
+                                        <p:cTn id="7" dur="500"/>
+                                        <p:tgtEl>
+                                          <p:spTgt spid="3">
+                                            <p:txEl>
+                                              <p:pRg st="0" end="0"/>
+                                            </p:txEl>
+                                          </p:spTgt>
+                                        </p:tgtEl>
+                                      </p:cBhvr>
+                                    </p:animEffect>
+                                  </p:childTnLst>
+                                </p:cTn>
+                              </p:par>
+                            </p:childTnLst>
+                          </p:cTn>
+                        </p:par>
+                        <p:par>
+                          <p:cTn id="8" fill="hold">
+                            <p:stCondLst>
+                              <p:cond delay="500"/>
+                            </p:stCondLst>
+                            <p:childTnLst>
+                              <p:par>
+                                <p:cTn id="9" presetID="10" presetClass="entr" presetSubtype="0" fill="hold" grpId="0" nodeType="afterEffect">
+                                  <p:stCondLst>
+                                    <p:cond delay="0"/>
+                                  </p:stCondLst>
+                                  <p:childTnLst>
+                                    <p:set>
+                                      <p:cBhvr>
+                                        <p:cTn id="10" dur="1" fill="hold">
+                                          <p:stCondLst>
+                                            <p:cond delay="0"/>
+                                          </p:stCondLst>
+                                        </p:cTn>
+                                        <p:tgtEl>
+                                          <p:spTgt spid="3">
+                                            <p:txEl>
+                                              <p:pRg st="1" end="1"/>
+                                            </p:txEl>
+                                          </p:spTgt>
+                                        </p:tgtEl>
+                                        <p:attrNameLst>
+                                          <p:attrName>style.visibility</p:attrName>
+                                        </p:attrNameLst>
+                                      </p:cBhvr>
+                                      <p:to>
+                                        <p:strVal val="visible"/>
+                                      </p:to>
+                                    </p:set>
+                                    <p:animEffect transition="in" filter="fade">
+                                      <p:cBhvr>
+                                        <p:cTn id="11" dur="500"/>
+                                        <p:tgtEl>
+                                          <p:spTgt spid="3">
+                                            <p:txEl>
+                                              <p:pRg st="1" end="1"/>
+                                            </p:txEl>
+                                          </p:spTgt>
+                                        </p:tgtEl>
+                                      </p:cBhvr>
+                                    </p:animEffect>
+                                  </p:childTnLst>
+                                </p:cTn>
+                              </p:par>
+                            </p:childTnLst>
+                          </p:cTn>
+                        </p:par>
+                      </p:childTnLst>
+                    </p:cTn>
+                  </p:par>
+                  <p:par>
+                    <p:cTn id="12" fill="hold">
+                      <p:stCondLst>
+                        <p:cond delay="indefinite"/>
+                      </p:stCondLst>
+                      <p:childTnLst>
+                        <p:par>
+                          <p:cTn id="13" fill="hold">
+                            <p:stCondLst>
+                              <p:cond delay="0"/>
+                            </p:stCondLst>
+                            <p:childTnLst>
+                              <p:par>
+                                <p:cTn id="14" presetID="10" presetClass="entr" presetSubtype="0" fill="hold" grpId="0" nodeType="clickEffect">
+                                  <p:stCondLst>
+                                    <p:cond delay="0"/>
+                                  </p:stCondLst>
+                                  <p:childTnLst>
+                                    <p:set>
+                                      <p:cBhvr>
+                                        <p:cTn id="15" dur="1" fill="hold">
+                                          <p:stCondLst>
+                                            <p:cond delay="0"/>
+                                          </p:stCondLst>
+                                        </p:cTn>
+                                        <p:tgtEl>
+                                          <p:spTgt spid="3">
+                                            <p:txEl>
+                                              <p:pRg st="2" end="2"/>
+                                            </p:txEl>
+                                          </p:spTgt>
+                                        </p:tgtEl>
+                                        <p:attrNameLst>
+                                          <p:attrName>style.visibility</p:attrName>
+                                        </p:attrNameLst>
+                                      </p:cBhvr>
+                                      <p:to>
+                                        <p:strVal val="visible"/>
+                                      </p:to>
+                                    </p:set>
+                                    <p:animEffect transition="in" filter="fade">
+                                      <p:cBhvr>
+                                        <p:cTn id="16" dur="500"/>
+                                        <p:tgtEl>
+                                          <p:spTgt spid="3">
+                                            <p:txEl>
+                                              <p:pRg st="2" end="2"/>
+                                            </p:txEl>
+                                          </p:spTgt>
+                                        </p:tgtEl>
+                                      </p:cBhvr>
+                                    </p:animEffect>
+                                  </p:childTnLst>
+                                </p:cTn>
+                              </p:par>
+                            </p:childTnLst>
+                          </p:cTn>
+                        </p:par>
+                        <p:par>
+                          <p:cTn id="17" fill="hold">
+                            <p:stCondLst>
+                              <p:cond delay="500"/>
+                            </p:stCondLst>
+                            <p:childTnLst>
+                              <p:par>
+                                <p:cTn id="18" presetID="10" presetClass="entr" presetSubtype="0" fill="hold" grpId="0" nodeType="afterEffect">
+                                  <p:stCondLst>
+                                    <p:cond delay="0"/>
+                                  </p:stCondLst>
+                                  <p:childTnLst>
+                                    <p:set>
+                                      <p:cBhvr>
+                                        <p:cTn id="19" dur="1" fill="hold">
+                                          <p:stCondLst>
+                                            <p:cond delay="0"/>
+                                          </p:stCondLst>
+                                        </p:cTn>
+                                        <p:tgtEl>
+                                          <p:spTgt spid="3">
+                                            <p:txEl>
+                                              <p:pRg st="3" end="3"/>
+                                            </p:txEl>
+                                          </p:spTgt>
+                                        </p:tgtEl>
+                                        <p:attrNameLst>
+                                          <p:attrName>style.visibility</p:attrName>
+                                        </p:attrNameLst>
+                                      </p:cBhvr>
+                                      <p:to>
+                                        <p:strVal val="visible"/>
+                                      </p:to>
+                                    </p:set>
+                                    <p:animEffect transition="in" filter="fade">
+                                      <p:cBhvr>
+                                        <p:cTn id="20" dur="500"/>
+                                        <p:tgtEl>
+                                          <p:spTgt spid="3">
+                                            <p:txEl>
+                                              <p:pRg st="3" end="3"/>
+                                            </p:txEl>
+                                          </p:spTgt>
+                                        </p:tgtEl>
+                                      </p:cBhvr>
+                                    </p:animEffect>
+                                  </p:childTnLst>
+                                </p:cTn>
+                              </p:par>
+                            </p:childTnLst>
+                          </p:cTn>
+                        </p:par>
+                      </p:childTnLst>
+                    </p:cTn>
+                  </p:par>
+                </p:childTnLst>
+              </p:cTn>
+              <p:prevCondLst>
+                <p:cond evt="onPrev" delay="0">
+                  <p:tgtEl>
+                    <p:sldTgt/>
+                  </p:tgtEl>
+                </p:cond>
+              </p:prevCondLst>
+              <p:nextCondLst>
+                <p:cond evt="onNext" delay="0">
+                  <p:tgtEl>
+                    <p:sldTgt/>
+                  </p:tgtEl>
+                </p:cond>
+              </p:nextCondLst>
+            </p:seq>
+          </p:childTnLst>
+        </p:cTn>
+      </p:par>
+    </p:tnLst>
+    <p:bldLst>
+      <p:bldP spid="3" grpId="0" uiExpand="1" build="p"/>
+    </p:bldLst>
+  </p:timing>
 </p:sld>
 </file>
 
@@ -29510,7 +34322,7 @@
       </p:grpSpPr>
       <p:sp>
         <p:nvSpPr>
-          <p:cNvPr id="2" name="Title 1"/>
+          <p:cNvPr id="4" name="Title 3"/>
           <p:cNvSpPr>
             <a:spLocks noGrp="1"/>
           </p:cNvSpPr>
@@ -29525,7 +34337,11 @@
           <a:p>
             <a:r>
               <a:rPr lang="en-US" dirty="0" smtClean="0"/>
-              <a:t>Strengths</a:t>
+              <a:t>Thoughts on </a:t>
+            </a:r>
+            <a:r>
+              <a:rPr lang="en-US" dirty="0" err="1" smtClean="0"/>
+              <a:t>Xamarin.Forms</a:t>
             </a:r>
             <a:endParaRPr lang="en-US" dirty="0"/>
           </a:p>
@@ -29533,12 +34349,12 @@
       </p:sp>
       <p:sp>
         <p:nvSpPr>
-          <p:cNvPr id="3" name="Content Placeholder 2"/>
+          <p:cNvPr id="5" name="Text Placeholder 4"/>
           <p:cNvSpPr>
             <a:spLocks noGrp="1"/>
           </p:cNvSpPr>
           <p:nvPr>
-            <p:ph idx="1"/>
+            <p:ph type="body" idx="1"/>
           </p:nvPr>
         </p:nvSpPr>
         <p:spPr/>
@@ -29546,52 +34362,14 @@
           <a:bodyPr/>
           <a:lstStyle/>
           <a:p>
-            <a:r>
-              <a:rPr lang="en-US" dirty="0" smtClean="0"/>
-              <a:t>Similar to </a:t>
-            </a:r>
-            <a:r>
-              <a:rPr lang="en-US" dirty="0" err="1" smtClean="0"/>
-              <a:t>Xamarin</a:t>
-            </a:r>
-            <a:endParaRPr lang="en-US" dirty="0" smtClean="0"/>
-          </a:p>
-          <a:p>
-            <a:r>
-              <a:rPr lang="en-US" dirty="0" smtClean="0"/>
-              <a:t>Working with Visual Studio and C#</a:t>
-            </a:r>
-          </a:p>
-          <a:p>
-            <a:r>
-              <a:rPr lang="en-US" dirty="0"/>
-              <a:t>Native look-and-feel</a:t>
-            </a:r>
-          </a:p>
-          <a:p>
-            <a:r>
-              <a:rPr lang="en-US" dirty="0"/>
-              <a:t>Lots of code </a:t>
-            </a:r>
-            <a:r>
-              <a:rPr lang="en-US" dirty="0" smtClean="0"/>
-              <a:t>re-use</a:t>
-            </a:r>
-          </a:p>
-          <a:p>
-            <a:pPr lvl="1"/>
-            <a:r>
-              <a:rPr lang="en-US" dirty="0" smtClean="0"/>
-              <a:t>Including UI code</a:t>
-            </a:r>
-            <a:endParaRPr lang="en-US" dirty="0"/>
+            <a:endParaRPr lang="en-US"/>
           </a:p>
         </p:txBody>
       </p:sp>
     </p:spTree>
     <p:extLst>
       <p:ext uri="{BB962C8B-B14F-4D97-AF65-F5344CB8AC3E}">
-        <p14:creationId xmlns:p14="http://schemas.microsoft.com/office/powerpoint/2010/main" val="791059415"/>
+        <p14:creationId xmlns:p14="http://schemas.microsoft.com/office/powerpoint/2010/main" val="3653969678"/>
       </p:ext>
     </p:extLst>
   </p:cSld>
@@ -29685,6 +34463,13 @@
   <p:clrMapOvr>
     <a:masterClrMapping/>
   </p:clrMapOvr>
+  <p:timing>
+    <p:tnLst>
+      <p:par>
+        <p:cTn id="1" dur="indefinite" restart="never" nodeType="tmRoot"/>
+      </p:par>
+    </p:tnLst>
+  </p:timing>
 </p:sld>
 </file>
 
@@ -29722,7 +34507,7 @@
           <a:p>
             <a:r>
               <a:rPr lang="en-US" dirty="0" smtClean="0"/>
-              <a:t>Weaknesses</a:t>
+              <a:t>Strengths</a:t>
             </a:r>
             <a:endParaRPr lang="en-US" dirty="0"/>
           </a:p>
@@ -29745,6 +34530,445 @@
           <a:p>
             <a:r>
               <a:rPr lang="en-US" dirty="0" smtClean="0"/>
+              <a:t>Similar to </a:t>
+            </a:r>
+            <a:r>
+              <a:rPr lang="en-US" dirty="0" err="1" smtClean="0"/>
+              <a:t>Xamarin</a:t>
+            </a:r>
+            <a:endParaRPr lang="en-US" dirty="0" smtClean="0"/>
+          </a:p>
+          <a:p>
+            <a:r>
+              <a:rPr lang="en-US" dirty="0" smtClean="0"/>
+              <a:t>Working with Visual Studio and C#</a:t>
+            </a:r>
+          </a:p>
+          <a:p>
+            <a:r>
+              <a:rPr lang="en-US" dirty="0"/>
+              <a:t>Native look-and-feel</a:t>
+            </a:r>
+          </a:p>
+          <a:p>
+            <a:r>
+              <a:rPr lang="en-US" dirty="0"/>
+              <a:t>Lots of code </a:t>
+            </a:r>
+            <a:r>
+              <a:rPr lang="en-US" dirty="0" smtClean="0"/>
+              <a:t>re-use</a:t>
+            </a:r>
+          </a:p>
+          <a:p>
+            <a:pPr lvl="1"/>
+            <a:r>
+              <a:rPr lang="en-US" dirty="0" smtClean="0"/>
+              <a:t>Including UI code</a:t>
+            </a:r>
+            <a:endParaRPr lang="en-US" dirty="0"/>
+          </a:p>
+        </p:txBody>
+      </p:sp>
+    </p:spTree>
+    <p:extLst>
+      <p:ext uri="{BB962C8B-B14F-4D97-AF65-F5344CB8AC3E}">
+        <p14:creationId xmlns:p14="http://schemas.microsoft.com/office/powerpoint/2010/main" val="791059415"/>
+      </p:ext>
+    </p:extLst>
+  </p:cSld>
+  <p:clrMapOvr>
+    <a:masterClrMapping/>
+  </p:clrMapOvr>
+  <p:timing>
+    <p:tnLst>
+      <p:par>
+        <p:cTn id="1" dur="indefinite" restart="never" nodeType="tmRoot">
+          <p:childTnLst>
+            <p:seq concurrent="1" nextAc="seek">
+              <p:cTn id="2" dur="indefinite" nodeType="mainSeq">
+                <p:childTnLst>
+                  <p:par>
+                    <p:cTn id="3" fill="hold">
+                      <p:stCondLst>
+                        <p:cond delay="indefinite"/>
+                      </p:stCondLst>
+                      <p:childTnLst>
+                        <p:par>
+                          <p:cTn id="4" fill="hold">
+                            <p:stCondLst>
+                              <p:cond delay="0"/>
+                            </p:stCondLst>
+                            <p:childTnLst>
+                              <p:par>
+                                <p:cTn id="5" presetID="10" presetClass="entr" presetSubtype="0" fill="hold" grpId="0" nodeType="clickEffect">
+                                  <p:stCondLst>
+                                    <p:cond delay="0"/>
+                                  </p:stCondLst>
+                                  <p:childTnLst>
+                                    <p:set>
+                                      <p:cBhvr>
+                                        <p:cTn id="6" dur="1" fill="hold">
+                                          <p:stCondLst>
+                                            <p:cond delay="0"/>
+                                          </p:stCondLst>
+                                        </p:cTn>
+                                        <p:tgtEl>
+                                          <p:spTgt spid="3">
+                                            <p:txEl>
+                                              <p:pRg st="0" end="0"/>
+                                            </p:txEl>
+                                          </p:spTgt>
+                                        </p:tgtEl>
+                                        <p:attrNameLst>
+                                          <p:attrName>style.visibility</p:attrName>
+                                        </p:attrNameLst>
+                                      </p:cBhvr>
+                                      <p:to>
+                                        <p:strVal val="visible"/>
+                                      </p:to>
+                                    </p:set>
+                                    <p:animEffect transition="in" filter="fade">
+                                      <p:cBhvr>
+                                        <p:cTn id="7" dur="500"/>
+                                        <p:tgtEl>
+                                          <p:spTgt spid="3">
+                                            <p:txEl>
+                                              <p:pRg st="0" end="0"/>
+                                            </p:txEl>
+                                          </p:spTgt>
+                                        </p:tgtEl>
+                                      </p:cBhvr>
+                                    </p:animEffect>
+                                  </p:childTnLst>
+                                </p:cTn>
+                              </p:par>
+                            </p:childTnLst>
+                          </p:cTn>
+                        </p:par>
+                      </p:childTnLst>
+                    </p:cTn>
+                  </p:par>
+                  <p:par>
+                    <p:cTn id="8" fill="hold">
+                      <p:stCondLst>
+                        <p:cond delay="indefinite"/>
+                      </p:stCondLst>
+                      <p:childTnLst>
+                        <p:par>
+                          <p:cTn id="9" fill="hold">
+                            <p:stCondLst>
+                              <p:cond delay="0"/>
+                            </p:stCondLst>
+                            <p:childTnLst>
+                              <p:par>
+                                <p:cTn id="10" presetID="10" presetClass="entr" presetSubtype="0" fill="hold" grpId="0" nodeType="clickEffect">
+                                  <p:stCondLst>
+                                    <p:cond delay="0"/>
+                                  </p:stCondLst>
+                                  <p:childTnLst>
+                                    <p:set>
+                                      <p:cBhvr>
+                                        <p:cTn id="11" dur="1" fill="hold">
+                                          <p:stCondLst>
+                                            <p:cond delay="0"/>
+                                          </p:stCondLst>
+                                        </p:cTn>
+                                        <p:tgtEl>
+                                          <p:spTgt spid="3">
+                                            <p:txEl>
+                                              <p:pRg st="1" end="1"/>
+                                            </p:txEl>
+                                          </p:spTgt>
+                                        </p:tgtEl>
+                                        <p:attrNameLst>
+                                          <p:attrName>style.visibility</p:attrName>
+                                        </p:attrNameLst>
+                                      </p:cBhvr>
+                                      <p:to>
+                                        <p:strVal val="visible"/>
+                                      </p:to>
+                                    </p:set>
+                                    <p:animEffect transition="in" filter="fade">
+                                      <p:cBhvr>
+                                        <p:cTn id="12" dur="500"/>
+                                        <p:tgtEl>
+                                          <p:spTgt spid="3">
+                                            <p:txEl>
+                                              <p:pRg st="1" end="1"/>
+                                            </p:txEl>
+                                          </p:spTgt>
+                                        </p:tgtEl>
+                                      </p:cBhvr>
+                                    </p:animEffect>
+                                  </p:childTnLst>
+                                </p:cTn>
+                              </p:par>
+                            </p:childTnLst>
+                          </p:cTn>
+                        </p:par>
+                      </p:childTnLst>
+                    </p:cTn>
+                  </p:par>
+                  <p:par>
+                    <p:cTn id="13" fill="hold">
+                      <p:stCondLst>
+                        <p:cond delay="indefinite"/>
+                      </p:stCondLst>
+                      <p:childTnLst>
+                        <p:par>
+                          <p:cTn id="14" fill="hold">
+                            <p:stCondLst>
+                              <p:cond delay="0"/>
+                            </p:stCondLst>
+                            <p:childTnLst>
+                              <p:par>
+                                <p:cTn id="15" presetID="10" presetClass="entr" presetSubtype="0" fill="hold" grpId="0" nodeType="clickEffect">
+                                  <p:stCondLst>
+                                    <p:cond delay="0"/>
+                                  </p:stCondLst>
+                                  <p:childTnLst>
+                                    <p:set>
+                                      <p:cBhvr>
+                                        <p:cTn id="16" dur="1" fill="hold">
+                                          <p:stCondLst>
+                                            <p:cond delay="0"/>
+                                          </p:stCondLst>
+                                        </p:cTn>
+                                        <p:tgtEl>
+                                          <p:spTgt spid="3">
+                                            <p:txEl>
+                                              <p:pRg st="2" end="2"/>
+                                            </p:txEl>
+                                          </p:spTgt>
+                                        </p:tgtEl>
+                                        <p:attrNameLst>
+                                          <p:attrName>style.visibility</p:attrName>
+                                        </p:attrNameLst>
+                                      </p:cBhvr>
+                                      <p:to>
+                                        <p:strVal val="visible"/>
+                                      </p:to>
+                                    </p:set>
+                                    <p:animEffect transition="in" filter="fade">
+                                      <p:cBhvr>
+                                        <p:cTn id="17" dur="500"/>
+                                        <p:tgtEl>
+                                          <p:spTgt spid="3">
+                                            <p:txEl>
+                                              <p:pRg st="2" end="2"/>
+                                            </p:txEl>
+                                          </p:spTgt>
+                                        </p:tgtEl>
+                                      </p:cBhvr>
+                                    </p:animEffect>
+                                  </p:childTnLst>
+                                </p:cTn>
+                              </p:par>
+                            </p:childTnLst>
+                          </p:cTn>
+                        </p:par>
+                      </p:childTnLst>
+                    </p:cTn>
+                  </p:par>
+                  <p:par>
+                    <p:cTn id="18" fill="hold">
+                      <p:stCondLst>
+                        <p:cond delay="indefinite"/>
+                      </p:stCondLst>
+                      <p:childTnLst>
+                        <p:par>
+                          <p:cTn id="19" fill="hold">
+                            <p:stCondLst>
+                              <p:cond delay="0"/>
+                            </p:stCondLst>
+                            <p:childTnLst>
+                              <p:par>
+                                <p:cTn id="20" presetID="10" presetClass="entr" presetSubtype="0" fill="hold" grpId="0" nodeType="clickEffect">
+                                  <p:stCondLst>
+                                    <p:cond delay="0"/>
+                                  </p:stCondLst>
+                                  <p:childTnLst>
+                                    <p:set>
+                                      <p:cBhvr>
+                                        <p:cTn id="21" dur="1" fill="hold">
+                                          <p:stCondLst>
+                                            <p:cond delay="0"/>
+                                          </p:stCondLst>
+                                        </p:cTn>
+                                        <p:tgtEl>
+                                          <p:spTgt spid="3">
+                                            <p:txEl>
+                                              <p:pRg st="3" end="3"/>
+                                            </p:txEl>
+                                          </p:spTgt>
+                                        </p:tgtEl>
+                                        <p:attrNameLst>
+                                          <p:attrName>style.visibility</p:attrName>
+                                        </p:attrNameLst>
+                                      </p:cBhvr>
+                                      <p:to>
+                                        <p:strVal val="visible"/>
+                                      </p:to>
+                                    </p:set>
+                                    <p:animEffect transition="in" filter="fade">
+                                      <p:cBhvr>
+                                        <p:cTn id="22" dur="500"/>
+                                        <p:tgtEl>
+                                          <p:spTgt spid="3">
+                                            <p:txEl>
+                                              <p:pRg st="3" end="3"/>
+                                            </p:txEl>
+                                          </p:spTgt>
+                                        </p:tgtEl>
+                                      </p:cBhvr>
+                                    </p:animEffect>
+                                  </p:childTnLst>
+                                </p:cTn>
+                              </p:par>
+                            </p:childTnLst>
+                          </p:cTn>
+                        </p:par>
+                        <p:par>
+                          <p:cTn id="23" fill="hold">
+                            <p:stCondLst>
+                              <p:cond delay="500"/>
+                            </p:stCondLst>
+                            <p:childTnLst>
+                              <p:par>
+                                <p:cTn id="24" presetID="10" presetClass="entr" presetSubtype="0" fill="hold" grpId="0" nodeType="afterEffect">
+                                  <p:stCondLst>
+                                    <p:cond delay="0"/>
+                                  </p:stCondLst>
+                                  <p:childTnLst>
+                                    <p:set>
+                                      <p:cBhvr>
+                                        <p:cTn id="25" dur="1" fill="hold">
+                                          <p:stCondLst>
+                                            <p:cond delay="0"/>
+                                          </p:stCondLst>
+                                        </p:cTn>
+                                        <p:tgtEl>
+                                          <p:spTgt spid="3">
+                                            <p:txEl>
+                                              <p:pRg st="4" end="4"/>
+                                            </p:txEl>
+                                          </p:spTgt>
+                                        </p:tgtEl>
+                                        <p:attrNameLst>
+                                          <p:attrName>style.visibility</p:attrName>
+                                        </p:attrNameLst>
+                                      </p:cBhvr>
+                                      <p:to>
+                                        <p:strVal val="visible"/>
+                                      </p:to>
+                                    </p:set>
+                                    <p:animEffect transition="in" filter="fade">
+                                      <p:cBhvr>
+                                        <p:cTn id="26" dur="500"/>
+                                        <p:tgtEl>
+                                          <p:spTgt spid="3">
+                                            <p:txEl>
+                                              <p:pRg st="4" end="4"/>
+                                            </p:txEl>
+                                          </p:spTgt>
+                                        </p:tgtEl>
+                                      </p:cBhvr>
+                                    </p:animEffect>
+                                  </p:childTnLst>
+                                </p:cTn>
+                              </p:par>
+                            </p:childTnLst>
+                          </p:cTn>
+                        </p:par>
+                      </p:childTnLst>
+                    </p:cTn>
+                  </p:par>
+                </p:childTnLst>
+              </p:cTn>
+              <p:prevCondLst>
+                <p:cond evt="onPrev" delay="0">
+                  <p:tgtEl>
+                    <p:sldTgt/>
+                  </p:tgtEl>
+                </p:cond>
+              </p:prevCondLst>
+              <p:nextCondLst>
+                <p:cond evt="onNext" delay="0">
+                  <p:tgtEl>
+                    <p:sldTgt/>
+                  </p:tgtEl>
+                </p:cond>
+              </p:nextCondLst>
+            </p:seq>
+          </p:childTnLst>
+        </p:cTn>
+      </p:par>
+    </p:tnLst>
+    <p:bldLst>
+      <p:bldP spid="3" grpId="0" uiExpand="1" build="p"/>
+    </p:bldLst>
+  </p:timing>
+</p:sld>
+</file>
+
+<file path=ppt/slides/slide41.xml><?xml version="1.0" encoding="utf-8"?>
+<p:sld xmlns:a="http://schemas.openxmlformats.org/drawingml/2006/main" xmlns:r="http://schemas.openxmlformats.org/officeDocument/2006/relationships" xmlns:p="http://schemas.openxmlformats.org/presentationml/2006/main">
+  <p:cSld>
+    <p:spTree>
+      <p:nvGrpSpPr>
+        <p:cNvPr id="1" name=""/>
+        <p:cNvGrpSpPr/>
+        <p:nvPr/>
+      </p:nvGrpSpPr>
+      <p:grpSpPr>
+        <a:xfrm>
+          <a:off x="0" y="0"/>
+          <a:ext cx="0" cy="0"/>
+          <a:chOff x="0" y="0"/>
+          <a:chExt cx="0" cy="0"/>
+        </a:xfrm>
+      </p:grpSpPr>
+      <p:sp>
+        <p:nvSpPr>
+          <p:cNvPr id="2" name="Title 1"/>
+          <p:cNvSpPr>
+            <a:spLocks noGrp="1"/>
+          </p:cNvSpPr>
+          <p:nvPr>
+            <p:ph type="title"/>
+          </p:nvPr>
+        </p:nvSpPr>
+        <p:spPr/>
+        <p:txBody>
+          <a:bodyPr/>
+          <a:lstStyle/>
+          <a:p>
+            <a:r>
+              <a:rPr lang="en-US" dirty="0" smtClean="0"/>
+              <a:t>Weaknesses</a:t>
+            </a:r>
+            <a:endParaRPr lang="en-US" dirty="0"/>
+          </a:p>
+        </p:txBody>
+      </p:sp>
+      <p:sp>
+        <p:nvSpPr>
+          <p:cNvPr id="3" name="Content Placeholder 2"/>
+          <p:cNvSpPr>
+            <a:spLocks noGrp="1"/>
+          </p:cNvSpPr>
+          <p:nvPr>
+            <p:ph idx="1"/>
+          </p:nvPr>
+        </p:nvSpPr>
+        <p:spPr/>
+        <p:txBody>
+          <a:bodyPr/>
+          <a:lstStyle/>
+          <a:p>
+            <a:r>
+              <a:rPr lang="en-US" dirty="0" smtClean="0"/>
               <a:t>Mac required (for iOS)</a:t>
             </a:r>
           </a:p>
@@ -29781,14 +35005,214 @@
   <p:timing>
     <p:tnLst>
       <p:par>
-        <p:cTn id="1" dur="indefinite" restart="never" nodeType="tmRoot"/>
+        <p:cTn id="1" dur="indefinite" restart="never" nodeType="tmRoot">
+          <p:childTnLst>
+            <p:seq concurrent="1" nextAc="seek">
+              <p:cTn id="2" dur="indefinite" nodeType="mainSeq">
+                <p:childTnLst>
+                  <p:par>
+                    <p:cTn id="3" fill="hold">
+                      <p:stCondLst>
+                        <p:cond delay="indefinite"/>
+                      </p:stCondLst>
+                      <p:childTnLst>
+                        <p:par>
+                          <p:cTn id="4" fill="hold">
+                            <p:stCondLst>
+                              <p:cond delay="0"/>
+                            </p:stCondLst>
+                            <p:childTnLst>
+                              <p:par>
+                                <p:cTn id="5" presetID="10" presetClass="entr" presetSubtype="0" fill="hold" grpId="0" nodeType="clickEffect">
+                                  <p:stCondLst>
+                                    <p:cond delay="0"/>
+                                  </p:stCondLst>
+                                  <p:childTnLst>
+                                    <p:set>
+                                      <p:cBhvr>
+                                        <p:cTn id="6" dur="1" fill="hold">
+                                          <p:stCondLst>
+                                            <p:cond delay="0"/>
+                                          </p:stCondLst>
+                                        </p:cTn>
+                                        <p:tgtEl>
+                                          <p:spTgt spid="3">
+                                            <p:txEl>
+                                              <p:pRg st="0" end="0"/>
+                                            </p:txEl>
+                                          </p:spTgt>
+                                        </p:tgtEl>
+                                        <p:attrNameLst>
+                                          <p:attrName>style.visibility</p:attrName>
+                                        </p:attrNameLst>
+                                      </p:cBhvr>
+                                      <p:to>
+                                        <p:strVal val="visible"/>
+                                      </p:to>
+                                    </p:set>
+                                    <p:animEffect transition="in" filter="fade">
+                                      <p:cBhvr>
+                                        <p:cTn id="7" dur="500"/>
+                                        <p:tgtEl>
+                                          <p:spTgt spid="3">
+                                            <p:txEl>
+                                              <p:pRg st="0" end="0"/>
+                                            </p:txEl>
+                                          </p:spTgt>
+                                        </p:tgtEl>
+                                      </p:cBhvr>
+                                    </p:animEffect>
+                                  </p:childTnLst>
+                                </p:cTn>
+                              </p:par>
+                            </p:childTnLst>
+                          </p:cTn>
+                        </p:par>
+                        <p:par>
+                          <p:cTn id="8" fill="hold">
+                            <p:stCondLst>
+                              <p:cond delay="500"/>
+                            </p:stCondLst>
+                            <p:childTnLst>
+                              <p:par>
+                                <p:cTn id="9" presetID="10" presetClass="entr" presetSubtype="0" fill="hold" grpId="0" nodeType="afterEffect">
+                                  <p:stCondLst>
+                                    <p:cond delay="0"/>
+                                  </p:stCondLst>
+                                  <p:childTnLst>
+                                    <p:set>
+                                      <p:cBhvr>
+                                        <p:cTn id="10" dur="1" fill="hold">
+                                          <p:stCondLst>
+                                            <p:cond delay="0"/>
+                                          </p:stCondLst>
+                                        </p:cTn>
+                                        <p:tgtEl>
+                                          <p:spTgt spid="3">
+                                            <p:txEl>
+                                              <p:pRg st="1" end="1"/>
+                                            </p:txEl>
+                                          </p:spTgt>
+                                        </p:tgtEl>
+                                        <p:attrNameLst>
+                                          <p:attrName>style.visibility</p:attrName>
+                                        </p:attrNameLst>
+                                      </p:cBhvr>
+                                      <p:to>
+                                        <p:strVal val="visible"/>
+                                      </p:to>
+                                    </p:set>
+                                    <p:animEffect transition="in" filter="fade">
+                                      <p:cBhvr>
+                                        <p:cTn id="11" dur="500"/>
+                                        <p:tgtEl>
+                                          <p:spTgt spid="3">
+                                            <p:txEl>
+                                              <p:pRg st="1" end="1"/>
+                                            </p:txEl>
+                                          </p:spTgt>
+                                        </p:tgtEl>
+                                      </p:cBhvr>
+                                    </p:animEffect>
+                                  </p:childTnLst>
+                                </p:cTn>
+                              </p:par>
+                            </p:childTnLst>
+                          </p:cTn>
+                        </p:par>
+                      </p:childTnLst>
+                    </p:cTn>
+                  </p:par>
+                  <p:par>
+                    <p:cTn id="12" fill="hold">
+                      <p:stCondLst>
+                        <p:cond delay="indefinite"/>
+                      </p:stCondLst>
+                      <p:childTnLst>
+                        <p:par>
+                          <p:cTn id="13" fill="hold">
+                            <p:stCondLst>
+                              <p:cond delay="0"/>
+                            </p:stCondLst>
+                            <p:childTnLst>
+                              <p:par>
+                                <p:cTn id="14" presetID="10" presetClass="entr" presetSubtype="0" fill="hold" grpId="0" nodeType="clickEffect">
+                                  <p:stCondLst>
+                                    <p:cond delay="0"/>
+                                  </p:stCondLst>
+                                  <p:childTnLst>
+                                    <p:set>
+                                      <p:cBhvr>
+                                        <p:cTn id="15" dur="1" fill="hold">
+                                          <p:stCondLst>
+                                            <p:cond delay="0"/>
+                                          </p:stCondLst>
+                                        </p:cTn>
+                                        <p:tgtEl>
+                                          <p:spTgt spid="3">
+                                            <p:txEl>
+                                              <p:pRg st="2" end="2"/>
+                                            </p:txEl>
+                                          </p:spTgt>
+                                        </p:tgtEl>
+                                        <p:attrNameLst>
+                                          <p:attrName>style.visibility</p:attrName>
+                                        </p:attrNameLst>
+                                      </p:cBhvr>
+                                      <p:to>
+                                        <p:strVal val="visible"/>
+                                      </p:to>
+                                    </p:set>
+                                    <p:animEffect transition="in" filter="fade">
+                                      <p:cBhvr>
+                                        <p:cTn id="16" dur="500"/>
+                                        <p:tgtEl>
+                                          <p:spTgt spid="3">
+                                            <p:txEl>
+                                              <p:pRg st="2" end="2"/>
+                                            </p:txEl>
+                                          </p:spTgt>
+                                        </p:tgtEl>
+                                      </p:cBhvr>
+                                    </p:animEffect>
+                                  </p:childTnLst>
+                                </p:cTn>
+                              </p:par>
+                            </p:childTnLst>
+                          </p:cTn>
+                        </p:par>
+                      </p:childTnLst>
+                    </p:cTn>
+                  </p:par>
+                </p:childTnLst>
+              </p:cTn>
+              <p:prevCondLst>
+                <p:cond evt="onPrev" delay="0">
+                  <p:tgtEl>
+                    <p:sldTgt/>
+                  </p:tgtEl>
+                </p:cond>
+              </p:prevCondLst>
+              <p:nextCondLst>
+                <p:cond evt="onNext" delay="0">
+                  <p:tgtEl>
+                    <p:sldTgt/>
+                  </p:tgtEl>
+                </p:cond>
+              </p:nextCondLst>
+            </p:seq>
+          </p:childTnLst>
+        </p:cTn>
       </p:par>
     </p:tnLst>
+    <p:bldLst>
+      <p:bldP spid="3" grpId="0" uiExpand="1" build="p"/>
+    </p:bldLst>
   </p:timing>
 </p:sld>
 </file>
 
-<file path=ppt/slides/slide41.xml><?xml version="1.0" encoding="utf-8"?>
+<file path=ppt/slides/slide42.xml><?xml version="1.0" encoding="utf-8"?>
 <p:sld xmlns:a="http://schemas.openxmlformats.org/drawingml/2006/main" xmlns:r="http://schemas.openxmlformats.org/officeDocument/2006/relationships" xmlns:p="http://schemas.openxmlformats.org/presentationml/2006/main">
   <p:cSld>
     <p:spTree>
@@ -30354,7 +35778,7 @@
         <p:spPr>
           <a:xfrm>
             <a:off x="5203152" y="2801698"/>
-            <a:ext cx="3386667" cy="1938992"/>
+            <a:ext cx="3386667" cy="1569660"/>
           </a:xfrm>
           <a:prstGeom prst="rect">
             <a:avLst/>
@@ -30466,27 +35890,18 @@
                 <a:latin typeface="Segoe UI Semibold"/>
                 <a:cs typeface="Segoe UI Semibold"/>
               </a:rPr>
-              <a:t>Apps where custom UI is more important than code sharing</a:t>
+              <a:t>Apps where custom UI is more important than code </a:t>
             </a:r>
-          </a:p>
-          <a:p>
-            <a:pPr marL="171446" indent="-171446">
-              <a:buFont typeface="Arial"/>
-              <a:buChar char="•"/>
-            </a:pPr>
-            <a:endParaRPr lang="en-US" sz="1200" dirty="0">
-              <a:solidFill>
-                <a:srgbClr val="152F4E"/>
-              </a:solidFill>
-              <a:latin typeface="Segoe UI Semibold"/>
-              <a:cs typeface="Segoe UI Semibold"/>
-            </a:endParaRPr>
-          </a:p>
-          <a:p>
-            <a:pPr marL="171446" indent="-171446">
-              <a:buFont typeface="Arial"/>
-              <a:buChar char="•"/>
-            </a:pPr>
+            <a:r>
+              <a:rPr lang="en-US" sz="1200" dirty="0" smtClean="0">
+                <a:solidFill>
+                  <a:srgbClr val="152F4E"/>
+                </a:solidFill>
+                <a:latin typeface="Segoe UI Semibold"/>
+                <a:cs typeface="Segoe UI Semibold"/>
+              </a:rPr>
+              <a:t>sharing</a:t>
+            </a:r>
             <a:endParaRPr lang="en-US" sz="1200" dirty="0">
               <a:solidFill>
                 <a:srgbClr val="152F4E"/>
@@ -30869,14 +36284,1075 @@
   <p:timing>
     <p:tnLst>
       <p:par>
-        <p:cTn id="1" dur="indefinite" restart="never" nodeType="tmRoot"/>
+        <p:cTn id="1" dur="indefinite" restart="never" nodeType="tmRoot">
+          <p:childTnLst>
+            <p:seq concurrent="1" nextAc="seek">
+              <p:cTn id="2" dur="indefinite" nodeType="mainSeq">
+                <p:childTnLst>
+                  <p:par>
+                    <p:cTn id="3" fill="hold">
+                      <p:stCondLst>
+                        <p:cond delay="indefinite"/>
+                      </p:stCondLst>
+                      <p:childTnLst>
+                        <p:par>
+                          <p:cTn id="4" fill="hold">
+                            <p:stCondLst>
+                              <p:cond delay="0"/>
+                            </p:stCondLst>
+                            <p:childTnLst>
+                              <p:par>
+                                <p:cTn id="5" presetID="10" presetClass="entr" presetSubtype="0" fill="hold" nodeType="clickEffect">
+                                  <p:stCondLst>
+                                    <p:cond delay="0"/>
+                                  </p:stCondLst>
+                                  <p:childTnLst>
+                                    <p:set>
+                                      <p:cBhvr>
+                                        <p:cTn id="6" dur="1" fill="hold">
+                                          <p:stCondLst>
+                                            <p:cond delay="0"/>
+                                          </p:stCondLst>
+                                        </p:cTn>
+                                        <p:tgtEl>
+                                          <p:spTgt spid="11"/>
+                                        </p:tgtEl>
+                                        <p:attrNameLst>
+                                          <p:attrName>style.visibility</p:attrName>
+                                        </p:attrNameLst>
+                                      </p:cBhvr>
+                                      <p:to>
+                                        <p:strVal val="visible"/>
+                                      </p:to>
+                                    </p:set>
+                                    <p:animEffect transition="in" filter="fade">
+                                      <p:cBhvr>
+                                        <p:cTn id="7" dur="500"/>
+                                        <p:tgtEl>
+                                          <p:spTgt spid="11"/>
+                                        </p:tgtEl>
+                                      </p:cBhvr>
+                                    </p:animEffect>
+                                  </p:childTnLst>
+                                </p:cTn>
+                              </p:par>
+                              <p:par>
+                                <p:cTn id="8" presetID="10" presetClass="entr" presetSubtype="0" fill="hold" nodeType="withEffect">
+                                  <p:stCondLst>
+                                    <p:cond delay="0"/>
+                                  </p:stCondLst>
+                                  <p:childTnLst>
+                                    <p:set>
+                                      <p:cBhvr>
+                                        <p:cTn id="9" dur="1" fill="hold">
+                                          <p:stCondLst>
+                                            <p:cond delay="0"/>
+                                          </p:stCondLst>
+                                        </p:cTn>
+                                        <p:tgtEl>
+                                          <p:spTgt spid="12"/>
+                                        </p:tgtEl>
+                                        <p:attrNameLst>
+                                          <p:attrName>style.visibility</p:attrName>
+                                        </p:attrNameLst>
+                                      </p:cBhvr>
+                                      <p:to>
+                                        <p:strVal val="visible"/>
+                                      </p:to>
+                                    </p:set>
+                                    <p:animEffect transition="in" filter="fade">
+                                      <p:cBhvr>
+                                        <p:cTn id="10" dur="500"/>
+                                        <p:tgtEl>
+                                          <p:spTgt spid="12"/>
+                                        </p:tgtEl>
+                                      </p:cBhvr>
+                                    </p:animEffect>
+                                  </p:childTnLst>
+                                </p:cTn>
+                              </p:par>
+                              <p:par>
+                                <p:cTn id="11" presetID="10" presetClass="entr" presetSubtype="0" fill="hold" nodeType="withEffect">
+                                  <p:stCondLst>
+                                    <p:cond delay="0"/>
+                                  </p:stCondLst>
+                                  <p:childTnLst>
+                                    <p:set>
+                                      <p:cBhvr>
+                                        <p:cTn id="12" dur="1" fill="hold">
+                                          <p:stCondLst>
+                                            <p:cond delay="0"/>
+                                          </p:stCondLst>
+                                        </p:cTn>
+                                        <p:tgtEl>
+                                          <p:spTgt spid="13"/>
+                                        </p:tgtEl>
+                                        <p:attrNameLst>
+                                          <p:attrName>style.visibility</p:attrName>
+                                        </p:attrNameLst>
+                                      </p:cBhvr>
+                                      <p:to>
+                                        <p:strVal val="visible"/>
+                                      </p:to>
+                                    </p:set>
+                                    <p:animEffect transition="in" filter="fade">
+                                      <p:cBhvr>
+                                        <p:cTn id="13" dur="500"/>
+                                        <p:tgtEl>
+                                          <p:spTgt spid="13"/>
+                                        </p:tgtEl>
+                                      </p:cBhvr>
+                                    </p:animEffect>
+                                  </p:childTnLst>
+                                </p:cTn>
+                              </p:par>
+                              <p:par>
+                                <p:cTn id="14" presetID="10" presetClass="entr" presetSubtype="0" fill="hold" grpId="0" nodeType="withEffect">
+                                  <p:stCondLst>
+                                    <p:cond delay="0"/>
+                                  </p:stCondLst>
+                                  <p:childTnLst>
+                                    <p:set>
+                                      <p:cBhvr>
+                                        <p:cTn id="15" dur="1" fill="hold">
+                                          <p:stCondLst>
+                                            <p:cond delay="0"/>
+                                          </p:stCondLst>
+                                        </p:cTn>
+                                        <p:tgtEl>
+                                          <p:spTgt spid="4"/>
+                                        </p:tgtEl>
+                                        <p:attrNameLst>
+                                          <p:attrName>style.visibility</p:attrName>
+                                        </p:attrNameLst>
+                                      </p:cBhvr>
+                                      <p:to>
+                                        <p:strVal val="visible"/>
+                                      </p:to>
+                                    </p:set>
+                                    <p:animEffect transition="in" filter="fade">
+                                      <p:cBhvr>
+                                        <p:cTn id="16" dur="500"/>
+                                        <p:tgtEl>
+                                          <p:spTgt spid="4"/>
+                                        </p:tgtEl>
+                                      </p:cBhvr>
+                                    </p:animEffect>
+                                  </p:childTnLst>
+                                </p:cTn>
+                              </p:par>
+                            </p:childTnLst>
+                          </p:cTn>
+                        </p:par>
+                        <p:par>
+                          <p:cTn id="17" fill="hold">
+                            <p:stCondLst>
+                              <p:cond delay="500"/>
+                            </p:stCondLst>
+                            <p:childTnLst>
+                              <p:par>
+                                <p:cTn id="18" presetID="10" presetClass="entr" presetSubtype="0" fill="hold" nodeType="afterEffect">
+                                  <p:stCondLst>
+                                    <p:cond delay="0"/>
+                                  </p:stCondLst>
+                                  <p:childTnLst>
+                                    <p:set>
+                                      <p:cBhvr>
+                                        <p:cTn id="19" dur="1" fill="hold">
+                                          <p:stCondLst>
+                                            <p:cond delay="0"/>
+                                          </p:stCondLst>
+                                        </p:cTn>
+                                        <p:tgtEl>
+                                          <p:spTgt spid="14"/>
+                                        </p:tgtEl>
+                                        <p:attrNameLst>
+                                          <p:attrName>style.visibility</p:attrName>
+                                        </p:attrNameLst>
+                                      </p:cBhvr>
+                                      <p:to>
+                                        <p:strVal val="visible"/>
+                                      </p:to>
+                                    </p:set>
+                                    <p:animEffect transition="in" filter="fade">
+                                      <p:cBhvr>
+                                        <p:cTn id="20" dur="500"/>
+                                        <p:tgtEl>
+                                          <p:spTgt spid="14"/>
+                                        </p:tgtEl>
+                                      </p:cBhvr>
+                                    </p:animEffect>
+                                  </p:childTnLst>
+                                </p:cTn>
+                              </p:par>
+                              <p:par>
+                                <p:cTn id="21" presetID="10" presetClass="entr" presetSubtype="0" fill="hold" nodeType="withEffect">
+                                  <p:stCondLst>
+                                    <p:cond delay="0"/>
+                                  </p:stCondLst>
+                                  <p:childTnLst>
+                                    <p:set>
+                                      <p:cBhvr>
+                                        <p:cTn id="22" dur="1" fill="hold">
+                                          <p:stCondLst>
+                                            <p:cond delay="0"/>
+                                          </p:stCondLst>
+                                        </p:cTn>
+                                        <p:tgtEl>
+                                          <p:spTgt spid="7"/>
+                                        </p:tgtEl>
+                                        <p:attrNameLst>
+                                          <p:attrName>style.visibility</p:attrName>
+                                        </p:attrNameLst>
+                                      </p:cBhvr>
+                                      <p:to>
+                                        <p:strVal val="visible"/>
+                                      </p:to>
+                                    </p:set>
+                                    <p:animEffect transition="in" filter="fade">
+                                      <p:cBhvr>
+                                        <p:cTn id="23" dur="500"/>
+                                        <p:tgtEl>
+                                          <p:spTgt spid="7"/>
+                                        </p:tgtEl>
+                                      </p:cBhvr>
+                                    </p:animEffect>
+                                  </p:childTnLst>
+                                </p:cTn>
+                              </p:par>
+                              <p:par>
+                                <p:cTn id="24" presetID="10" presetClass="entr" presetSubtype="0" fill="hold" nodeType="withEffect">
+                                  <p:stCondLst>
+                                    <p:cond delay="0"/>
+                                  </p:stCondLst>
+                                  <p:childTnLst>
+                                    <p:set>
+                                      <p:cBhvr>
+                                        <p:cTn id="25" dur="1" fill="hold">
+                                          <p:stCondLst>
+                                            <p:cond delay="0"/>
+                                          </p:stCondLst>
+                                        </p:cTn>
+                                        <p:tgtEl>
+                                          <p:spTgt spid="20"/>
+                                        </p:tgtEl>
+                                        <p:attrNameLst>
+                                          <p:attrName>style.visibility</p:attrName>
+                                        </p:attrNameLst>
+                                      </p:cBhvr>
+                                      <p:to>
+                                        <p:strVal val="visible"/>
+                                      </p:to>
+                                    </p:set>
+                                    <p:animEffect transition="in" filter="fade">
+                                      <p:cBhvr>
+                                        <p:cTn id="26" dur="500"/>
+                                        <p:tgtEl>
+                                          <p:spTgt spid="20"/>
+                                        </p:tgtEl>
+                                      </p:cBhvr>
+                                    </p:animEffect>
+                                  </p:childTnLst>
+                                </p:cTn>
+                              </p:par>
+                              <p:par>
+                                <p:cTn id="27" presetID="10" presetClass="entr" presetSubtype="0" fill="hold" grpId="0" nodeType="withEffect">
+                                  <p:stCondLst>
+                                    <p:cond delay="0"/>
+                                  </p:stCondLst>
+                                  <p:childTnLst>
+                                    <p:set>
+                                      <p:cBhvr>
+                                        <p:cTn id="28" dur="1" fill="hold">
+                                          <p:stCondLst>
+                                            <p:cond delay="0"/>
+                                          </p:stCondLst>
+                                        </p:cTn>
+                                        <p:tgtEl>
+                                          <p:spTgt spid="8"/>
+                                        </p:tgtEl>
+                                        <p:attrNameLst>
+                                          <p:attrName>style.visibility</p:attrName>
+                                        </p:attrNameLst>
+                                      </p:cBhvr>
+                                      <p:to>
+                                        <p:strVal val="visible"/>
+                                      </p:to>
+                                    </p:set>
+                                    <p:animEffect transition="in" filter="fade">
+                                      <p:cBhvr>
+                                        <p:cTn id="29" dur="500"/>
+                                        <p:tgtEl>
+                                          <p:spTgt spid="8"/>
+                                        </p:tgtEl>
+                                      </p:cBhvr>
+                                    </p:animEffect>
+                                  </p:childTnLst>
+                                </p:cTn>
+                              </p:par>
+                            </p:childTnLst>
+                          </p:cTn>
+                        </p:par>
+                        <p:par>
+                          <p:cTn id="30" fill="hold">
+                            <p:stCondLst>
+                              <p:cond delay="1000"/>
+                            </p:stCondLst>
+                            <p:childTnLst>
+                              <p:par>
+                                <p:cTn id="31" presetID="10" presetClass="entr" presetSubtype="0" fill="hold" grpId="0" nodeType="afterEffect">
+                                  <p:stCondLst>
+                                    <p:cond delay="0"/>
+                                  </p:stCondLst>
+                                  <p:childTnLst>
+                                    <p:set>
+                                      <p:cBhvr>
+                                        <p:cTn id="32" dur="1" fill="hold">
+                                          <p:stCondLst>
+                                            <p:cond delay="0"/>
+                                          </p:stCondLst>
+                                        </p:cTn>
+                                        <p:tgtEl>
+                                          <p:spTgt spid="6">
+                                            <p:txEl>
+                                              <p:pRg st="0" end="0"/>
+                                            </p:txEl>
+                                          </p:spTgt>
+                                        </p:tgtEl>
+                                        <p:attrNameLst>
+                                          <p:attrName>style.visibility</p:attrName>
+                                        </p:attrNameLst>
+                                      </p:cBhvr>
+                                      <p:to>
+                                        <p:strVal val="visible"/>
+                                      </p:to>
+                                    </p:set>
+                                    <p:animEffect transition="in" filter="fade">
+                                      <p:cBhvr>
+                                        <p:cTn id="33" dur="500"/>
+                                        <p:tgtEl>
+                                          <p:spTgt spid="6">
+                                            <p:txEl>
+                                              <p:pRg st="0" end="0"/>
+                                            </p:txEl>
+                                          </p:spTgt>
+                                        </p:tgtEl>
+                                      </p:cBhvr>
+                                    </p:animEffect>
+                                  </p:childTnLst>
+                                </p:cTn>
+                              </p:par>
+                            </p:childTnLst>
+                          </p:cTn>
+                        </p:par>
+                        <p:par>
+                          <p:cTn id="34" fill="hold">
+                            <p:stCondLst>
+                              <p:cond delay="1500"/>
+                            </p:stCondLst>
+                            <p:childTnLst>
+                              <p:par>
+                                <p:cTn id="35" presetID="10" presetClass="entr" presetSubtype="0" fill="hold" grpId="0" nodeType="afterEffect">
+                                  <p:stCondLst>
+                                    <p:cond delay="0"/>
+                                  </p:stCondLst>
+                                  <p:childTnLst>
+                                    <p:set>
+                                      <p:cBhvr>
+                                        <p:cTn id="36" dur="1" fill="hold">
+                                          <p:stCondLst>
+                                            <p:cond delay="0"/>
+                                          </p:stCondLst>
+                                        </p:cTn>
+                                        <p:tgtEl>
+                                          <p:spTgt spid="6">
+                                            <p:txEl>
+                                              <p:pRg st="2" end="2"/>
+                                            </p:txEl>
+                                          </p:spTgt>
+                                        </p:tgtEl>
+                                        <p:attrNameLst>
+                                          <p:attrName>style.visibility</p:attrName>
+                                        </p:attrNameLst>
+                                      </p:cBhvr>
+                                      <p:to>
+                                        <p:strVal val="visible"/>
+                                      </p:to>
+                                    </p:set>
+                                    <p:animEffect transition="in" filter="fade">
+                                      <p:cBhvr>
+                                        <p:cTn id="37" dur="500"/>
+                                        <p:tgtEl>
+                                          <p:spTgt spid="6">
+                                            <p:txEl>
+                                              <p:pRg st="2" end="2"/>
+                                            </p:txEl>
+                                          </p:spTgt>
+                                        </p:tgtEl>
+                                      </p:cBhvr>
+                                    </p:animEffect>
+                                  </p:childTnLst>
+                                </p:cTn>
+                              </p:par>
+                            </p:childTnLst>
+                          </p:cTn>
+                        </p:par>
+                        <p:par>
+                          <p:cTn id="38" fill="hold">
+                            <p:stCondLst>
+                              <p:cond delay="2000"/>
+                            </p:stCondLst>
+                            <p:childTnLst>
+                              <p:par>
+                                <p:cTn id="39" presetID="10" presetClass="entr" presetSubtype="0" fill="hold" grpId="0" nodeType="afterEffect">
+                                  <p:stCondLst>
+                                    <p:cond delay="0"/>
+                                  </p:stCondLst>
+                                  <p:childTnLst>
+                                    <p:set>
+                                      <p:cBhvr>
+                                        <p:cTn id="40" dur="1" fill="hold">
+                                          <p:stCondLst>
+                                            <p:cond delay="0"/>
+                                          </p:stCondLst>
+                                        </p:cTn>
+                                        <p:tgtEl>
+                                          <p:spTgt spid="6">
+                                            <p:txEl>
+                                              <p:pRg st="4" end="4"/>
+                                            </p:txEl>
+                                          </p:spTgt>
+                                        </p:tgtEl>
+                                        <p:attrNameLst>
+                                          <p:attrName>style.visibility</p:attrName>
+                                        </p:attrNameLst>
+                                      </p:cBhvr>
+                                      <p:to>
+                                        <p:strVal val="visible"/>
+                                      </p:to>
+                                    </p:set>
+                                    <p:animEffect transition="in" filter="fade">
+                                      <p:cBhvr>
+                                        <p:cTn id="41" dur="500"/>
+                                        <p:tgtEl>
+                                          <p:spTgt spid="6">
+                                            <p:txEl>
+                                              <p:pRg st="4" end="4"/>
+                                            </p:txEl>
+                                          </p:spTgt>
+                                        </p:tgtEl>
+                                      </p:cBhvr>
+                                    </p:animEffect>
+                                  </p:childTnLst>
+                                </p:cTn>
+                              </p:par>
+                            </p:childTnLst>
+                          </p:cTn>
+                        </p:par>
+                        <p:par>
+                          <p:cTn id="42" fill="hold">
+                            <p:stCondLst>
+                              <p:cond delay="2500"/>
+                            </p:stCondLst>
+                            <p:childTnLst>
+                              <p:par>
+                                <p:cTn id="43" presetID="10" presetClass="entr" presetSubtype="0" fill="hold" grpId="0" nodeType="afterEffect">
+                                  <p:stCondLst>
+                                    <p:cond delay="0"/>
+                                  </p:stCondLst>
+                                  <p:childTnLst>
+                                    <p:set>
+                                      <p:cBhvr>
+                                        <p:cTn id="44" dur="1" fill="hold">
+                                          <p:stCondLst>
+                                            <p:cond delay="0"/>
+                                          </p:stCondLst>
+                                        </p:cTn>
+                                        <p:tgtEl>
+                                          <p:spTgt spid="6">
+                                            <p:txEl>
+                                              <p:pRg st="6" end="6"/>
+                                            </p:txEl>
+                                          </p:spTgt>
+                                        </p:tgtEl>
+                                        <p:attrNameLst>
+                                          <p:attrName>style.visibility</p:attrName>
+                                        </p:attrNameLst>
+                                      </p:cBhvr>
+                                      <p:to>
+                                        <p:strVal val="visible"/>
+                                      </p:to>
+                                    </p:set>
+                                    <p:animEffect transition="in" filter="fade">
+                                      <p:cBhvr>
+                                        <p:cTn id="45" dur="500"/>
+                                        <p:tgtEl>
+                                          <p:spTgt spid="6">
+                                            <p:txEl>
+                                              <p:pRg st="6" end="6"/>
+                                            </p:txEl>
+                                          </p:spTgt>
+                                        </p:tgtEl>
+                                      </p:cBhvr>
+                                    </p:animEffect>
+                                  </p:childTnLst>
+                                </p:cTn>
+                              </p:par>
+                            </p:childTnLst>
+                          </p:cTn>
+                        </p:par>
+                      </p:childTnLst>
+                    </p:cTn>
+                  </p:par>
+                  <p:par>
+                    <p:cTn id="46" fill="hold">
+                      <p:stCondLst>
+                        <p:cond delay="indefinite"/>
+                      </p:stCondLst>
+                      <p:childTnLst>
+                        <p:par>
+                          <p:cTn id="47" fill="hold">
+                            <p:stCondLst>
+                              <p:cond delay="0"/>
+                            </p:stCondLst>
+                            <p:childTnLst>
+                              <p:par>
+                                <p:cTn id="48" presetID="10" presetClass="entr" presetSubtype="0" fill="hold" nodeType="clickEffect">
+                                  <p:stCondLst>
+                                    <p:cond delay="0"/>
+                                  </p:stCondLst>
+                                  <p:childTnLst>
+                                    <p:set>
+                                      <p:cBhvr>
+                                        <p:cTn id="49" dur="1" fill="hold">
+                                          <p:stCondLst>
+                                            <p:cond delay="0"/>
+                                          </p:stCondLst>
+                                        </p:cTn>
+                                        <p:tgtEl>
+                                          <p:spTgt spid="15"/>
+                                        </p:tgtEl>
+                                        <p:attrNameLst>
+                                          <p:attrName>style.visibility</p:attrName>
+                                        </p:attrNameLst>
+                                      </p:cBhvr>
+                                      <p:to>
+                                        <p:strVal val="visible"/>
+                                      </p:to>
+                                    </p:set>
+                                    <p:animEffect transition="in" filter="fade">
+                                      <p:cBhvr>
+                                        <p:cTn id="50" dur="500"/>
+                                        <p:tgtEl>
+                                          <p:spTgt spid="15"/>
+                                        </p:tgtEl>
+                                      </p:cBhvr>
+                                    </p:animEffect>
+                                  </p:childTnLst>
+                                </p:cTn>
+                              </p:par>
+                              <p:par>
+                                <p:cTn id="51" presetID="10" presetClass="entr" presetSubtype="0" fill="hold" nodeType="withEffect">
+                                  <p:stCondLst>
+                                    <p:cond delay="0"/>
+                                  </p:stCondLst>
+                                  <p:childTnLst>
+                                    <p:set>
+                                      <p:cBhvr>
+                                        <p:cTn id="52" dur="1" fill="hold">
+                                          <p:stCondLst>
+                                            <p:cond delay="0"/>
+                                          </p:stCondLst>
+                                        </p:cTn>
+                                        <p:tgtEl>
+                                          <p:spTgt spid="16"/>
+                                        </p:tgtEl>
+                                        <p:attrNameLst>
+                                          <p:attrName>style.visibility</p:attrName>
+                                        </p:attrNameLst>
+                                      </p:cBhvr>
+                                      <p:to>
+                                        <p:strVal val="visible"/>
+                                      </p:to>
+                                    </p:set>
+                                    <p:animEffect transition="in" filter="fade">
+                                      <p:cBhvr>
+                                        <p:cTn id="53" dur="500"/>
+                                        <p:tgtEl>
+                                          <p:spTgt spid="16"/>
+                                        </p:tgtEl>
+                                      </p:cBhvr>
+                                    </p:animEffect>
+                                  </p:childTnLst>
+                                </p:cTn>
+                              </p:par>
+                              <p:par>
+                                <p:cTn id="54" presetID="10" presetClass="entr" presetSubtype="0" fill="hold" nodeType="withEffect">
+                                  <p:stCondLst>
+                                    <p:cond delay="0"/>
+                                  </p:stCondLst>
+                                  <p:childTnLst>
+                                    <p:set>
+                                      <p:cBhvr>
+                                        <p:cTn id="55" dur="1" fill="hold">
+                                          <p:stCondLst>
+                                            <p:cond delay="0"/>
+                                          </p:stCondLst>
+                                        </p:cTn>
+                                        <p:tgtEl>
+                                          <p:spTgt spid="17"/>
+                                        </p:tgtEl>
+                                        <p:attrNameLst>
+                                          <p:attrName>style.visibility</p:attrName>
+                                        </p:attrNameLst>
+                                      </p:cBhvr>
+                                      <p:to>
+                                        <p:strVal val="visible"/>
+                                      </p:to>
+                                    </p:set>
+                                    <p:animEffect transition="in" filter="fade">
+                                      <p:cBhvr>
+                                        <p:cTn id="56" dur="500"/>
+                                        <p:tgtEl>
+                                          <p:spTgt spid="17"/>
+                                        </p:tgtEl>
+                                      </p:cBhvr>
+                                    </p:animEffect>
+                                  </p:childTnLst>
+                                </p:cTn>
+                              </p:par>
+                              <p:par>
+                                <p:cTn id="57" presetID="10" presetClass="entr" presetSubtype="0" fill="hold" grpId="0" nodeType="withEffect">
+                                  <p:stCondLst>
+                                    <p:cond delay="0"/>
+                                  </p:stCondLst>
+                                  <p:childTnLst>
+                                    <p:set>
+                                      <p:cBhvr>
+                                        <p:cTn id="58" dur="1" fill="hold">
+                                          <p:stCondLst>
+                                            <p:cond delay="0"/>
+                                          </p:stCondLst>
+                                        </p:cTn>
+                                        <p:tgtEl>
+                                          <p:spTgt spid="5"/>
+                                        </p:tgtEl>
+                                        <p:attrNameLst>
+                                          <p:attrName>style.visibility</p:attrName>
+                                        </p:attrNameLst>
+                                      </p:cBhvr>
+                                      <p:to>
+                                        <p:strVal val="visible"/>
+                                      </p:to>
+                                    </p:set>
+                                    <p:animEffect transition="in" filter="fade">
+                                      <p:cBhvr>
+                                        <p:cTn id="59" dur="500"/>
+                                        <p:tgtEl>
+                                          <p:spTgt spid="5"/>
+                                        </p:tgtEl>
+                                      </p:cBhvr>
+                                    </p:animEffect>
+                                  </p:childTnLst>
+                                </p:cTn>
+                              </p:par>
+                            </p:childTnLst>
+                          </p:cTn>
+                        </p:par>
+                        <p:par>
+                          <p:cTn id="60" fill="hold">
+                            <p:stCondLst>
+                              <p:cond delay="500"/>
+                            </p:stCondLst>
+                            <p:childTnLst>
+                              <p:par>
+                                <p:cTn id="61" presetID="10" presetClass="entr" presetSubtype="0" fill="hold" nodeType="afterEffect">
+                                  <p:stCondLst>
+                                    <p:cond delay="0"/>
+                                  </p:stCondLst>
+                                  <p:childTnLst>
+                                    <p:set>
+                                      <p:cBhvr>
+                                        <p:cTn id="62" dur="1" fill="hold">
+                                          <p:stCondLst>
+                                            <p:cond delay="0"/>
+                                          </p:stCondLst>
+                                        </p:cTn>
+                                        <p:tgtEl>
+                                          <p:spTgt spid="21"/>
+                                        </p:tgtEl>
+                                        <p:attrNameLst>
+                                          <p:attrName>style.visibility</p:attrName>
+                                        </p:attrNameLst>
+                                      </p:cBhvr>
+                                      <p:to>
+                                        <p:strVal val="visible"/>
+                                      </p:to>
+                                    </p:set>
+                                    <p:animEffect transition="in" filter="fade">
+                                      <p:cBhvr>
+                                        <p:cTn id="63" dur="500"/>
+                                        <p:tgtEl>
+                                          <p:spTgt spid="21"/>
+                                        </p:tgtEl>
+                                      </p:cBhvr>
+                                    </p:animEffect>
+                                  </p:childTnLst>
+                                </p:cTn>
+                              </p:par>
+                              <p:par>
+                                <p:cTn id="64" presetID="10" presetClass="entr" presetSubtype="0" fill="hold" nodeType="withEffect">
+                                  <p:stCondLst>
+                                    <p:cond delay="0"/>
+                                  </p:stCondLst>
+                                  <p:childTnLst>
+                                    <p:set>
+                                      <p:cBhvr>
+                                        <p:cTn id="65" dur="1" fill="hold">
+                                          <p:stCondLst>
+                                            <p:cond delay="0"/>
+                                          </p:stCondLst>
+                                        </p:cTn>
+                                        <p:tgtEl>
+                                          <p:spTgt spid="18"/>
+                                        </p:tgtEl>
+                                        <p:attrNameLst>
+                                          <p:attrName>style.visibility</p:attrName>
+                                        </p:attrNameLst>
+                                      </p:cBhvr>
+                                      <p:to>
+                                        <p:strVal val="visible"/>
+                                      </p:to>
+                                    </p:set>
+                                    <p:animEffect transition="in" filter="fade">
+                                      <p:cBhvr>
+                                        <p:cTn id="66" dur="500"/>
+                                        <p:tgtEl>
+                                          <p:spTgt spid="18"/>
+                                        </p:tgtEl>
+                                      </p:cBhvr>
+                                    </p:animEffect>
+                                  </p:childTnLst>
+                                </p:cTn>
+                              </p:par>
+                              <p:par>
+                                <p:cTn id="67" presetID="10" presetClass="entr" presetSubtype="0" fill="hold" nodeType="withEffect">
+                                  <p:stCondLst>
+                                    <p:cond delay="0"/>
+                                  </p:stCondLst>
+                                  <p:childTnLst>
+                                    <p:set>
+                                      <p:cBhvr>
+                                        <p:cTn id="68" dur="1" fill="hold">
+                                          <p:stCondLst>
+                                            <p:cond delay="0"/>
+                                          </p:stCondLst>
+                                        </p:cTn>
+                                        <p:tgtEl>
+                                          <p:spTgt spid="19"/>
+                                        </p:tgtEl>
+                                        <p:attrNameLst>
+                                          <p:attrName>style.visibility</p:attrName>
+                                        </p:attrNameLst>
+                                      </p:cBhvr>
+                                      <p:to>
+                                        <p:strVal val="visible"/>
+                                      </p:to>
+                                    </p:set>
+                                    <p:animEffect transition="in" filter="fade">
+                                      <p:cBhvr>
+                                        <p:cTn id="69" dur="500"/>
+                                        <p:tgtEl>
+                                          <p:spTgt spid="19"/>
+                                        </p:tgtEl>
+                                      </p:cBhvr>
+                                    </p:animEffect>
+                                  </p:childTnLst>
+                                </p:cTn>
+                              </p:par>
+                              <p:par>
+                                <p:cTn id="70" presetID="10" presetClass="entr" presetSubtype="0" fill="hold" grpId="0" nodeType="withEffect">
+                                  <p:stCondLst>
+                                    <p:cond delay="0"/>
+                                  </p:stCondLst>
+                                  <p:childTnLst>
+                                    <p:set>
+                                      <p:cBhvr>
+                                        <p:cTn id="71" dur="1" fill="hold">
+                                          <p:stCondLst>
+                                            <p:cond delay="0"/>
+                                          </p:stCondLst>
+                                        </p:cTn>
+                                        <p:tgtEl>
+                                          <p:spTgt spid="9"/>
+                                        </p:tgtEl>
+                                        <p:attrNameLst>
+                                          <p:attrName>style.visibility</p:attrName>
+                                        </p:attrNameLst>
+                                      </p:cBhvr>
+                                      <p:to>
+                                        <p:strVal val="visible"/>
+                                      </p:to>
+                                    </p:set>
+                                    <p:animEffect transition="in" filter="fade">
+                                      <p:cBhvr>
+                                        <p:cTn id="72" dur="500"/>
+                                        <p:tgtEl>
+                                          <p:spTgt spid="9"/>
+                                        </p:tgtEl>
+                                      </p:cBhvr>
+                                    </p:animEffect>
+                                  </p:childTnLst>
+                                </p:cTn>
+                              </p:par>
+                            </p:childTnLst>
+                          </p:cTn>
+                        </p:par>
+                        <p:par>
+                          <p:cTn id="73" fill="hold">
+                            <p:stCondLst>
+                              <p:cond delay="1000"/>
+                            </p:stCondLst>
+                            <p:childTnLst>
+                              <p:par>
+                                <p:cTn id="74" presetID="10" presetClass="entr" presetSubtype="0" fill="hold" grpId="0" nodeType="afterEffect">
+                                  <p:stCondLst>
+                                    <p:cond delay="0"/>
+                                  </p:stCondLst>
+                                  <p:childTnLst>
+                                    <p:set>
+                                      <p:cBhvr>
+                                        <p:cTn id="75" dur="1" fill="hold">
+                                          <p:stCondLst>
+                                            <p:cond delay="0"/>
+                                          </p:stCondLst>
+                                        </p:cTn>
+                                        <p:tgtEl>
+                                          <p:spTgt spid="10">
+                                            <p:txEl>
+                                              <p:pRg st="0" end="0"/>
+                                            </p:txEl>
+                                          </p:spTgt>
+                                        </p:tgtEl>
+                                        <p:attrNameLst>
+                                          <p:attrName>style.visibility</p:attrName>
+                                        </p:attrNameLst>
+                                      </p:cBhvr>
+                                      <p:to>
+                                        <p:strVal val="visible"/>
+                                      </p:to>
+                                    </p:set>
+                                    <p:animEffect transition="in" filter="fade">
+                                      <p:cBhvr>
+                                        <p:cTn id="76" dur="500"/>
+                                        <p:tgtEl>
+                                          <p:spTgt spid="10">
+                                            <p:txEl>
+                                              <p:pRg st="0" end="0"/>
+                                            </p:txEl>
+                                          </p:spTgt>
+                                        </p:tgtEl>
+                                      </p:cBhvr>
+                                    </p:animEffect>
+                                  </p:childTnLst>
+                                </p:cTn>
+                              </p:par>
+                            </p:childTnLst>
+                          </p:cTn>
+                        </p:par>
+                        <p:par>
+                          <p:cTn id="77" fill="hold">
+                            <p:stCondLst>
+                              <p:cond delay="1500"/>
+                            </p:stCondLst>
+                            <p:childTnLst>
+                              <p:par>
+                                <p:cTn id="78" presetID="10" presetClass="entr" presetSubtype="0" fill="hold" grpId="0" nodeType="afterEffect">
+                                  <p:stCondLst>
+                                    <p:cond delay="0"/>
+                                  </p:stCondLst>
+                                  <p:childTnLst>
+                                    <p:set>
+                                      <p:cBhvr>
+                                        <p:cTn id="79" dur="1" fill="hold">
+                                          <p:stCondLst>
+                                            <p:cond delay="0"/>
+                                          </p:stCondLst>
+                                        </p:cTn>
+                                        <p:tgtEl>
+                                          <p:spTgt spid="10">
+                                            <p:txEl>
+                                              <p:pRg st="2" end="2"/>
+                                            </p:txEl>
+                                          </p:spTgt>
+                                        </p:tgtEl>
+                                        <p:attrNameLst>
+                                          <p:attrName>style.visibility</p:attrName>
+                                        </p:attrNameLst>
+                                      </p:cBhvr>
+                                      <p:to>
+                                        <p:strVal val="visible"/>
+                                      </p:to>
+                                    </p:set>
+                                    <p:animEffect transition="in" filter="fade">
+                                      <p:cBhvr>
+                                        <p:cTn id="80" dur="500"/>
+                                        <p:tgtEl>
+                                          <p:spTgt spid="10">
+                                            <p:txEl>
+                                              <p:pRg st="2" end="2"/>
+                                            </p:txEl>
+                                          </p:spTgt>
+                                        </p:tgtEl>
+                                      </p:cBhvr>
+                                    </p:animEffect>
+                                  </p:childTnLst>
+                                </p:cTn>
+                              </p:par>
+                            </p:childTnLst>
+                          </p:cTn>
+                        </p:par>
+                        <p:par>
+                          <p:cTn id="81" fill="hold">
+                            <p:stCondLst>
+                              <p:cond delay="2000"/>
+                            </p:stCondLst>
+                            <p:childTnLst>
+                              <p:par>
+                                <p:cTn id="82" presetID="10" presetClass="entr" presetSubtype="0" fill="hold" grpId="0" nodeType="afterEffect">
+                                  <p:stCondLst>
+                                    <p:cond delay="0"/>
+                                  </p:stCondLst>
+                                  <p:childTnLst>
+                                    <p:set>
+                                      <p:cBhvr>
+                                        <p:cTn id="83" dur="1" fill="hold">
+                                          <p:stCondLst>
+                                            <p:cond delay="0"/>
+                                          </p:stCondLst>
+                                        </p:cTn>
+                                        <p:tgtEl>
+                                          <p:spTgt spid="10">
+                                            <p:txEl>
+                                              <p:pRg st="4" end="4"/>
+                                            </p:txEl>
+                                          </p:spTgt>
+                                        </p:tgtEl>
+                                        <p:attrNameLst>
+                                          <p:attrName>style.visibility</p:attrName>
+                                        </p:attrNameLst>
+                                      </p:cBhvr>
+                                      <p:to>
+                                        <p:strVal val="visible"/>
+                                      </p:to>
+                                    </p:set>
+                                    <p:animEffect transition="in" filter="fade">
+                                      <p:cBhvr>
+                                        <p:cTn id="84" dur="500"/>
+                                        <p:tgtEl>
+                                          <p:spTgt spid="10">
+                                            <p:txEl>
+                                              <p:pRg st="4" end="4"/>
+                                            </p:txEl>
+                                          </p:spTgt>
+                                        </p:tgtEl>
+                                      </p:cBhvr>
+                                    </p:animEffect>
+                                  </p:childTnLst>
+                                </p:cTn>
+                              </p:par>
+                            </p:childTnLst>
+                          </p:cTn>
+                        </p:par>
+                        <p:par>
+                          <p:cTn id="85" fill="hold">
+                            <p:stCondLst>
+                              <p:cond delay="2500"/>
+                            </p:stCondLst>
+                            <p:childTnLst>
+                              <p:par>
+                                <p:cTn id="86" presetID="10" presetClass="entr" presetSubtype="0" fill="hold" grpId="0" nodeType="afterEffect">
+                                  <p:stCondLst>
+                                    <p:cond delay="0"/>
+                                  </p:stCondLst>
+                                  <p:childTnLst>
+                                    <p:set>
+                                      <p:cBhvr>
+                                        <p:cTn id="87" dur="1" fill="hold">
+                                          <p:stCondLst>
+                                            <p:cond delay="0"/>
+                                          </p:stCondLst>
+                                        </p:cTn>
+                                        <p:tgtEl>
+                                          <p:spTgt spid="10">
+                                            <p:txEl>
+                                              <p:pRg st="6" end="6"/>
+                                            </p:txEl>
+                                          </p:spTgt>
+                                        </p:tgtEl>
+                                        <p:attrNameLst>
+                                          <p:attrName>style.visibility</p:attrName>
+                                        </p:attrNameLst>
+                                      </p:cBhvr>
+                                      <p:to>
+                                        <p:strVal val="visible"/>
+                                      </p:to>
+                                    </p:set>
+                                    <p:animEffect transition="in" filter="fade">
+                                      <p:cBhvr>
+                                        <p:cTn id="88" dur="500"/>
+                                        <p:tgtEl>
+                                          <p:spTgt spid="10">
+                                            <p:txEl>
+                                              <p:pRg st="6" end="6"/>
+                                            </p:txEl>
+                                          </p:spTgt>
+                                        </p:tgtEl>
+                                      </p:cBhvr>
+                                    </p:animEffect>
+                                  </p:childTnLst>
+                                </p:cTn>
+                              </p:par>
+                            </p:childTnLst>
+                          </p:cTn>
+                        </p:par>
+                      </p:childTnLst>
+                    </p:cTn>
+                  </p:par>
+                </p:childTnLst>
+              </p:cTn>
+              <p:prevCondLst>
+                <p:cond evt="onPrev" delay="0">
+                  <p:tgtEl>
+                    <p:sldTgt/>
+                  </p:tgtEl>
+                </p:cond>
+              </p:prevCondLst>
+              <p:nextCondLst>
+                <p:cond evt="onNext" delay="0">
+                  <p:tgtEl>
+                    <p:sldTgt/>
+                  </p:tgtEl>
+                </p:cond>
+              </p:nextCondLst>
+            </p:seq>
+          </p:childTnLst>
+        </p:cTn>
       </p:par>
     </p:tnLst>
+    <p:bldLst>
+      <p:bldP spid="4" grpId="0"/>
+      <p:bldP spid="5" grpId="0"/>
+      <p:bldP spid="6" grpId="0" uiExpand="1" build="p"/>
+      <p:bldP spid="8" grpId="0"/>
+      <p:bldP spid="9" grpId="0"/>
+      <p:bldP spid="10" grpId="0" uiExpand="1" build="p"/>
+    </p:bldLst>
   </p:timing>
 </p:sld>
 </file>
 
-<file path=ppt/slides/slide42.xml><?xml version="1.0" encoding="utf-8"?>
+<file path=ppt/slides/slide43.xml><?xml version="1.0" encoding="utf-8"?>
 <p:sld xmlns:a="http://schemas.openxmlformats.org/drawingml/2006/main" xmlns:r="http://schemas.openxmlformats.org/officeDocument/2006/relationships" xmlns:p="http://schemas.openxmlformats.org/presentationml/2006/main">
   <p:cSld>
     <p:spTree>
@@ -30968,14 +37444,223 @@
   <p:timing>
     <p:tnLst>
       <p:par>
-        <p:cTn id="1" dur="indefinite" restart="never" nodeType="tmRoot"/>
+        <p:cTn id="1" dur="indefinite" restart="never" nodeType="tmRoot">
+          <p:childTnLst>
+            <p:seq concurrent="1" nextAc="seek">
+              <p:cTn id="2" dur="indefinite" nodeType="mainSeq">
+                <p:childTnLst>
+                  <p:par>
+                    <p:cTn id="3" fill="hold">
+                      <p:stCondLst>
+                        <p:cond delay="indefinite"/>
+                      </p:stCondLst>
+                      <p:childTnLst>
+                        <p:par>
+                          <p:cTn id="4" fill="hold">
+                            <p:stCondLst>
+                              <p:cond delay="0"/>
+                            </p:stCondLst>
+                            <p:childTnLst>
+                              <p:par>
+                                <p:cTn id="5" presetID="10" presetClass="entr" presetSubtype="0" fill="hold" grpId="0" nodeType="clickEffect">
+                                  <p:stCondLst>
+                                    <p:cond delay="0"/>
+                                  </p:stCondLst>
+                                  <p:childTnLst>
+                                    <p:set>
+                                      <p:cBhvr>
+                                        <p:cTn id="6" dur="1" fill="hold">
+                                          <p:stCondLst>
+                                            <p:cond delay="0"/>
+                                          </p:stCondLst>
+                                        </p:cTn>
+                                        <p:tgtEl>
+                                          <p:spTgt spid="3">
+                                            <p:txEl>
+                                              <p:pRg st="0" end="0"/>
+                                            </p:txEl>
+                                          </p:spTgt>
+                                        </p:tgtEl>
+                                        <p:attrNameLst>
+                                          <p:attrName>style.visibility</p:attrName>
+                                        </p:attrNameLst>
+                                      </p:cBhvr>
+                                      <p:to>
+                                        <p:strVal val="visible"/>
+                                      </p:to>
+                                    </p:set>
+                                    <p:animEffect transition="in" filter="fade">
+                                      <p:cBhvr>
+                                        <p:cTn id="7" dur="500"/>
+                                        <p:tgtEl>
+                                          <p:spTgt spid="3">
+                                            <p:txEl>
+                                              <p:pRg st="0" end="0"/>
+                                            </p:txEl>
+                                          </p:spTgt>
+                                        </p:tgtEl>
+                                      </p:cBhvr>
+                                    </p:animEffect>
+                                  </p:childTnLst>
+                                </p:cTn>
+                              </p:par>
+                            </p:childTnLst>
+                          </p:cTn>
+                        </p:par>
+                      </p:childTnLst>
+                    </p:cTn>
+                  </p:par>
+                  <p:par>
+                    <p:cTn id="8" fill="hold">
+                      <p:stCondLst>
+                        <p:cond delay="indefinite"/>
+                      </p:stCondLst>
+                      <p:childTnLst>
+                        <p:par>
+                          <p:cTn id="9" fill="hold">
+                            <p:stCondLst>
+                              <p:cond delay="0"/>
+                            </p:stCondLst>
+                            <p:childTnLst>
+                              <p:par>
+                                <p:cTn id="10" presetID="10" presetClass="entr" presetSubtype="0" fill="hold" grpId="0" nodeType="clickEffect">
+                                  <p:stCondLst>
+                                    <p:cond delay="0"/>
+                                  </p:stCondLst>
+                                  <p:childTnLst>
+                                    <p:set>
+                                      <p:cBhvr>
+                                        <p:cTn id="11" dur="1" fill="hold">
+                                          <p:stCondLst>
+                                            <p:cond delay="0"/>
+                                          </p:stCondLst>
+                                        </p:cTn>
+                                        <p:tgtEl>
+                                          <p:spTgt spid="3">
+                                            <p:txEl>
+                                              <p:pRg st="1" end="1"/>
+                                            </p:txEl>
+                                          </p:spTgt>
+                                        </p:tgtEl>
+                                        <p:attrNameLst>
+                                          <p:attrName>style.visibility</p:attrName>
+                                        </p:attrNameLst>
+                                      </p:cBhvr>
+                                      <p:to>
+                                        <p:strVal val="visible"/>
+                                      </p:to>
+                                    </p:set>
+                                    <p:animEffect transition="in" filter="fade">
+                                      <p:cBhvr>
+                                        <p:cTn id="12" dur="500"/>
+                                        <p:tgtEl>
+                                          <p:spTgt spid="3">
+                                            <p:txEl>
+                                              <p:pRg st="1" end="1"/>
+                                            </p:txEl>
+                                          </p:spTgt>
+                                        </p:tgtEl>
+                                      </p:cBhvr>
+                                    </p:animEffect>
+                                  </p:childTnLst>
+                                </p:cTn>
+                              </p:par>
+                            </p:childTnLst>
+                          </p:cTn>
+                        </p:par>
+                      </p:childTnLst>
+                    </p:cTn>
+                  </p:par>
+                  <p:par>
+                    <p:cTn id="13" fill="hold">
+                      <p:stCondLst>
+                        <p:cond delay="indefinite"/>
+                      </p:stCondLst>
+                      <p:childTnLst>
+                        <p:par>
+                          <p:cTn id="14" fill="hold">
+                            <p:stCondLst>
+                              <p:cond delay="0"/>
+                            </p:stCondLst>
+                            <p:childTnLst>
+                              <p:par>
+                                <p:cTn id="15" presetID="10" presetClass="entr" presetSubtype="0" fill="hold" grpId="0" nodeType="clickEffect">
+                                  <p:stCondLst>
+                                    <p:cond delay="0"/>
+                                  </p:stCondLst>
+                                  <p:childTnLst>
+                                    <p:set>
+                                      <p:cBhvr>
+                                        <p:cTn id="16" dur="1" fill="hold">
+                                          <p:stCondLst>
+                                            <p:cond delay="0"/>
+                                          </p:stCondLst>
+                                        </p:cTn>
+                                        <p:tgtEl>
+                                          <p:spTgt spid="3">
+                                            <p:txEl>
+                                              <p:pRg st="2" end="2"/>
+                                            </p:txEl>
+                                          </p:spTgt>
+                                        </p:tgtEl>
+                                        <p:attrNameLst>
+                                          <p:attrName>style.visibility</p:attrName>
+                                        </p:attrNameLst>
+                                      </p:cBhvr>
+                                      <p:to>
+                                        <p:strVal val="visible"/>
+                                      </p:to>
+                                    </p:set>
+                                    <p:animEffect transition="in" filter="fade">
+                                      <p:cBhvr>
+                                        <p:cTn id="17" dur="500"/>
+                                        <p:tgtEl>
+                                          <p:spTgt spid="3">
+                                            <p:txEl>
+                                              <p:pRg st="2" end="2"/>
+                                            </p:txEl>
+                                          </p:spTgt>
+                                        </p:tgtEl>
+                                      </p:cBhvr>
+                                    </p:animEffect>
+                                  </p:childTnLst>
+                                </p:cTn>
+                              </p:par>
+                            </p:childTnLst>
+                          </p:cTn>
+                        </p:par>
+                      </p:childTnLst>
+                    </p:cTn>
+                  </p:par>
+                </p:childTnLst>
+              </p:cTn>
+              <p:prevCondLst>
+                <p:cond evt="onPrev" delay="0">
+                  <p:tgtEl>
+                    <p:sldTgt/>
+                  </p:tgtEl>
+                </p:cond>
+              </p:prevCondLst>
+              <p:nextCondLst>
+                <p:cond evt="onNext" delay="0">
+                  <p:tgtEl>
+                    <p:sldTgt/>
+                  </p:tgtEl>
+                </p:cond>
+              </p:nextCondLst>
+            </p:seq>
+          </p:childTnLst>
+        </p:cTn>
       </p:par>
     </p:tnLst>
+    <p:bldLst>
+      <p:bldP spid="3" grpId="0" uiExpand="1" build="p"/>
+    </p:bldLst>
   </p:timing>
 </p:sld>
 </file>
 
-<file path=ppt/slides/slide43.xml><?xml version="1.0" encoding="utf-8"?>
+<file path=ppt/slides/slide44.xml><?xml version="1.0" encoding="utf-8"?>
 <p:sld xmlns:a="http://schemas.openxmlformats.org/drawingml/2006/main" xmlns:r="http://schemas.openxmlformats.org/officeDocument/2006/relationships" xmlns:p="http://schemas.openxmlformats.org/presentationml/2006/main">
   <p:cSld>
     <p:spTree>
@@ -31244,7 +37929,7 @@
                             </p:stCondLst>
                             <p:childTnLst>
                               <p:par>
-                                <p:cTn id="5" presetID="10" presetClass="entr" presetSubtype="0" fill="hold" nodeType="withEffect">
+                                <p:cTn id="5" presetID="10" presetClass="entr" presetSubtype="0" fill="hold" nodeType="afterEffect">
                                   <p:stCondLst>
                                     <p:cond delay="0"/>
                                   </p:stCondLst>
@@ -31278,6 +37963,41 @@
                                   </p:childTnLst>
                                 </p:cTn>
                               </p:par>
+                              <p:par>
+                                <p:cTn id="8" presetID="10" presetClass="entr" presetSubtype="0" fill="hold" grpId="0" nodeType="withEffect">
+                                  <p:stCondLst>
+                                    <p:cond delay="0"/>
+                                  </p:stCondLst>
+                                  <p:childTnLst>
+                                    <p:set>
+                                      <p:cBhvr>
+                                        <p:cTn id="9" dur="1" fill="hold">
+                                          <p:stCondLst>
+                                            <p:cond delay="0"/>
+                                          </p:stCondLst>
+                                        </p:cTn>
+                                        <p:tgtEl>
+                                          <p:spTgt spid="4"/>
+                                        </p:tgtEl>
+                                        <p:attrNameLst>
+                                          <p:attrName>style.visibility</p:attrName>
+                                        </p:attrNameLst>
+                                      </p:cBhvr>
+                                      <p:to>
+                                        <p:strVal val="visible"/>
+                                      </p:to>
+                                    </p:set>
+                                    <p:animEffect transition="in" filter="fade">
+                                      <p:cBhvr>
+                                        <p:cTn id="10" dur="500"/>
+                                        <p:tgtEl>
+                                          <p:spTgt spid="4"/>
+                                        </p:tgtEl>
+                                      </p:cBhvr>
+                                    </p:animEffect>
+                                  </p:childTnLst>
+                                </p:cTn>
+                              </p:par>
                             </p:childTnLst>
                           </p:cTn>
                         </p:par>
@@ -31305,6 +38025,9 @@
         </p:cTn>
       </p:par>
     </p:tnLst>
+    <p:bldLst>
+      <p:bldP spid="4" grpId="0"/>
+    </p:bldLst>
   </p:timing>
 </p:sld>
 </file>
@@ -31744,7 +38467,7 @@
       </p:par>
     </p:tnLst>
     <p:bldLst>
-      <p:bldP spid="3" grpId="0" build="p"/>
+      <p:bldP spid="3" grpId="0" uiExpand="1" build="p"/>
     </p:bldLst>
   </p:timing>
 </p:sld>
@@ -32913,9 +39636,313 @@
   <p:timing>
     <p:tnLst>
       <p:par>
-        <p:cTn id="1" dur="indefinite" restart="never" nodeType="tmRoot"/>
+        <p:cTn id="1" dur="indefinite" restart="never" nodeType="tmRoot">
+          <p:childTnLst>
+            <p:seq concurrent="1" nextAc="seek">
+              <p:cTn id="2" dur="indefinite" nodeType="mainSeq">
+                <p:childTnLst>
+                  <p:par>
+                    <p:cTn id="3" fill="hold">
+                      <p:stCondLst>
+                        <p:cond delay="indefinite"/>
+                      </p:stCondLst>
+                      <p:childTnLst>
+                        <p:par>
+                          <p:cTn id="4" fill="hold">
+                            <p:stCondLst>
+                              <p:cond delay="0"/>
+                            </p:stCondLst>
+                            <p:childTnLst>
+                              <p:par>
+                                <p:cTn id="5" presetID="10" presetClass="entr" presetSubtype="0" fill="hold" grpId="0" nodeType="clickEffect">
+                                  <p:stCondLst>
+                                    <p:cond delay="0"/>
+                                  </p:stCondLst>
+                                  <p:childTnLst>
+                                    <p:set>
+                                      <p:cBhvr>
+                                        <p:cTn id="6" dur="1" fill="hold">
+                                          <p:stCondLst>
+                                            <p:cond delay="0"/>
+                                          </p:stCondLst>
+                                        </p:cTn>
+                                        <p:tgtEl>
+                                          <p:spTgt spid="5">
+                                            <p:txEl>
+                                              <p:pRg st="0" end="0"/>
+                                            </p:txEl>
+                                          </p:spTgt>
+                                        </p:tgtEl>
+                                        <p:attrNameLst>
+                                          <p:attrName>style.visibility</p:attrName>
+                                        </p:attrNameLst>
+                                      </p:cBhvr>
+                                      <p:to>
+                                        <p:strVal val="visible"/>
+                                      </p:to>
+                                    </p:set>
+                                    <p:animEffect transition="in" filter="fade">
+                                      <p:cBhvr>
+                                        <p:cTn id="7" dur="500"/>
+                                        <p:tgtEl>
+                                          <p:spTgt spid="5">
+                                            <p:txEl>
+                                              <p:pRg st="0" end="0"/>
+                                            </p:txEl>
+                                          </p:spTgt>
+                                        </p:tgtEl>
+                                      </p:cBhvr>
+                                    </p:animEffect>
+                                  </p:childTnLst>
+                                </p:cTn>
+                              </p:par>
+                            </p:childTnLst>
+                          </p:cTn>
+                        </p:par>
+                        <p:par>
+                          <p:cTn id="8" fill="hold">
+                            <p:stCondLst>
+                              <p:cond delay="500"/>
+                            </p:stCondLst>
+                            <p:childTnLst>
+                              <p:par>
+                                <p:cTn id="9" presetID="10" presetClass="entr" presetSubtype="0" fill="hold" grpId="0" nodeType="afterEffect">
+                                  <p:stCondLst>
+                                    <p:cond delay="0"/>
+                                  </p:stCondLst>
+                                  <p:childTnLst>
+                                    <p:set>
+                                      <p:cBhvr>
+                                        <p:cTn id="10" dur="1" fill="hold">
+                                          <p:stCondLst>
+                                            <p:cond delay="0"/>
+                                          </p:stCondLst>
+                                        </p:cTn>
+                                        <p:tgtEl>
+                                          <p:spTgt spid="5">
+                                            <p:txEl>
+                                              <p:pRg st="1" end="1"/>
+                                            </p:txEl>
+                                          </p:spTgt>
+                                        </p:tgtEl>
+                                        <p:attrNameLst>
+                                          <p:attrName>style.visibility</p:attrName>
+                                        </p:attrNameLst>
+                                      </p:cBhvr>
+                                      <p:to>
+                                        <p:strVal val="visible"/>
+                                      </p:to>
+                                    </p:set>
+                                    <p:animEffect transition="in" filter="fade">
+                                      <p:cBhvr>
+                                        <p:cTn id="11" dur="500"/>
+                                        <p:tgtEl>
+                                          <p:spTgt spid="5">
+                                            <p:txEl>
+                                              <p:pRg st="1" end="1"/>
+                                            </p:txEl>
+                                          </p:spTgt>
+                                        </p:tgtEl>
+                                      </p:cBhvr>
+                                    </p:animEffect>
+                                  </p:childTnLst>
+                                </p:cTn>
+                              </p:par>
+                            </p:childTnLst>
+                          </p:cTn>
+                        </p:par>
+                      </p:childTnLst>
+                    </p:cTn>
+                  </p:par>
+                  <p:par>
+                    <p:cTn id="12" fill="hold">
+                      <p:stCondLst>
+                        <p:cond delay="indefinite"/>
+                      </p:stCondLst>
+                      <p:childTnLst>
+                        <p:par>
+                          <p:cTn id="13" fill="hold">
+                            <p:stCondLst>
+                              <p:cond delay="0"/>
+                            </p:stCondLst>
+                            <p:childTnLst>
+                              <p:par>
+                                <p:cTn id="14" presetID="10" presetClass="entr" presetSubtype="0" fill="hold" grpId="0" nodeType="clickEffect">
+                                  <p:stCondLst>
+                                    <p:cond delay="0"/>
+                                  </p:stCondLst>
+                                  <p:childTnLst>
+                                    <p:set>
+                                      <p:cBhvr>
+                                        <p:cTn id="15" dur="1" fill="hold">
+                                          <p:stCondLst>
+                                            <p:cond delay="0"/>
+                                          </p:stCondLst>
+                                        </p:cTn>
+                                        <p:tgtEl>
+                                          <p:spTgt spid="5">
+                                            <p:txEl>
+                                              <p:pRg st="2" end="2"/>
+                                            </p:txEl>
+                                          </p:spTgt>
+                                        </p:tgtEl>
+                                        <p:attrNameLst>
+                                          <p:attrName>style.visibility</p:attrName>
+                                        </p:attrNameLst>
+                                      </p:cBhvr>
+                                      <p:to>
+                                        <p:strVal val="visible"/>
+                                      </p:to>
+                                    </p:set>
+                                    <p:animEffect transition="in" filter="fade">
+                                      <p:cBhvr>
+                                        <p:cTn id="16" dur="500"/>
+                                        <p:tgtEl>
+                                          <p:spTgt spid="5">
+                                            <p:txEl>
+                                              <p:pRg st="2" end="2"/>
+                                            </p:txEl>
+                                          </p:spTgt>
+                                        </p:tgtEl>
+                                      </p:cBhvr>
+                                    </p:animEffect>
+                                  </p:childTnLst>
+                                </p:cTn>
+                              </p:par>
+                            </p:childTnLst>
+                          </p:cTn>
+                        </p:par>
+                        <p:par>
+                          <p:cTn id="17" fill="hold">
+                            <p:stCondLst>
+                              <p:cond delay="500"/>
+                            </p:stCondLst>
+                            <p:childTnLst>
+                              <p:par>
+                                <p:cTn id="18" presetID="10" presetClass="entr" presetSubtype="0" fill="hold" grpId="0" nodeType="afterEffect">
+                                  <p:stCondLst>
+                                    <p:cond delay="0"/>
+                                  </p:stCondLst>
+                                  <p:childTnLst>
+                                    <p:set>
+                                      <p:cBhvr>
+                                        <p:cTn id="19" dur="1" fill="hold">
+                                          <p:stCondLst>
+                                            <p:cond delay="0"/>
+                                          </p:stCondLst>
+                                        </p:cTn>
+                                        <p:tgtEl>
+                                          <p:spTgt spid="5">
+                                            <p:txEl>
+                                              <p:pRg st="3" end="3"/>
+                                            </p:txEl>
+                                          </p:spTgt>
+                                        </p:tgtEl>
+                                        <p:attrNameLst>
+                                          <p:attrName>style.visibility</p:attrName>
+                                        </p:attrNameLst>
+                                      </p:cBhvr>
+                                      <p:to>
+                                        <p:strVal val="visible"/>
+                                      </p:to>
+                                    </p:set>
+                                    <p:animEffect transition="in" filter="fade">
+                                      <p:cBhvr>
+                                        <p:cTn id="20" dur="500"/>
+                                        <p:tgtEl>
+                                          <p:spTgt spid="5">
+                                            <p:txEl>
+                                              <p:pRg st="3" end="3"/>
+                                            </p:txEl>
+                                          </p:spTgt>
+                                        </p:tgtEl>
+                                      </p:cBhvr>
+                                    </p:animEffect>
+                                  </p:childTnLst>
+                                </p:cTn>
+                              </p:par>
+                            </p:childTnLst>
+                          </p:cTn>
+                        </p:par>
+                        <p:par>
+                          <p:cTn id="21" fill="hold">
+                            <p:stCondLst>
+                              <p:cond delay="1000"/>
+                            </p:stCondLst>
+                            <p:childTnLst>
+                              <p:par>
+                                <p:cTn id="22" presetID="10" presetClass="entr" presetSubtype="0" fill="hold" grpId="0" nodeType="afterEffect">
+                                  <p:stCondLst>
+                                    <p:cond delay="0"/>
+                                  </p:stCondLst>
+                                  <p:childTnLst>
+                                    <p:set>
+                                      <p:cBhvr>
+                                        <p:cTn id="23" dur="1" fill="hold">
+                                          <p:stCondLst>
+                                            <p:cond delay="0"/>
+                                          </p:stCondLst>
+                                        </p:cTn>
+                                        <p:tgtEl>
+                                          <p:spTgt spid="5">
+                                            <p:txEl>
+                                              <p:pRg st="4" end="4"/>
+                                            </p:txEl>
+                                          </p:spTgt>
+                                        </p:tgtEl>
+                                        <p:attrNameLst>
+                                          <p:attrName>style.visibility</p:attrName>
+                                        </p:attrNameLst>
+                                      </p:cBhvr>
+                                      <p:to>
+                                        <p:strVal val="visible"/>
+                                      </p:to>
+                                    </p:set>
+                                    <p:animEffect transition="in" filter="fade">
+                                      <p:cBhvr>
+                                        <p:cTn id="24" dur="500"/>
+                                        <p:tgtEl>
+                                          <p:spTgt spid="5">
+                                            <p:txEl>
+                                              <p:pRg st="4" end="4"/>
+                                            </p:txEl>
+                                          </p:spTgt>
+                                        </p:tgtEl>
+                                      </p:cBhvr>
+                                    </p:animEffect>
+                                  </p:childTnLst>
+                                </p:cTn>
+                              </p:par>
+                            </p:childTnLst>
+                          </p:cTn>
+                        </p:par>
+                      </p:childTnLst>
+                    </p:cTn>
+                  </p:par>
+                </p:childTnLst>
+              </p:cTn>
+              <p:prevCondLst>
+                <p:cond evt="onPrev" delay="0">
+                  <p:tgtEl>
+                    <p:sldTgt/>
+                  </p:tgtEl>
+                </p:cond>
+              </p:prevCondLst>
+              <p:nextCondLst>
+                <p:cond evt="onNext" delay="0">
+                  <p:tgtEl>
+                    <p:sldTgt/>
+                  </p:tgtEl>
+                </p:cond>
+              </p:nextCondLst>
+            </p:seq>
+          </p:childTnLst>
+        </p:cTn>
       </p:par>
     </p:tnLst>
+    <p:bldLst>
+      <p:bldP spid="5" grpId="0" uiExpand="1" build="p"/>
+    </p:bldLst>
   </p:timing>
 </p:sld>
 </file>

--- a/Presentations/Building Modern Mobile Apps - Xamarin.Forms.pptx
+++ b/Presentations/Building Modern Mobile Apps - Xamarin.Forms.pptx
@@ -6,10 +6,10 @@
     <p:sldMasterId id="2147483682" r:id="rId2"/>
   </p:sldMasterIdLst>
   <p:notesMasterIdLst>
-    <p:notesMasterId r:id="rId47"/>
+    <p:notesMasterId r:id="rId48"/>
   </p:notesMasterIdLst>
   <p:handoutMasterIdLst>
-    <p:handoutMasterId r:id="rId48"/>
+    <p:handoutMasterId r:id="rId49"/>
   </p:handoutMasterIdLst>
   <p:sldIdLst>
     <p:sldId id="258" r:id="rId3"/>
@@ -47,15 +47,16 @@
     <p:sldId id="282" r:id="rId35"/>
     <p:sldId id="283" r:id="rId36"/>
     <p:sldId id="284" r:id="rId37"/>
-    <p:sldId id="268" r:id="rId38"/>
-    <p:sldId id="267" r:id="rId39"/>
-    <p:sldId id="269" r:id="rId40"/>
-    <p:sldId id="309" r:id="rId41"/>
-    <p:sldId id="302" r:id="rId42"/>
-    <p:sldId id="303" r:id="rId43"/>
-    <p:sldId id="304" r:id="rId44"/>
-    <p:sldId id="305" r:id="rId45"/>
-    <p:sldId id="308" r:id="rId46"/>
+    <p:sldId id="310" r:id="rId38"/>
+    <p:sldId id="268" r:id="rId39"/>
+    <p:sldId id="267" r:id="rId40"/>
+    <p:sldId id="269" r:id="rId41"/>
+    <p:sldId id="309" r:id="rId42"/>
+    <p:sldId id="302" r:id="rId43"/>
+    <p:sldId id="303" r:id="rId44"/>
+    <p:sldId id="304" r:id="rId45"/>
+    <p:sldId id="305" r:id="rId46"/>
+    <p:sldId id="308" r:id="rId47"/>
   </p:sldIdLst>
   <p:sldSz cx="9144000" cy="5143500" type="screen16x9"/>
   <p:notesSz cx="6858000" cy="9144000"/>
@@ -33232,6 +33233,121 @@
           <a:lstStyle/>
           <a:p>
             <a:r>
+              <a:rPr lang="en-US" smtClean="0"/>
+              <a:t>MVVM</a:t>
+            </a:r>
+            <a:endParaRPr lang="en-US" dirty="0"/>
+          </a:p>
+        </p:txBody>
+      </p:sp>
+      <p:sp>
+        <p:nvSpPr>
+          <p:cNvPr id="3" name="Text Placeholder 2"/>
+          <p:cNvSpPr>
+            <a:spLocks noGrp="1"/>
+          </p:cNvSpPr>
+          <p:nvPr>
+            <p:ph type="body" idx="1"/>
+          </p:nvPr>
+        </p:nvSpPr>
+        <p:spPr/>
+        <p:txBody>
+          <a:bodyPr/>
+          <a:lstStyle/>
+          <a:p>
+            <a:r>
+              <a:rPr lang="en-US" dirty="0">
+                <a:solidFill>
+                  <a:schemeClr val="bg1"/>
+                </a:solidFill>
+              </a:rPr>
+              <a:t>[</a:t>
+            </a:r>
+            <a:r>
+              <a:rPr lang="en-US" dirty="0">
+                <a:solidFill>
+                  <a:srgbClr val="FF6600"/>
+                </a:solidFill>
+              </a:rPr>
+              <a:t>DEMO</a:t>
+            </a:r>
+            <a:r>
+              <a:rPr lang="en-US" dirty="0" smtClean="0">
+                <a:solidFill>
+                  <a:schemeClr val="bg1"/>
+                </a:solidFill>
+              </a:rPr>
+              <a:t>]</a:t>
+            </a:r>
+            <a:endParaRPr lang="en-US" dirty="0">
+              <a:solidFill>
+                <a:schemeClr val="bg1"/>
+              </a:solidFill>
+            </a:endParaRPr>
+          </a:p>
+        </p:txBody>
+      </p:sp>
+    </p:spTree>
+    <p:extLst>
+      <p:ext uri="{BB962C8B-B14F-4D97-AF65-F5344CB8AC3E}">
+        <p14:creationId xmlns:p14="http://schemas.microsoft.com/office/powerpoint/2010/main" val="991815287"/>
+      </p:ext>
+    </p:extLst>
+  </p:cSld>
+  <p:clrMapOvr>
+    <a:masterClrMapping/>
+  </p:clrMapOvr>
+  <mc:AlternateContent xmlns:mc="http://schemas.openxmlformats.org/markup-compatibility/2006" xmlns:p14="http://schemas.microsoft.com/office/powerpoint/2010/main">
+    <mc:Choice Requires="p14">
+      <p:transition spd="slow" p14:dur="2000"/>
+    </mc:Choice>
+    <mc:Fallback xmlns="">
+      <p:transition spd="slow"/>
+    </mc:Fallback>
+  </mc:AlternateContent>
+  <p:timing>
+    <p:tnLst>
+      <p:par>
+        <p:cTn id="1" dur="indefinite" restart="never" nodeType="tmRoot"/>
+      </p:par>
+    </p:tnLst>
+  </p:timing>
+</p:sld>
+</file>
+
+<file path=ppt/slides/slide37.xml><?xml version="1.0" encoding="utf-8"?>
+<p:sld xmlns:a="http://schemas.openxmlformats.org/drawingml/2006/main" xmlns:r="http://schemas.openxmlformats.org/officeDocument/2006/relationships" xmlns:p="http://schemas.openxmlformats.org/presentationml/2006/main">
+  <p:cSld>
+    <p:spTree>
+      <p:nvGrpSpPr>
+        <p:cNvPr id="1" name=""/>
+        <p:cNvGrpSpPr/>
+        <p:nvPr/>
+      </p:nvGrpSpPr>
+      <p:grpSpPr>
+        <a:xfrm>
+          <a:off x="0" y="0"/>
+          <a:ext cx="0" cy="0"/>
+          <a:chOff x="0" y="0"/>
+          <a:chExt cx="0" cy="0"/>
+        </a:xfrm>
+      </p:grpSpPr>
+      <p:sp>
+        <p:nvSpPr>
+          <p:cNvPr id="2" name="Title 1"/>
+          <p:cNvSpPr>
+            <a:spLocks noGrp="1"/>
+          </p:cNvSpPr>
+          <p:nvPr>
+            <p:ph type="title"/>
+          </p:nvPr>
+        </p:nvSpPr>
+        <p:spPr/>
+        <p:txBody>
+          <a:bodyPr/>
+          <a:lstStyle/>
+          <a:p>
+            <a:r>
               <a:rPr lang="en-US" dirty="0" smtClean="0"/>
               <a:t>Application Lifecycle</a:t>
             </a:r>
@@ -33615,7 +33731,7 @@
 </p:sld>
 </file>
 
-<file path=ppt/slides/slide37.xml><?xml version="1.0" encoding="utf-8"?>
+<file path=ppt/slides/slide38.xml><?xml version="1.0" encoding="utf-8"?>
 <p:sld xmlns:a="http://schemas.openxmlformats.org/drawingml/2006/main" xmlns:r="http://schemas.openxmlformats.org/officeDocument/2006/relationships" xmlns:p="http://schemas.openxmlformats.org/presentationml/2006/main">
   <p:cSld>
     <p:spTree>
@@ -33935,7 +34051,7 @@
 </p:sld>
 </file>
 
-<file path=ppt/slides/slide38.xml><?xml version="1.0" encoding="utf-8"?>
+<file path=ppt/slides/slide39.xml><?xml version="1.0" encoding="utf-8"?>
 <p:sld xmlns:a="http://schemas.openxmlformats.org/drawingml/2006/main" xmlns:r="http://schemas.openxmlformats.org/officeDocument/2006/relationships" xmlns:p="http://schemas.openxmlformats.org/presentationml/2006/main">
   <p:cSld>
     <p:spTree>
@@ -34303,89 +34419,6 @@
 </p:sld>
 </file>
 
-<file path=ppt/slides/slide39.xml><?xml version="1.0" encoding="utf-8"?>
-<p:sld xmlns:a="http://schemas.openxmlformats.org/drawingml/2006/main" xmlns:r="http://schemas.openxmlformats.org/officeDocument/2006/relationships" xmlns:p="http://schemas.openxmlformats.org/presentationml/2006/main">
-  <p:cSld>
-    <p:spTree>
-      <p:nvGrpSpPr>
-        <p:cNvPr id="1" name=""/>
-        <p:cNvGrpSpPr/>
-        <p:nvPr/>
-      </p:nvGrpSpPr>
-      <p:grpSpPr>
-        <a:xfrm>
-          <a:off x="0" y="0"/>
-          <a:ext cx="0" cy="0"/>
-          <a:chOff x="0" y="0"/>
-          <a:chExt cx="0" cy="0"/>
-        </a:xfrm>
-      </p:grpSpPr>
-      <p:sp>
-        <p:nvSpPr>
-          <p:cNvPr id="4" name="Title 3"/>
-          <p:cNvSpPr>
-            <a:spLocks noGrp="1"/>
-          </p:cNvSpPr>
-          <p:nvPr>
-            <p:ph type="title"/>
-          </p:nvPr>
-        </p:nvSpPr>
-        <p:spPr/>
-        <p:txBody>
-          <a:bodyPr/>
-          <a:lstStyle/>
-          <a:p>
-            <a:r>
-              <a:rPr lang="en-US" dirty="0" smtClean="0"/>
-              <a:t>Thoughts on </a:t>
-            </a:r>
-            <a:r>
-              <a:rPr lang="en-US" dirty="0" err="1" smtClean="0"/>
-              <a:t>Xamarin.Forms</a:t>
-            </a:r>
-            <a:endParaRPr lang="en-US" dirty="0"/>
-          </a:p>
-        </p:txBody>
-      </p:sp>
-      <p:sp>
-        <p:nvSpPr>
-          <p:cNvPr id="5" name="Text Placeholder 4"/>
-          <p:cNvSpPr>
-            <a:spLocks noGrp="1"/>
-          </p:cNvSpPr>
-          <p:nvPr>
-            <p:ph type="body" idx="1"/>
-          </p:nvPr>
-        </p:nvSpPr>
-        <p:spPr/>
-        <p:txBody>
-          <a:bodyPr/>
-          <a:lstStyle/>
-          <a:p>
-            <a:endParaRPr lang="en-US"/>
-          </a:p>
-        </p:txBody>
-      </p:sp>
-    </p:spTree>
-    <p:extLst>
-      <p:ext uri="{BB962C8B-B14F-4D97-AF65-F5344CB8AC3E}">
-        <p14:creationId xmlns:p14="http://schemas.microsoft.com/office/powerpoint/2010/main" val="3653969678"/>
-      </p:ext>
-    </p:extLst>
-  </p:cSld>
-  <p:clrMapOvr>
-    <a:masterClrMapping/>
-  </p:clrMapOvr>
-  <p:timing>
-    <p:tnLst>
-      <p:par>
-        <p:cTn id="1" dur="indefinite" restart="never" nodeType="tmRoot"/>
-      </p:par>
-    </p:tnLst>
-  </p:timing>
-</p:sld>
-</file>
-
 <file path=ppt/slides/slide4.xml><?xml version="1.0" encoding="utf-8"?>
 <p:sld xmlns:a="http://schemas.openxmlformats.org/drawingml/2006/main" xmlns:r="http://schemas.openxmlformats.org/officeDocument/2006/relationships" xmlns:p="http://schemas.openxmlformats.org/presentationml/2006/main">
   <p:cSld>
@@ -34474,6 +34507,89 @@
 </file>
 
 <file path=ppt/slides/slide40.xml><?xml version="1.0" encoding="utf-8"?>
+<p:sld xmlns:a="http://schemas.openxmlformats.org/drawingml/2006/main" xmlns:r="http://schemas.openxmlformats.org/officeDocument/2006/relationships" xmlns:p="http://schemas.openxmlformats.org/presentationml/2006/main">
+  <p:cSld>
+    <p:spTree>
+      <p:nvGrpSpPr>
+        <p:cNvPr id="1" name=""/>
+        <p:cNvGrpSpPr/>
+        <p:nvPr/>
+      </p:nvGrpSpPr>
+      <p:grpSpPr>
+        <a:xfrm>
+          <a:off x="0" y="0"/>
+          <a:ext cx="0" cy="0"/>
+          <a:chOff x="0" y="0"/>
+          <a:chExt cx="0" cy="0"/>
+        </a:xfrm>
+      </p:grpSpPr>
+      <p:sp>
+        <p:nvSpPr>
+          <p:cNvPr id="4" name="Title 3"/>
+          <p:cNvSpPr>
+            <a:spLocks noGrp="1"/>
+          </p:cNvSpPr>
+          <p:nvPr>
+            <p:ph type="title"/>
+          </p:nvPr>
+        </p:nvSpPr>
+        <p:spPr/>
+        <p:txBody>
+          <a:bodyPr/>
+          <a:lstStyle/>
+          <a:p>
+            <a:r>
+              <a:rPr lang="en-US" dirty="0" smtClean="0"/>
+              <a:t>Thoughts on </a:t>
+            </a:r>
+            <a:r>
+              <a:rPr lang="en-US" dirty="0" err="1" smtClean="0"/>
+              <a:t>Xamarin.Forms</a:t>
+            </a:r>
+            <a:endParaRPr lang="en-US" dirty="0"/>
+          </a:p>
+        </p:txBody>
+      </p:sp>
+      <p:sp>
+        <p:nvSpPr>
+          <p:cNvPr id="5" name="Text Placeholder 4"/>
+          <p:cNvSpPr>
+            <a:spLocks noGrp="1"/>
+          </p:cNvSpPr>
+          <p:nvPr>
+            <p:ph type="body" idx="1"/>
+          </p:nvPr>
+        </p:nvSpPr>
+        <p:spPr/>
+        <p:txBody>
+          <a:bodyPr/>
+          <a:lstStyle/>
+          <a:p>
+            <a:endParaRPr lang="en-US"/>
+          </a:p>
+        </p:txBody>
+      </p:sp>
+    </p:spTree>
+    <p:extLst>
+      <p:ext uri="{BB962C8B-B14F-4D97-AF65-F5344CB8AC3E}">
+        <p14:creationId xmlns:p14="http://schemas.microsoft.com/office/powerpoint/2010/main" val="3653969678"/>
+      </p:ext>
+    </p:extLst>
+  </p:cSld>
+  <p:clrMapOvr>
+    <a:masterClrMapping/>
+  </p:clrMapOvr>
+  <p:timing>
+    <p:tnLst>
+      <p:par>
+        <p:cTn id="1" dur="indefinite" restart="never" nodeType="tmRoot"/>
+      </p:par>
+    </p:tnLst>
+  </p:timing>
+</p:sld>
+</file>
+
+<file path=ppt/slides/slide41.xml><?xml version="1.0" encoding="utf-8"?>
 <p:sld xmlns:a="http://schemas.openxmlformats.org/drawingml/2006/main" xmlns:r="http://schemas.openxmlformats.org/officeDocument/2006/relationships" xmlns:p="http://schemas.openxmlformats.org/presentationml/2006/main">
   <p:cSld>
     <p:spTree>
@@ -34912,7 +35028,7 @@
 </p:sld>
 </file>
 
-<file path=ppt/slides/slide41.xml><?xml version="1.0" encoding="utf-8"?>
+<file path=ppt/slides/slide42.xml><?xml version="1.0" encoding="utf-8"?>
 <p:sld xmlns:a="http://schemas.openxmlformats.org/drawingml/2006/main" xmlns:r="http://schemas.openxmlformats.org/officeDocument/2006/relationships" xmlns:p="http://schemas.openxmlformats.org/presentationml/2006/main">
   <p:cSld>
     <p:spTree>
@@ -34986,9 +35102,12 @@
           <a:p>
             <a:r>
               <a:rPr lang="en-US" dirty="0" smtClean="0"/>
-              <a:t>More challenging to customize UI</a:t>
+              <a:t>More challenging to customize </a:t>
             </a:r>
-            <a:endParaRPr lang="en-US" dirty="0"/>
+            <a:r>
+              <a:rPr lang="en-US" dirty="0" smtClean="0"/>
+              <a:t>UI</a:t>
+            </a:r>
           </a:p>
         </p:txBody>
       </p:sp>
@@ -35212,7 +35331,7 @@
 </p:sld>
 </file>
 
-<file path=ppt/slides/slide42.xml><?xml version="1.0" encoding="utf-8"?>
+<file path=ppt/slides/slide43.xml><?xml version="1.0" encoding="utf-8"?>
 <p:sld xmlns:a="http://schemas.openxmlformats.org/drawingml/2006/main" xmlns:r="http://schemas.openxmlformats.org/officeDocument/2006/relationships" xmlns:p="http://schemas.openxmlformats.org/presentationml/2006/main">
   <p:cSld>
     <p:spTree>
@@ -37352,7 +37471,7 @@
 </p:sld>
 </file>
 
-<file path=ppt/slides/slide43.xml><?xml version="1.0" encoding="utf-8"?>
+<file path=ppt/slides/slide44.xml><?xml version="1.0" encoding="utf-8"?>
 <p:sld xmlns:a="http://schemas.openxmlformats.org/drawingml/2006/main" xmlns:r="http://schemas.openxmlformats.org/officeDocument/2006/relationships" xmlns:p="http://schemas.openxmlformats.org/presentationml/2006/main">
   <p:cSld>
     <p:spTree>
@@ -37660,7 +37779,7 @@
 </p:sld>
 </file>
 
-<file path=ppt/slides/slide44.xml><?xml version="1.0" encoding="utf-8"?>
+<file path=ppt/slides/slide45.xml><?xml version="1.0" encoding="utf-8"?>
 <p:sld xmlns:a="http://schemas.openxmlformats.org/drawingml/2006/main" xmlns:r="http://schemas.openxmlformats.org/officeDocument/2006/relationships" xmlns:p="http://schemas.openxmlformats.org/presentationml/2006/main">
   <p:cSld>
     <p:spTree>
